--- a/1-2/CB1501010/Introduction to Electrical and Electronic Engineering/012/EE_ch10_OPamp.pptx
+++ b/1-2/CB1501010/Introduction to Electrical and Electronic Engineering/012/EE_ch10_OPamp.pptx
@@ -448,6 +448,11 @@
         </p:txBody>
       </p:sp>
     </p:spTree>
+    <p:extLst>
+      <p:ext uri="{BB962C8B-B14F-4D97-AF65-F5344CB8AC3E}">
+        <p14:creationId xmlns:p14="http://schemas.microsoft.com/office/powerpoint/2010/main" val="1"/>
+      </p:ext>
+    </p:extLst>
   </p:cSld>
   <p:clrMap bg1="lt1" tx1="dk1" bg2="lt2" tx2="dk2" accent1="accent1" accent2="accent2" accent3="accent3" accent4="accent4" accent5="accent5" accent6="accent6" hlink="hlink" folHlink="folHlink"/>
 </p:handoutMaster>
@@ -651,35 +656,35 @@
           <a:p>
             <a:pPr lvl="0"/>
             <a:r>
-              <a:rPr lang="ko-KR" altLang="en-US" noProof="0" smtClean="0"/>
+              <a:rPr lang="ko-KR" altLang="en-US" noProof="0"/>
               <a:t>마스터 텍스트 스타일을 편집합니다</a:t>
             </a:r>
           </a:p>
           <a:p>
             <a:pPr lvl="1"/>
             <a:r>
-              <a:rPr lang="ko-KR" altLang="en-US" noProof="0" smtClean="0"/>
+              <a:rPr lang="ko-KR" altLang="en-US" noProof="0"/>
               <a:t>둘째 수준</a:t>
             </a:r>
           </a:p>
           <a:p>
             <a:pPr lvl="2"/>
             <a:r>
-              <a:rPr lang="ko-KR" altLang="en-US" noProof="0" smtClean="0"/>
+              <a:rPr lang="ko-KR" altLang="en-US" noProof="0"/>
               <a:t>셋째 수준</a:t>
             </a:r>
           </a:p>
           <a:p>
             <a:pPr lvl="3"/>
             <a:r>
-              <a:rPr lang="ko-KR" altLang="en-US" noProof="0" smtClean="0"/>
+              <a:rPr lang="ko-KR" altLang="en-US" noProof="0"/>
               <a:t>넷째 수준</a:t>
             </a:r>
           </a:p>
           <a:p>
             <a:pPr lvl="4"/>
             <a:r>
-              <a:rPr lang="ko-KR" altLang="en-US" noProof="0" smtClean="0"/>
+              <a:rPr lang="ko-KR" altLang="en-US" noProof="0"/>
               <a:t>다섯째 수준</a:t>
             </a:r>
           </a:p>
@@ -916,6 +921,96 @@
     </a:lvl9pPr>
   </p:notesStyle>
 </p:notesMaster>
+</file>
+
+<file path=ppt/notesSlides/notesSlide1.xml><?xml version="1.0" encoding="utf-8"?>
+<p:notes xmlns:a="http://schemas.openxmlformats.org/drawingml/2006/main" xmlns:r="http://schemas.openxmlformats.org/officeDocument/2006/relationships" xmlns:p="http://schemas.openxmlformats.org/presentationml/2006/main">
+  <p:cSld>
+    <p:spTree>
+      <p:nvGrpSpPr>
+        <p:cNvPr id="1" name=""/>
+        <p:cNvGrpSpPr/>
+        <p:nvPr/>
+      </p:nvGrpSpPr>
+      <p:grpSpPr>
+        <a:xfrm>
+          <a:off x="0" y="0"/>
+          <a:ext cx="0" cy="0"/>
+          <a:chOff x="0" y="0"/>
+          <a:chExt cx="0" cy="0"/>
+        </a:xfrm>
+      </p:grpSpPr>
+      <p:sp>
+        <p:nvSpPr>
+          <p:cNvPr id="2" name="슬라이드 이미지 개체 틀 1"/>
+          <p:cNvSpPr>
+            <a:spLocks noGrp="1" noRot="1" noChangeAspect="1"/>
+          </p:cNvSpPr>
+          <p:nvPr>
+            <p:ph type="sldImg"/>
+          </p:nvPr>
+        </p:nvSpPr>
+        <p:spPr/>
+      </p:sp>
+      <p:sp>
+        <p:nvSpPr>
+          <p:cNvPr id="3" name="슬라이드 노트 개체 틀 2"/>
+          <p:cNvSpPr>
+            <a:spLocks noGrp="1"/>
+          </p:cNvSpPr>
+          <p:nvPr>
+            <p:ph type="body" idx="1"/>
+          </p:nvPr>
+        </p:nvSpPr>
+        <p:spPr/>
+        <p:txBody>
+          <a:bodyPr/>
+          <a:lstStyle/>
+          <a:p>
+            <a:endParaRPr lang="ko-KR" altLang="en-US" dirty="0"/>
+          </a:p>
+        </p:txBody>
+      </p:sp>
+      <p:sp>
+        <p:nvSpPr>
+          <p:cNvPr id="4" name="슬라이드 번호 개체 틀 3"/>
+          <p:cNvSpPr>
+            <a:spLocks noGrp="1"/>
+          </p:cNvSpPr>
+          <p:nvPr>
+            <p:ph type="sldNum" sz="quarter" idx="5"/>
+          </p:nvPr>
+        </p:nvSpPr>
+        <p:spPr/>
+        <p:txBody>
+          <a:bodyPr/>
+          <a:lstStyle/>
+          <a:p>
+            <a:pPr>
+              <a:defRPr/>
+            </a:pPr>
+            <a:fld id="{63F77CA8-EFBD-4465-B3E9-3E00CBF80F71}" type="slidenum">
+              <a:rPr lang="en-US" altLang="ko-KR" smtClean="0"/>
+              <a:pPr>
+                <a:defRPr/>
+              </a:pPr>
+              <a:t>0</a:t>
+            </a:fld>
+            <a:endParaRPr lang="en-US" altLang="ko-KR"/>
+          </a:p>
+        </p:txBody>
+      </p:sp>
+    </p:spTree>
+    <p:extLst>
+      <p:ext uri="{BB962C8B-B14F-4D97-AF65-F5344CB8AC3E}">
+        <p14:creationId xmlns:p14="http://schemas.microsoft.com/office/powerpoint/2010/main" val="2020976856"/>
+      </p:ext>
+    </p:extLst>
+  </p:cSld>
+  <p:clrMapOvr>
+    <a:masterClrMapping/>
+  </p:clrMapOvr>
+</p:notes>
 </file>
 
 <file path=ppt/slideLayouts/slideLayout1.xml><?xml version="1.0" encoding="utf-8"?>
@@ -1083,7 +1178,7 @@
             <a:pPr eaLnBrk="1" latinLnBrk="1" hangingPunct="1">
               <a:defRPr/>
             </a:pPr>
-            <a:endParaRPr lang="ko-KR" altLang="ko-KR" sz="1800" smtClean="0">
+            <a:endParaRPr lang="ko-KR" altLang="ko-KR" sz="1800">
               <a:solidFill>
                 <a:schemeClr val="bg1"/>
               </a:solidFill>
@@ -1408,14 +1503,14 @@
               <a:defRPr/>
             </a:pPr>
             <a:r>
-              <a:rPr lang="en-US" altLang="ko-KR" sz="1600" i="1" smtClean="0">
+              <a:rPr lang="en-US" altLang="ko-KR" sz="1600" i="1">
                 <a:solidFill>
                   <a:schemeClr val="bg1"/>
                 </a:solidFill>
               </a:rPr>
               <a:t>Pusan National University </a:t>
             </a:r>
-            <a:endParaRPr lang="en-US" altLang="ko-KR" sz="1000" smtClean="0">
+            <a:endParaRPr lang="en-US" altLang="ko-KR" sz="1000">
               <a:solidFill>
                 <a:schemeClr val="bg1"/>
               </a:solidFill>
@@ -1902,7 +1997,7 @@
               <a:defRPr/>
             </a:pPr>
             <a:r>
-              <a:rPr lang="en-US" altLang="ko-KR" sz="3400" i="1" smtClean="0">
+              <a:rPr lang="en-US" altLang="ko-KR" sz="3400" i="1">
                 <a:solidFill>
                   <a:srgbClr val="99CC00"/>
                 </a:solidFill>
@@ -2069,7 +2164,7 @@
               <a:defRPr/>
             </a:pPr>
             <a:r>
-              <a:rPr lang="en-US" altLang="ko-KR" sz="4600" i="1" smtClean="0">
+              <a:rPr lang="en-US" altLang="ko-KR" sz="4600" i="1">
                 <a:latin typeface="Arial Black" pitchFamily="34" charset="0"/>
               </a:rPr>
               <a:t>PNU</a:t>
@@ -2233,7 +2328,7 @@
               <a:defRPr/>
             </a:pPr>
             <a:r>
-              <a:rPr lang="en-US" altLang="ko-KR" sz="1600" i="1" smtClean="0">
+              <a:rPr lang="en-US" altLang="ko-KR" sz="1600" i="1">
                 <a:solidFill>
                   <a:schemeClr val="bg2"/>
                 </a:solidFill>
@@ -2242,7 +2337,7 @@
               <a:t> </a:t>
             </a:r>
             <a:r>
-              <a:rPr lang="ko-KR" altLang="en-US" sz="1600" i="1" smtClean="0">
+              <a:rPr lang="ko-KR" altLang="en-US" sz="1600" i="1">
                 <a:solidFill>
                   <a:schemeClr val="bg2"/>
                 </a:solidFill>
@@ -2366,7 +2461,18 @@
   <p:clrMapOvr>
     <a:masterClrMapping/>
   </p:clrMapOvr>
-  <p:transition spd="med"/>
+  <mc:AlternateContent xmlns:mc="http://schemas.openxmlformats.org/markup-compatibility/2006">
+    <mc:Choice xmlns:p159="http://schemas.microsoft.com/office/powerpoint/2015/09/main" Requires="p159">
+      <p:transition>
+        <p159:morph option="byChar"/>
+      </p:transition>
+    </mc:Choice>
+    <mc:Fallback>
+      <p:transition>
+        <p:fade/>
+      </p:transition>
+    </mc:Fallback>
+  </mc:AlternateContent>
 </p:sldLayout>
 </file>
 
@@ -2408,10 +2514,9 @@
           <a:lstStyle/>
           <a:p>
             <a:r>
-              <a:rPr lang="ko-KR" altLang="en-US" smtClean="0"/>
+              <a:rPr lang="ko-KR" altLang="en-US"/>
               <a:t>마스터 제목 스타일 편집</a:t>
             </a:r>
-            <a:endParaRPr lang="ko-KR" altLang="en-US"/>
           </a:p>
         </p:txBody>
       </p:sp>
@@ -2437,38 +2542,37 @@
           <a:p>
             <a:pPr lvl="0"/>
             <a:r>
-              <a:rPr lang="ko-KR" altLang="en-US" smtClean="0"/>
+              <a:rPr lang="ko-KR" altLang="en-US"/>
               <a:t>마스터 텍스트 스타일을 편집합니다</a:t>
             </a:r>
           </a:p>
           <a:p>
             <a:pPr lvl="1"/>
             <a:r>
-              <a:rPr lang="ko-KR" altLang="en-US" smtClean="0"/>
+              <a:rPr lang="ko-KR" altLang="en-US"/>
               <a:t>둘째 수준</a:t>
             </a:r>
           </a:p>
           <a:p>
             <a:pPr lvl="2"/>
             <a:r>
-              <a:rPr lang="ko-KR" altLang="en-US" smtClean="0"/>
+              <a:rPr lang="ko-KR" altLang="en-US"/>
               <a:t>셋째 수준</a:t>
             </a:r>
           </a:p>
           <a:p>
             <a:pPr lvl="3"/>
             <a:r>
-              <a:rPr lang="ko-KR" altLang="en-US" smtClean="0"/>
+              <a:rPr lang="ko-KR" altLang="en-US"/>
               <a:t>넷째 수준</a:t>
             </a:r>
           </a:p>
           <a:p>
             <a:pPr lvl="4"/>
             <a:r>
-              <a:rPr lang="ko-KR" altLang="en-US" smtClean="0"/>
+              <a:rPr lang="ko-KR" altLang="en-US"/>
               <a:t>다섯째 수준</a:t>
             </a:r>
-            <a:endParaRPr lang="ko-KR" altLang="en-US"/>
           </a:p>
         </p:txBody>
       </p:sp>
@@ -2482,7 +2586,18 @@
   <p:clrMapOvr>
     <a:masterClrMapping/>
   </p:clrMapOvr>
-  <p:transition spd="med"/>
+  <mc:AlternateContent xmlns:mc="http://schemas.openxmlformats.org/markup-compatibility/2006">
+    <mc:Choice xmlns:p159="http://schemas.microsoft.com/office/powerpoint/2015/09/main" Requires="p159">
+      <p:transition>
+        <p159:morph option="byChar"/>
+      </p:transition>
+    </mc:Choice>
+    <mc:Fallback>
+      <p:transition>
+        <p:fade/>
+      </p:transition>
+    </mc:Fallback>
+  </mc:AlternateContent>
 </p:sldLayout>
 </file>
 
@@ -2524,10 +2639,9 @@
           <a:lstStyle/>
           <a:p>
             <a:r>
-              <a:rPr lang="ko-KR" altLang="en-US" smtClean="0"/>
+              <a:rPr lang="ko-KR" altLang="en-US"/>
               <a:t>마스터 제목 스타일 편집</a:t>
             </a:r>
-            <a:endParaRPr lang="ko-KR" altLang="en-US"/>
           </a:p>
         </p:txBody>
       </p:sp>
@@ -2553,38 +2667,37 @@
           <a:p>
             <a:pPr lvl="0"/>
             <a:r>
-              <a:rPr lang="ko-KR" altLang="en-US" smtClean="0"/>
+              <a:rPr lang="ko-KR" altLang="en-US"/>
               <a:t>마스터 텍스트 스타일을 편집합니다</a:t>
             </a:r>
           </a:p>
           <a:p>
             <a:pPr lvl="1"/>
             <a:r>
-              <a:rPr lang="ko-KR" altLang="en-US" smtClean="0"/>
+              <a:rPr lang="ko-KR" altLang="en-US"/>
               <a:t>둘째 수준</a:t>
             </a:r>
           </a:p>
           <a:p>
             <a:pPr lvl="2"/>
             <a:r>
-              <a:rPr lang="ko-KR" altLang="en-US" smtClean="0"/>
+              <a:rPr lang="ko-KR" altLang="en-US"/>
               <a:t>셋째 수준</a:t>
             </a:r>
           </a:p>
           <a:p>
             <a:pPr lvl="3"/>
             <a:r>
-              <a:rPr lang="ko-KR" altLang="en-US" smtClean="0"/>
+              <a:rPr lang="ko-KR" altLang="en-US"/>
               <a:t>넷째 수준</a:t>
             </a:r>
           </a:p>
           <a:p>
             <a:pPr lvl="4"/>
             <a:r>
-              <a:rPr lang="ko-KR" altLang="en-US" smtClean="0"/>
+              <a:rPr lang="ko-KR" altLang="en-US"/>
               <a:t>다섯째 수준</a:t>
             </a:r>
-            <a:endParaRPr lang="ko-KR" altLang="en-US"/>
           </a:p>
         </p:txBody>
       </p:sp>
@@ -2610,38 +2723,37 @@
           <a:p>
             <a:pPr lvl="0"/>
             <a:r>
-              <a:rPr lang="ko-KR" altLang="en-US" smtClean="0"/>
+              <a:rPr lang="ko-KR" altLang="en-US"/>
               <a:t>마스터 텍스트 스타일을 편집합니다</a:t>
             </a:r>
           </a:p>
           <a:p>
             <a:pPr lvl="1"/>
             <a:r>
-              <a:rPr lang="ko-KR" altLang="en-US" smtClean="0"/>
+              <a:rPr lang="ko-KR" altLang="en-US"/>
               <a:t>둘째 수준</a:t>
             </a:r>
           </a:p>
           <a:p>
             <a:pPr lvl="2"/>
             <a:r>
-              <a:rPr lang="ko-KR" altLang="en-US" smtClean="0"/>
+              <a:rPr lang="ko-KR" altLang="en-US"/>
               <a:t>셋째 수준</a:t>
             </a:r>
           </a:p>
           <a:p>
             <a:pPr lvl="3"/>
             <a:r>
-              <a:rPr lang="ko-KR" altLang="en-US" smtClean="0"/>
+              <a:rPr lang="ko-KR" altLang="en-US"/>
               <a:t>넷째 수준</a:t>
             </a:r>
           </a:p>
           <a:p>
             <a:pPr lvl="4"/>
             <a:r>
-              <a:rPr lang="ko-KR" altLang="en-US" smtClean="0"/>
+              <a:rPr lang="ko-KR" altLang="en-US"/>
               <a:t>다섯째 수준</a:t>
             </a:r>
-            <a:endParaRPr lang="ko-KR" altLang="en-US"/>
           </a:p>
         </p:txBody>
       </p:sp>
@@ -2655,7 +2767,18 @@
   <p:clrMapOvr>
     <a:masterClrMapping/>
   </p:clrMapOvr>
-  <p:transition spd="med"/>
+  <mc:AlternateContent xmlns:mc="http://schemas.openxmlformats.org/markup-compatibility/2006">
+    <mc:Choice xmlns:p159="http://schemas.microsoft.com/office/powerpoint/2015/09/main" Requires="p159">
+      <p:transition>
+        <p159:morph option="byChar"/>
+      </p:transition>
+    </mc:Choice>
+    <mc:Fallback>
+      <p:transition>
+        <p:fade/>
+      </p:transition>
+    </mc:Fallback>
+  </mc:AlternateContent>
 </p:sldLayout>
 </file>
 
@@ -2697,10 +2820,9 @@
           <a:lstStyle/>
           <a:p>
             <a:r>
-              <a:rPr lang="ko-KR" altLang="en-US" smtClean="0"/>
+              <a:rPr lang="ko-KR" altLang="en-US"/>
               <a:t>마스터 제목 스타일 편집</a:t>
             </a:r>
-            <a:endParaRPr lang="ko-KR" altLang="en-US"/>
           </a:p>
         </p:txBody>
       </p:sp>
@@ -2726,38 +2848,37 @@
           <a:p>
             <a:pPr lvl="0"/>
             <a:r>
-              <a:rPr lang="ko-KR" altLang="en-US" smtClean="0"/>
+              <a:rPr lang="ko-KR" altLang="en-US"/>
               <a:t>마스터 텍스트 스타일을 편집합니다</a:t>
             </a:r>
           </a:p>
           <a:p>
             <a:pPr lvl="1"/>
             <a:r>
-              <a:rPr lang="ko-KR" altLang="en-US" smtClean="0"/>
+              <a:rPr lang="ko-KR" altLang="en-US"/>
               <a:t>둘째 수준</a:t>
             </a:r>
           </a:p>
           <a:p>
             <a:pPr lvl="2"/>
             <a:r>
-              <a:rPr lang="ko-KR" altLang="en-US" smtClean="0"/>
+              <a:rPr lang="ko-KR" altLang="en-US"/>
               <a:t>셋째 수준</a:t>
             </a:r>
           </a:p>
           <a:p>
             <a:pPr lvl="3"/>
             <a:r>
-              <a:rPr lang="ko-KR" altLang="en-US" smtClean="0"/>
+              <a:rPr lang="ko-KR" altLang="en-US"/>
               <a:t>넷째 수준</a:t>
             </a:r>
           </a:p>
           <a:p>
             <a:pPr lvl="4"/>
             <a:r>
-              <a:rPr lang="ko-KR" altLang="en-US" smtClean="0"/>
+              <a:rPr lang="ko-KR" altLang="en-US"/>
               <a:t>다섯째 수준</a:t>
             </a:r>
-            <a:endParaRPr lang="ko-KR" altLang="en-US"/>
           </a:p>
         </p:txBody>
       </p:sp>
@@ -2783,38 +2904,37 @@
           <a:p>
             <a:pPr lvl="0"/>
             <a:r>
-              <a:rPr lang="ko-KR" altLang="en-US" smtClean="0"/>
+              <a:rPr lang="ko-KR" altLang="en-US"/>
               <a:t>마스터 텍스트 스타일을 편집합니다</a:t>
             </a:r>
           </a:p>
           <a:p>
             <a:pPr lvl="1"/>
             <a:r>
-              <a:rPr lang="ko-KR" altLang="en-US" smtClean="0"/>
+              <a:rPr lang="ko-KR" altLang="en-US"/>
               <a:t>둘째 수준</a:t>
             </a:r>
           </a:p>
           <a:p>
             <a:pPr lvl="2"/>
             <a:r>
-              <a:rPr lang="ko-KR" altLang="en-US" smtClean="0"/>
+              <a:rPr lang="ko-KR" altLang="en-US"/>
               <a:t>셋째 수준</a:t>
             </a:r>
           </a:p>
           <a:p>
             <a:pPr lvl="3"/>
             <a:r>
-              <a:rPr lang="ko-KR" altLang="en-US" smtClean="0"/>
+              <a:rPr lang="ko-KR" altLang="en-US"/>
               <a:t>넷째 수준</a:t>
             </a:r>
           </a:p>
           <a:p>
             <a:pPr lvl="4"/>
             <a:r>
-              <a:rPr lang="ko-KR" altLang="en-US" smtClean="0"/>
+              <a:rPr lang="ko-KR" altLang="en-US"/>
               <a:t>다섯째 수준</a:t>
             </a:r>
-            <a:endParaRPr lang="ko-KR" altLang="en-US"/>
           </a:p>
         </p:txBody>
       </p:sp>
@@ -2840,38 +2960,37 @@
           <a:p>
             <a:pPr lvl="0"/>
             <a:r>
-              <a:rPr lang="ko-KR" altLang="en-US" smtClean="0"/>
+              <a:rPr lang="ko-KR" altLang="en-US"/>
               <a:t>마스터 텍스트 스타일을 편집합니다</a:t>
             </a:r>
           </a:p>
           <a:p>
             <a:pPr lvl="1"/>
             <a:r>
-              <a:rPr lang="ko-KR" altLang="en-US" smtClean="0"/>
+              <a:rPr lang="ko-KR" altLang="en-US"/>
               <a:t>둘째 수준</a:t>
             </a:r>
           </a:p>
           <a:p>
             <a:pPr lvl="2"/>
             <a:r>
-              <a:rPr lang="ko-KR" altLang="en-US" smtClean="0"/>
+              <a:rPr lang="ko-KR" altLang="en-US"/>
               <a:t>셋째 수준</a:t>
             </a:r>
           </a:p>
           <a:p>
             <a:pPr lvl="3"/>
             <a:r>
-              <a:rPr lang="ko-KR" altLang="en-US" smtClean="0"/>
+              <a:rPr lang="ko-KR" altLang="en-US"/>
               <a:t>넷째 수준</a:t>
             </a:r>
           </a:p>
           <a:p>
             <a:pPr lvl="4"/>
             <a:r>
-              <a:rPr lang="ko-KR" altLang="en-US" smtClean="0"/>
+              <a:rPr lang="ko-KR" altLang="en-US"/>
               <a:t>다섯째 수준</a:t>
             </a:r>
-            <a:endParaRPr lang="ko-KR" altLang="en-US"/>
           </a:p>
         </p:txBody>
       </p:sp>
@@ -2885,7 +3004,18 @@
   <p:clrMapOvr>
     <a:masterClrMapping/>
   </p:clrMapOvr>
-  <p:transition spd="med"/>
+  <mc:AlternateContent xmlns:mc="http://schemas.openxmlformats.org/markup-compatibility/2006">
+    <mc:Choice xmlns:p159="http://schemas.microsoft.com/office/powerpoint/2015/09/main" Requires="p159">
+      <p:transition>
+        <p159:morph option="byChar"/>
+      </p:transition>
+    </mc:Choice>
+    <mc:Fallback>
+      <p:transition>
+        <p:fade/>
+      </p:transition>
+    </mc:Fallback>
+  </mc:AlternateContent>
 </p:sldLayout>
 </file>
 
@@ -2927,10 +3057,9 @@
           <a:lstStyle/>
           <a:p>
             <a:r>
-              <a:rPr lang="ko-KR" altLang="en-US" smtClean="0"/>
+              <a:rPr lang="ko-KR" altLang="en-US"/>
               <a:t>마스터 제목 스타일 편집</a:t>
             </a:r>
-            <a:endParaRPr lang="ko-KR" altLang="en-US"/>
           </a:p>
         </p:txBody>
       </p:sp>
@@ -2992,10 +3121,9 @@
           </a:lstStyle>
           <a:p>
             <a:r>
-              <a:rPr lang="ko-KR" altLang="en-US" smtClean="0"/>
+              <a:rPr lang="ko-KR" altLang="en-US"/>
               <a:t>마스터 부제목 스타일 편집</a:t>
             </a:r>
-            <a:endParaRPr lang="ko-KR" altLang="en-US"/>
           </a:p>
         </p:txBody>
       </p:sp>
@@ -3009,7 +3137,18 @@
   <p:clrMapOvr>
     <a:masterClrMapping/>
   </p:clrMapOvr>
-  <p:transition spd="med"/>
+  <mc:AlternateContent xmlns:mc="http://schemas.openxmlformats.org/markup-compatibility/2006">
+    <mc:Choice xmlns:p159="http://schemas.microsoft.com/office/powerpoint/2015/09/main" Requires="p159">
+      <p:transition>
+        <p159:morph option="byChar"/>
+      </p:transition>
+    </mc:Choice>
+    <mc:Fallback>
+      <p:transition>
+        <p:fade/>
+      </p:transition>
+    </mc:Fallback>
+  </mc:AlternateContent>
 </p:sldLayout>
 </file>
 
@@ -3046,10 +3185,9 @@
           <a:lstStyle/>
           <a:p>
             <a:r>
-              <a:rPr lang="ko-KR" altLang="en-US" smtClean="0"/>
+              <a:rPr lang="ko-KR" altLang="en-US"/>
               <a:t>마스터 제목 스타일 편집</a:t>
             </a:r>
-            <a:endParaRPr lang="ko-KR" altLang="en-US"/>
           </a:p>
         </p:txBody>
       </p:sp>
@@ -3070,38 +3208,37 @@
           <a:p>
             <a:pPr lvl="0"/>
             <a:r>
-              <a:rPr lang="ko-KR" altLang="en-US" smtClean="0"/>
+              <a:rPr lang="ko-KR" altLang="en-US"/>
               <a:t>마스터 텍스트 스타일을 편집합니다</a:t>
             </a:r>
           </a:p>
           <a:p>
             <a:pPr lvl="1"/>
             <a:r>
-              <a:rPr lang="ko-KR" altLang="en-US" smtClean="0"/>
+              <a:rPr lang="ko-KR" altLang="en-US"/>
               <a:t>둘째 수준</a:t>
             </a:r>
           </a:p>
           <a:p>
             <a:pPr lvl="2"/>
             <a:r>
-              <a:rPr lang="ko-KR" altLang="en-US" smtClean="0"/>
+              <a:rPr lang="ko-KR" altLang="en-US"/>
               <a:t>셋째 수준</a:t>
             </a:r>
           </a:p>
           <a:p>
             <a:pPr lvl="3"/>
             <a:r>
-              <a:rPr lang="ko-KR" altLang="en-US" smtClean="0"/>
+              <a:rPr lang="ko-KR" altLang="en-US"/>
               <a:t>넷째 수준</a:t>
             </a:r>
           </a:p>
           <a:p>
             <a:pPr lvl="4"/>
             <a:r>
-              <a:rPr lang="ko-KR" altLang="en-US" smtClean="0"/>
+              <a:rPr lang="ko-KR" altLang="en-US"/>
               <a:t>다섯째 수준</a:t>
             </a:r>
-            <a:endParaRPr lang="ko-KR" altLang="en-US"/>
           </a:p>
         </p:txBody>
       </p:sp>
@@ -3115,7 +3252,18 @@
   <p:clrMapOvr>
     <a:masterClrMapping/>
   </p:clrMapOvr>
-  <p:transition spd="med"/>
+  <mc:AlternateContent xmlns:mc="http://schemas.openxmlformats.org/markup-compatibility/2006">
+    <mc:Choice xmlns:p159="http://schemas.microsoft.com/office/powerpoint/2015/09/main" Requires="p159">
+      <p:transition>
+        <p159:morph option="byChar"/>
+      </p:transition>
+    </mc:Choice>
+    <mc:Fallback>
+      <p:transition>
+        <p:fade/>
+      </p:transition>
+    </mc:Fallback>
+  </mc:AlternateContent>
 </p:sldLayout>
 </file>
 
@@ -3161,10 +3309,9 @@
           </a:lstStyle>
           <a:p>
             <a:r>
-              <a:rPr lang="ko-KR" altLang="en-US" smtClean="0"/>
+              <a:rPr lang="ko-KR" altLang="en-US"/>
               <a:t>마스터 제목 스타일 편집</a:t>
             </a:r>
-            <a:endParaRPr lang="ko-KR" altLang="en-US"/>
           </a:p>
         </p:txBody>
       </p:sp>
@@ -3227,7 +3374,7 @@
           <a:p>
             <a:pPr lvl="0"/>
             <a:r>
-              <a:rPr lang="ko-KR" altLang="en-US" smtClean="0"/>
+              <a:rPr lang="ko-KR" altLang="en-US"/>
               <a:t>마스터 텍스트 스타일을 편집합니다</a:t>
             </a:r>
           </a:p>
@@ -3243,7 +3390,18 @@
   <p:clrMapOvr>
     <a:masterClrMapping/>
   </p:clrMapOvr>
-  <p:transition spd="med"/>
+  <mc:AlternateContent xmlns:mc="http://schemas.openxmlformats.org/markup-compatibility/2006">
+    <mc:Choice xmlns:p159="http://schemas.microsoft.com/office/powerpoint/2015/09/main" Requires="p159">
+      <p:transition>
+        <p159:morph option="byChar"/>
+      </p:transition>
+    </mc:Choice>
+    <mc:Fallback>
+      <p:transition>
+        <p:fade/>
+      </p:transition>
+    </mc:Fallback>
+  </mc:AlternateContent>
 </p:sldLayout>
 </file>
 
@@ -3280,10 +3438,9 @@
           <a:lstStyle/>
           <a:p>
             <a:r>
-              <a:rPr lang="ko-KR" altLang="en-US" smtClean="0"/>
+              <a:rPr lang="ko-KR" altLang="en-US"/>
               <a:t>마스터 제목 스타일 편집</a:t>
             </a:r>
-            <a:endParaRPr lang="ko-KR" altLang="en-US"/>
           </a:p>
         </p:txBody>
       </p:sp>
@@ -3337,38 +3494,37 @@
           <a:p>
             <a:pPr lvl="0"/>
             <a:r>
-              <a:rPr lang="ko-KR" altLang="en-US" smtClean="0"/>
+              <a:rPr lang="ko-KR" altLang="en-US"/>
               <a:t>마스터 텍스트 스타일을 편집합니다</a:t>
             </a:r>
           </a:p>
           <a:p>
             <a:pPr lvl="1"/>
             <a:r>
-              <a:rPr lang="ko-KR" altLang="en-US" smtClean="0"/>
+              <a:rPr lang="ko-KR" altLang="en-US"/>
               <a:t>둘째 수준</a:t>
             </a:r>
           </a:p>
           <a:p>
             <a:pPr lvl="2"/>
             <a:r>
-              <a:rPr lang="ko-KR" altLang="en-US" smtClean="0"/>
+              <a:rPr lang="ko-KR" altLang="en-US"/>
               <a:t>셋째 수준</a:t>
             </a:r>
           </a:p>
           <a:p>
             <a:pPr lvl="3"/>
             <a:r>
-              <a:rPr lang="ko-KR" altLang="en-US" smtClean="0"/>
+              <a:rPr lang="ko-KR" altLang="en-US"/>
               <a:t>넷째 수준</a:t>
             </a:r>
           </a:p>
           <a:p>
             <a:pPr lvl="4"/>
             <a:r>
-              <a:rPr lang="ko-KR" altLang="en-US" smtClean="0"/>
+              <a:rPr lang="ko-KR" altLang="en-US"/>
               <a:t>다섯째 수준</a:t>
             </a:r>
-            <a:endParaRPr lang="ko-KR" altLang="en-US"/>
           </a:p>
         </p:txBody>
       </p:sp>
@@ -3422,38 +3578,37 @@
           <a:p>
             <a:pPr lvl="0"/>
             <a:r>
-              <a:rPr lang="ko-KR" altLang="en-US" smtClean="0"/>
+              <a:rPr lang="ko-KR" altLang="en-US"/>
               <a:t>마스터 텍스트 스타일을 편집합니다</a:t>
             </a:r>
           </a:p>
           <a:p>
             <a:pPr lvl="1"/>
             <a:r>
-              <a:rPr lang="ko-KR" altLang="en-US" smtClean="0"/>
+              <a:rPr lang="ko-KR" altLang="en-US"/>
               <a:t>둘째 수준</a:t>
             </a:r>
           </a:p>
           <a:p>
             <a:pPr lvl="2"/>
             <a:r>
-              <a:rPr lang="ko-KR" altLang="en-US" smtClean="0"/>
+              <a:rPr lang="ko-KR" altLang="en-US"/>
               <a:t>셋째 수준</a:t>
             </a:r>
           </a:p>
           <a:p>
             <a:pPr lvl="3"/>
             <a:r>
-              <a:rPr lang="ko-KR" altLang="en-US" smtClean="0"/>
+              <a:rPr lang="ko-KR" altLang="en-US"/>
               <a:t>넷째 수준</a:t>
             </a:r>
           </a:p>
           <a:p>
             <a:pPr lvl="4"/>
             <a:r>
-              <a:rPr lang="ko-KR" altLang="en-US" smtClean="0"/>
+              <a:rPr lang="ko-KR" altLang="en-US"/>
               <a:t>다섯째 수준</a:t>
             </a:r>
-            <a:endParaRPr lang="ko-KR" altLang="en-US"/>
           </a:p>
         </p:txBody>
       </p:sp>
@@ -3467,7 +3622,18 @@
   <p:clrMapOvr>
     <a:masterClrMapping/>
   </p:clrMapOvr>
-  <p:transition spd="med"/>
+  <mc:AlternateContent xmlns:mc="http://schemas.openxmlformats.org/markup-compatibility/2006">
+    <mc:Choice xmlns:p159="http://schemas.microsoft.com/office/powerpoint/2015/09/main" Requires="p159">
+      <p:transition>
+        <p159:morph option="byChar"/>
+      </p:transition>
+    </mc:Choice>
+    <mc:Fallback>
+      <p:transition>
+        <p:fade/>
+      </p:transition>
+    </mc:Fallback>
+  </mc:AlternateContent>
 </p:sldLayout>
 </file>
 
@@ -3513,10 +3679,9 @@
           </a:lstStyle>
           <a:p>
             <a:r>
-              <a:rPr lang="ko-KR" altLang="en-US" smtClean="0"/>
+              <a:rPr lang="ko-KR" altLang="en-US"/>
               <a:t>마스터 제목 스타일 편집</a:t>
             </a:r>
-            <a:endParaRPr lang="ko-KR" altLang="en-US"/>
           </a:p>
         </p:txBody>
       </p:sp>
@@ -3579,7 +3744,7 @@
           <a:p>
             <a:pPr lvl="0"/>
             <a:r>
-              <a:rPr lang="ko-KR" altLang="en-US" smtClean="0"/>
+              <a:rPr lang="ko-KR" altLang="en-US"/>
               <a:t>마스터 텍스트 스타일을 편집합니다</a:t>
             </a:r>
           </a:p>
@@ -3635,38 +3800,37 @@
           <a:p>
             <a:pPr lvl="0"/>
             <a:r>
-              <a:rPr lang="ko-KR" altLang="en-US" smtClean="0"/>
+              <a:rPr lang="ko-KR" altLang="en-US"/>
               <a:t>마스터 텍스트 스타일을 편집합니다</a:t>
             </a:r>
           </a:p>
           <a:p>
             <a:pPr lvl="1"/>
             <a:r>
-              <a:rPr lang="ko-KR" altLang="en-US" smtClean="0"/>
+              <a:rPr lang="ko-KR" altLang="en-US"/>
               <a:t>둘째 수준</a:t>
             </a:r>
           </a:p>
           <a:p>
             <a:pPr lvl="2"/>
             <a:r>
-              <a:rPr lang="ko-KR" altLang="en-US" smtClean="0"/>
+              <a:rPr lang="ko-KR" altLang="en-US"/>
               <a:t>셋째 수준</a:t>
             </a:r>
           </a:p>
           <a:p>
             <a:pPr lvl="3"/>
             <a:r>
-              <a:rPr lang="ko-KR" altLang="en-US" smtClean="0"/>
+              <a:rPr lang="ko-KR" altLang="en-US"/>
               <a:t>넷째 수준</a:t>
             </a:r>
           </a:p>
           <a:p>
             <a:pPr lvl="4"/>
             <a:r>
-              <a:rPr lang="ko-KR" altLang="en-US" smtClean="0"/>
+              <a:rPr lang="ko-KR" altLang="en-US"/>
               <a:t>다섯째 수준</a:t>
             </a:r>
-            <a:endParaRPr lang="ko-KR" altLang="en-US"/>
           </a:p>
         </p:txBody>
       </p:sp>
@@ -3729,7 +3893,7 @@
           <a:p>
             <a:pPr lvl="0"/>
             <a:r>
-              <a:rPr lang="ko-KR" altLang="en-US" smtClean="0"/>
+              <a:rPr lang="ko-KR" altLang="en-US"/>
               <a:t>마스터 텍스트 스타일을 편집합니다</a:t>
             </a:r>
           </a:p>
@@ -3785,38 +3949,37 @@
           <a:p>
             <a:pPr lvl="0"/>
             <a:r>
-              <a:rPr lang="ko-KR" altLang="en-US" smtClean="0"/>
+              <a:rPr lang="ko-KR" altLang="en-US"/>
               <a:t>마스터 텍스트 스타일을 편집합니다</a:t>
             </a:r>
           </a:p>
           <a:p>
             <a:pPr lvl="1"/>
             <a:r>
-              <a:rPr lang="ko-KR" altLang="en-US" smtClean="0"/>
+              <a:rPr lang="ko-KR" altLang="en-US"/>
               <a:t>둘째 수준</a:t>
             </a:r>
           </a:p>
           <a:p>
             <a:pPr lvl="2"/>
             <a:r>
-              <a:rPr lang="ko-KR" altLang="en-US" smtClean="0"/>
+              <a:rPr lang="ko-KR" altLang="en-US"/>
               <a:t>셋째 수준</a:t>
             </a:r>
           </a:p>
           <a:p>
             <a:pPr lvl="3"/>
             <a:r>
-              <a:rPr lang="ko-KR" altLang="en-US" smtClean="0"/>
+              <a:rPr lang="ko-KR" altLang="en-US"/>
               <a:t>넷째 수준</a:t>
             </a:r>
           </a:p>
           <a:p>
             <a:pPr lvl="4"/>
             <a:r>
-              <a:rPr lang="ko-KR" altLang="en-US" smtClean="0"/>
+              <a:rPr lang="ko-KR" altLang="en-US"/>
               <a:t>다섯째 수준</a:t>
             </a:r>
-            <a:endParaRPr lang="ko-KR" altLang="en-US"/>
           </a:p>
         </p:txBody>
       </p:sp>
@@ -3830,7 +3993,18 @@
   <p:clrMapOvr>
     <a:masterClrMapping/>
   </p:clrMapOvr>
-  <p:transition spd="med"/>
+  <mc:AlternateContent xmlns:mc="http://schemas.openxmlformats.org/markup-compatibility/2006">
+    <mc:Choice xmlns:p159="http://schemas.microsoft.com/office/powerpoint/2015/09/main" Requires="p159">
+      <p:transition>
+        <p159:morph option="byChar"/>
+      </p:transition>
+    </mc:Choice>
+    <mc:Fallback>
+      <p:transition>
+        <p:fade/>
+      </p:transition>
+    </mc:Fallback>
+  </mc:AlternateContent>
 </p:sldLayout>
 </file>
 
@@ -3867,10 +4041,9 @@
           <a:lstStyle/>
           <a:p>
             <a:r>
-              <a:rPr lang="ko-KR" altLang="en-US" smtClean="0"/>
+              <a:rPr lang="ko-KR" altLang="en-US"/>
               <a:t>마스터 제목 스타일 편집</a:t>
             </a:r>
-            <a:endParaRPr lang="ko-KR" altLang="en-US"/>
           </a:p>
         </p:txBody>
       </p:sp>
@@ -3884,7 +4057,18 @@
   <p:clrMapOvr>
     <a:masterClrMapping/>
   </p:clrMapOvr>
-  <p:transition spd="med"/>
+  <mc:AlternateContent xmlns:mc="http://schemas.openxmlformats.org/markup-compatibility/2006">
+    <mc:Choice xmlns:p159="http://schemas.microsoft.com/office/powerpoint/2015/09/main" Requires="p159">
+      <p:transition>
+        <p159:morph option="byChar"/>
+      </p:transition>
+    </mc:Choice>
+    <mc:Fallback>
+      <p:transition>
+        <p:fade/>
+      </p:transition>
+    </mc:Fallback>
+  </mc:AlternateContent>
 </p:sldLayout>
 </file>
 
@@ -3915,7 +4099,18 @@
   <p:clrMapOvr>
     <a:masterClrMapping/>
   </p:clrMapOvr>
-  <p:transition spd="med"/>
+  <mc:AlternateContent xmlns:mc="http://schemas.openxmlformats.org/markup-compatibility/2006">
+    <mc:Choice xmlns:p159="http://schemas.microsoft.com/office/powerpoint/2015/09/main" Requires="p159">
+      <p:transition>
+        <p159:morph option="byChar"/>
+      </p:transition>
+    </mc:Choice>
+    <mc:Fallback>
+      <p:transition>
+        <p:fade/>
+      </p:transition>
+    </mc:Fallback>
+  </mc:AlternateContent>
 </p:sldLayout>
 </file>
 
@@ -3992,10 +4187,9 @@
           </a:lstStyle>
           <a:p>
             <a:r>
-              <a:rPr lang="ko-KR" altLang="en-US" smtClean="0"/>
+              <a:rPr lang="ko-KR" altLang="en-US"/>
               <a:t>마스터 제목 스타일 편집</a:t>
             </a:r>
-            <a:endParaRPr lang="ko-KR" altLang="en-US"/>
           </a:p>
         </p:txBody>
       </p:sp>
@@ -4052,38 +4246,37 @@
           <a:p>
             <a:pPr lvl="0"/>
             <a:r>
-              <a:rPr lang="ko-KR" altLang="en-US" dirty="0" smtClean="0"/>
+              <a:rPr lang="ko-KR" altLang="en-US" dirty="0"/>
               <a:t>마스터 텍스트 스타일을 편집합니다</a:t>
             </a:r>
           </a:p>
           <a:p>
             <a:pPr lvl="1"/>
             <a:r>
-              <a:rPr lang="ko-KR" altLang="en-US" dirty="0" smtClean="0"/>
+              <a:rPr lang="ko-KR" altLang="en-US" dirty="0"/>
               <a:t>둘째 수준</a:t>
             </a:r>
           </a:p>
           <a:p>
             <a:pPr lvl="2"/>
             <a:r>
-              <a:rPr lang="ko-KR" altLang="en-US" dirty="0" smtClean="0"/>
+              <a:rPr lang="ko-KR" altLang="en-US" dirty="0"/>
               <a:t>셋째 수준</a:t>
             </a:r>
           </a:p>
           <a:p>
             <a:pPr lvl="3"/>
             <a:r>
-              <a:rPr lang="ko-KR" altLang="en-US" dirty="0" smtClean="0"/>
+              <a:rPr lang="ko-KR" altLang="en-US" dirty="0"/>
               <a:t>넷째 수준</a:t>
             </a:r>
           </a:p>
           <a:p>
             <a:pPr lvl="4"/>
             <a:r>
-              <a:rPr lang="ko-KR" altLang="en-US" dirty="0" smtClean="0"/>
+              <a:rPr lang="ko-KR" altLang="en-US" dirty="0"/>
               <a:t>다섯째 수준</a:t>
             </a:r>
-            <a:endParaRPr lang="ko-KR" altLang="en-US" dirty="0"/>
           </a:p>
         </p:txBody>
       </p:sp>
@@ -4097,7 +4290,18 @@
   <p:clrMapOvr>
     <a:masterClrMapping/>
   </p:clrMapOvr>
-  <p:transition spd="med"/>
+  <mc:AlternateContent xmlns:mc="http://schemas.openxmlformats.org/markup-compatibility/2006">
+    <mc:Choice xmlns:p159="http://schemas.microsoft.com/office/powerpoint/2015/09/main" Requires="p159">
+      <p:transition>
+        <p159:morph option="byChar"/>
+      </p:transition>
+    </mc:Choice>
+    <mc:Fallback>
+      <p:transition>
+        <p:fade/>
+      </p:transition>
+    </mc:Fallback>
+  </mc:AlternateContent>
 </p:sldLayout>
 </file>
 
@@ -4143,10 +4347,9 @@
           </a:lstStyle>
           <a:p>
             <a:r>
-              <a:rPr lang="ko-KR" altLang="en-US" smtClean="0"/>
+              <a:rPr lang="ko-KR" altLang="en-US"/>
               <a:t>마스터 제목 스타일 편집</a:t>
             </a:r>
-            <a:endParaRPr lang="ko-KR" altLang="en-US"/>
           </a:p>
         </p:txBody>
       </p:sp>
@@ -4200,38 +4403,37 @@
           <a:p>
             <a:pPr lvl="0"/>
             <a:r>
-              <a:rPr lang="ko-KR" altLang="en-US" smtClean="0"/>
+              <a:rPr lang="ko-KR" altLang="en-US"/>
               <a:t>마스터 텍스트 스타일을 편집합니다</a:t>
             </a:r>
           </a:p>
           <a:p>
             <a:pPr lvl="1"/>
             <a:r>
-              <a:rPr lang="ko-KR" altLang="en-US" smtClean="0"/>
+              <a:rPr lang="ko-KR" altLang="en-US"/>
               <a:t>둘째 수준</a:t>
             </a:r>
           </a:p>
           <a:p>
             <a:pPr lvl="2"/>
             <a:r>
-              <a:rPr lang="ko-KR" altLang="en-US" smtClean="0"/>
+              <a:rPr lang="ko-KR" altLang="en-US"/>
               <a:t>셋째 수준</a:t>
             </a:r>
           </a:p>
           <a:p>
             <a:pPr lvl="3"/>
             <a:r>
-              <a:rPr lang="ko-KR" altLang="en-US" smtClean="0"/>
+              <a:rPr lang="ko-KR" altLang="en-US"/>
               <a:t>넷째 수준</a:t>
             </a:r>
           </a:p>
           <a:p>
             <a:pPr lvl="4"/>
             <a:r>
-              <a:rPr lang="ko-KR" altLang="en-US" smtClean="0"/>
+              <a:rPr lang="ko-KR" altLang="en-US"/>
               <a:t>다섯째 수준</a:t>
             </a:r>
-            <a:endParaRPr lang="ko-KR" altLang="en-US"/>
           </a:p>
         </p:txBody>
       </p:sp>
@@ -4294,7 +4496,7 @@
           <a:p>
             <a:pPr lvl="0"/>
             <a:r>
-              <a:rPr lang="ko-KR" altLang="en-US" smtClean="0"/>
+              <a:rPr lang="ko-KR" altLang="en-US"/>
               <a:t>마스터 텍스트 스타일을 편집합니다</a:t>
             </a:r>
           </a:p>
@@ -4310,7 +4512,18 @@
   <p:clrMapOvr>
     <a:masterClrMapping/>
   </p:clrMapOvr>
-  <p:transition spd="med"/>
+  <mc:AlternateContent xmlns:mc="http://schemas.openxmlformats.org/markup-compatibility/2006">
+    <mc:Choice xmlns:p159="http://schemas.microsoft.com/office/powerpoint/2015/09/main" Requires="p159">
+      <p:transition>
+        <p159:morph option="byChar"/>
+      </p:transition>
+    </mc:Choice>
+    <mc:Fallback>
+      <p:transition>
+        <p:fade/>
+      </p:transition>
+    </mc:Fallback>
+  </mc:AlternateContent>
 </p:sldLayout>
 </file>
 
@@ -4356,10 +4569,9 @@
           </a:lstStyle>
           <a:p>
             <a:r>
-              <a:rPr lang="ko-KR" altLang="en-US" smtClean="0"/>
+              <a:rPr lang="ko-KR" altLang="en-US"/>
               <a:t>마스터 제목 스타일 편집</a:t>
             </a:r>
-            <a:endParaRPr lang="ko-KR" altLang="en-US"/>
           </a:p>
         </p:txBody>
       </p:sp>
@@ -4421,7 +4633,7 @@
           </a:lstStyle>
           <a:p>
             <a:pPr lvl="0"/>
-            <a:endParaRPr lang="ko-KR" altLang="en-US" noProof="0" smtClean="0"/>
+            <a:endParaRPr lang="ko-KR" altLang="en-US" noProof="0"/>
           </a:p>
         </p:txBody>
       </p:sp>
@@ -4484,7 +4696,7 @@
           <a:p>
             <a:pPr lvl="0"/>
             <a:r>
-              <a:rPr lang="ko-KR" altLang="en-US" smtClean="0"/>
+              <a:rPr lang="ko-KR" altLang="en-US"/>
               <a:t>마스터 텍스트 스타일을 편집합니다</a:t>
             </a:r>
           </a:p>
@@ -4500,7 +4712,18 @@
   <p:clrMapOvr>
     <a:masterClrMapping/>
   </p:clrMapOvr>
-  <p:transition spd="med"/>
+  <mc:AlternateContent xmlns:mc="http://schemas.openxmlformats.org/markup-compatibility/2006">
+    <mc:Choice xmlns:p159="http://schemas.microsoft.com/office/powerpoint/2015/09/main" Requires="p159">
+      <p:transition>
+        <p159:morph option="byChar"/>
+      </p:transition>
+    </mc:Choice>
+    <mc:Fallback>
+      <p:transition>
+        <p:fade/>
+      </p:transition>
+    </mc:Fallback>
+  </mc:AlternateContent>
 </p:sldLayout>
 </file>
 
@@ -4537,10 +4760,9 @@
           <a:lstStyle/>
           <a:p>
             <a:r>
-              <a:rPr lang="ko-KR" altLang="en-US" smtClean="0"/>
+              <a:rPr lang="ko-KR" altLang="en-US"/>
               <a:t>마스터 제목 스타일 편집</a:t>
             </a:r>
-            <a:endParaRPr lang="ko-KR" altLang="en-US"/>
           </a:p>
         </p:txBody>
       </p:sp>
@@ -4561,38 +4783,37 @@
           <a:p>
             <a:pPr lvl="0"/>
             <a:r>
-              <a:rPr lang="ko-KR" altLang="en-US" smtClean="0"/>
+              <a:rPr lang="ko-KR" altLang="en-US"/>
               <a:t>마스터 텍스트 스타일을 편집합니다</a:t>
             </a:r>
           </a:p>
           <a:p>
             <a:pPr lvl="1"/>
             <a:r>
-              <a:rPr lang="ko-KR" altLang="en-US" smtClean="0"/>
+              <a:rPr lang="ko-KR" altLang="en-US"/>
               <a:t>둘째 수준</a:t>
             </a:r>
           </a:p>
           <a:p>
             <a:pPr lvl="2"/>
             <a:r>
-              <a:rPr lang="ko-KR" altLang="en-US" smtClean="0"/>
+              <a:rPr lang="ko-KR" altLang="en-US"/>
               <a:t>셋째 수준</a:t>
             </a:r>
           </a:p>
           <a:p>
             <a:pPr lvl="3"/>
             <a:r>
-              <a:rPr lang="ko-KR" altLang="en-US" smtClean="0"/>
+              <a:rPr lang="ko-KR" altLang="en-US"/>
               <a:t>넷째 수준</a:t>
             </a:r>
           </a:p>
           <a:p>
             <a:pPr lvl="4"/>
             <a:r>
-              <a:rPr lang="ko-KR" altLang="en-US" smtClean="0"/>
+              <a:rPr lang="ko-KR" altLang="en-US"/>
               <a:t>다섯째 수준</a:t>
             </a:r>
-            <a:endParaRPr lang="ko-KR" altLang="en-US"/>
           </a:p>
         </p:txBody>
       </p:sp>
@@ -4606,7 +4827,18 @@
   <p:clrMapOvr>
     <a:masterClrMapping/>
   </p:clrMapOvr>
-  <p:transition spd="med"/>
+  <mc:AlternateContent xmlns:mc="http://schemas.openxmlformats.org/markup-compatibility/2006">
+    <mc:Choice xmlns:p159="http://schemas.microsoft.com/office/powerpoint/2015/09/main" Requires="p159">
+      <p:transition>
+        <p159:morph option="byChar"/>
+      </p:transition>
+    </mc:Choice>
+    <mc:Fallback>
+      <p:transition>
+        <p:fade/>
+      </p:transition>
+    </mc:Fallback>
+  </mc:AlternateContent>
 </p:sldLayout>
 </file>
 
@@ -4648,10 +4880,9 @@
           <a:lstStyle/>
           <a:p>
             <a:r>
-              <a:rPr lang="ko-KR" altLang="en-US" smtClean="0"/>
+              <a:rPr lang="ko-KR" altLang="en-US"/>
               <a:t>마스터 제목 스타일 편집</a:t>
             </a:r>
-            <a:endParaRPr lang="ko-KR" altLang="en-US"/>
           </a:p>
         </p:txBody>
       </p:sp>
@@ -4677,38 +4908,37 @@
           <a:p>
             <a:pPr lvl="0"/>
             <a:r>
-              <a:rPr lang="ko-KR" altLang="en-US" smtClean="0"/>
+              <a:rPr lang="ko-KR" altLang="en-US"/>
               <a:t>마스터 텍스트 스타일을 편집합니다</a:t>
             </a:r>
           </a:p>
           <a:p>
             <a:pPr lvl="1"/>
             <a:r>
-              <a:rPr lang="ko-KR" altLang="en-US" smtClean="0"/>
+              <a:rPr lang="ko-KR" altLang="en-US"/>
               <a:t>둘째 수준</a:t>
             </a:r>
           </a:p>
           <a:p>
             <a:pPr lvl="2"/>
             <a:r>
-              <a:rPr lang="ko-KR" altLang="en-US" smtClean="0"/>
+              <a:rPr lang="ko-KR" altLang="en-US"/>
               <a:t>셋째 수준</a:t>
             </a:r>
           </a:p>
           <a:p>
             <a:pPr lvl="3"/>
             <a:r>
-              <a:rPr lang="ko-KR" altLang="en-US" smtClean="0"/>
+              <a:rPr lang="ko-KR" altLang="en-US"/>
               <a:t>넷째 수준</a:t>
             </a:r>
           </a:p>
           <a:p>
             <a:pPr lvl="4"/>
             <a:r>
-              <a:rPr lang="ko-KR" altLang="en-US" smtClean="0"/>
+              <a:rPr lang="ko-KR" altLang="en-US"/>
               <a:t>다섯째 수준</a:t>
             </a:r>
-            <a:endParaRPr lang="ko-KR" altLang="en-US"/>
           </a:p>
         </p:txBody>
       </p:sp>
@@ -4722,7 +4952,18 @@
   <p:clrMapOvr>
     <a:masterClrMapping/>
   </p:clrMapOvr>
-  <p:transition spd="med"/>
+  <mc:AlternateContent xmlns:mc="http://schemas.openxmlformats.org/markup-compatibility/2006">
+    <mc:Choice xmlns:p159="http://schemas.microsoft.com/office/powerpoint/2015/09/main" Requires="p159">
+      <p:transition>
+        <p159:morph option="byChar"/>
+      </p:transition>
+    </mc:Choice>
+    <mc:Fallback>
+      <p:transition>
+        <p:fade/>
+      </p:transition>
+    </mc:Fallback>
+  </mc:AlternateContent>
 </p:sldLayout>
 </file>
 
@@ -4768,10 +5009,9 @@
           </a:lstStyle>
           <a:p>
             <a:r>
-              <a:rPr lang="ko-KR" altLang="en-US" smtClean="0"/>
+              <a:rPr lang="ko-KR" altLang="en-US"/>
               <a:t>마스터 제목 스타일 편집</a:t>
             </a:r>
-            <a:endParaRPr lang="ko-KR" altLang="en-US"/>
           </a:p>
         </p:txBody>
       </p:sp>
@@ -4834,7 +5074,7 @@
           <a:p>
             <a:pPr lvl="0"/>
             <a:r>
-              <a:rPr lang="ko-KR" altLang="en-US" smtClean="0"/>
+              <a:rPr lang="ko-KR" altLang="en-US"/>
               <a:t>마스터 텍스트 스타일을 편집합니다</a:t>
             </a:r>
           </a:p>
@@ -4850,7 +5090,18 @@
   <p:clrMapOvr>
     <a:masterClrMapping/>
   </p:clrMapOvr>
-  <p:transition spd="med"/>
+  <mc:AlternateContent xmlns:mc="http://schemas.openxmlformats.org/markup-compatibility/2006">
+    <mc:Choice xmlns:p159="http://schemas.microsoft.com/office/powerpoint/2015/09/main" Requires="p159">
+      <p:transition>
+        <p159:morph option="byChar"/>
+      </p:transition>
+    </mc:Choice>
+    <mc:Fallback>
+      <p:transition>
+        <p:fade/>
+      </p:transition>
+    </mc:Fallback>
+  </mc:AlternateContent>
 </p:sldLayout>
 </file>
 
@@ -4887,10 +5138,9 @@
           <a:lstStyle/>
           <a:p>
             <a:r>
-              <a:rPr lang="ko-KR" altLang="en-US" smtClean="0"/>
+              <a:rPr lang="ko-KR" altLang="en-US"/>
               <a:t>마스터 제목 스타일 편집</a:t>
             </a:r>
-            <a:endParaRPr lang="ko-KR" altLang="en-US"/>
           </a:p>
         </p:txBody>
       </p:sp>
@@ -4944,38 +5194,37 @@
           <a:p>
             <a:pPr lvl="0"/>
             <a:r>
-              <a:rPr lang="ko-KR" altLang="en-US" smtClean="0"/>
+              <a:rPr lang="ko-KR" altLang="en-US"/>
               <a:t>마스터 텍스트 스타일을 편집합니다</a:t>
             </a:r>
           </a:p>
           <a:p>
             <a:pPr lvl="1"/>
             <a:r>
-              <a:rPr lang="ko-KR" altLang="en-US" smtClean="0"/>
+              <a:rPr lang="ko-KR" altLang="en-US"/>
               <a:t>둘째 수준</a:t>
             </a:r>
           </a:p>
           <a:p>
             <a:pPr lvl="2"/>
             <a:r>
-              <a:rPr lang="ko-KR" altLang="en-US" smtClean="0"/>
+              <a:rPr lang="ko-KR" altLang="en-US"/>
               <a:t>셋째 수준</a:t>
             </a:r>
           </a:p>
           <a:p>
             <a:pPr lvl="3"/>
             <a:r>
-              <a:rPr lang="ko-KR" altLang="en-US" smtClean="0"/>
+              <a:rPr lang="ko-KR" altLang="en-US"/>
               <a:t>넷째 수준</a:t>
             </a:r>
           </a:p>
           <a:p>
             <a:pPr lvl="4"/>
             <a:r>
-              <a:rPr lang="ko-KR" altLang="en-US" smtClean="0"/>
+              <a:rPr lang="ko-KR" altLang="en-US"/>
               <a:t>다섯째 수준</a:t>
             </a:r>
-            <a:endParaRPr lang="ko-KR" altLang="en-US"/>
           </a:p>
         </p:txBody>
       </p:sp>
@@ -5029,38 +5278,37 @@
           <a:p>
             <a:pPr lvl="0"/>
             <a:r>
-              <a:rPr lang="ko-KR" altLang="en-US" smtClean="0"/>
+              <a:rPr lang="ko-KR" altLang="en-US"/>
               <a:t>마스터 텍스트 스타일을 편집합니다</a:t>
             </a:r>
           </a:p>
           <a:p>
             <a:pPr lvl="1"/>
             <a:r>
-              <a:rPr lang="ko-KR" altLang="en-US" smtClean="0"/>
+              <a:rPr lang="ko-KR" altLang="en-US"/>
               <a:t>둘째 수준</a:t>
             </a:r>
           </a:p>
           <a:p>
             <a:pPr lvl="2"/>
             <a:r>
-              <a:rPr lang="ko-KR" altLang="en-US" smtClean="0"/>
+              <a:rPr lang="ko-KR" altLang="en-US"/>
               <a:t>셋째 수준</a:t>
             </a:r>
           </a:p>
           <a:p>
             <a:pPr lvl="3"/>
             <a:r>
-              <a:rPr lang="ko-KR" altLang="en-US" smtClean="0"/>
+              <a:rPr lang="ko-KR" altLang="en-US"/>
               <a:t>넷째 수준</a:t>
             </a:r>
           </a:p>
           <a:p>
             <a:pPr lvl="4"/>
             <a:r>
-              <a:rPr lang="ko-KR" altLang="en-US" smtClean="0"/>
+              <a:rPr lang="ko-KR" altLang="en-US"/>
               <a:t>다섯째 수준</a:t>
             </a:r>
-            <a:endParaRPr lang="ko-KR" altLang="en-US"/>
           </a:p>
         </p:txBody>
       </p:sp>
@@ -5074,7 +5322,18 @@
   <p:clrMapOvr>
     <a:masterClrMapping/>
   </p:clrMapOvr>
-  <p:transition spd="med"/>
+  <mc:AlternateContent xmlns:mc="http://schemas.openxmlformats.org/markup-compatibility/2006">
+    <mc:Choice xmlns:p159="http://schemas.microsoft.com/office/powerpoint/2015/09/main" Requires="p159">
+      <p:transition>
+        <p159:morph option="byChar"/>
+      </p:transition>
+    </mc:Choice>
+    <mc:Fallback>
+      <p:transition>
+        <p:fade/>
+      </p:transition>
+    </mc:Fallback>
+  </mc:AlternateContent>
 </p:sldLayout>
 </file>
 
@@ -5111,10 +5370,9 @@
           <a:lstStyle/>
           <a:p>
             <a:r>
-              <a:rPr lang="ko-KR" altLang="en-US" smtClean="0"/>
+              <a:rPr lang="ko-KR" altLang="en-US"/>
               <a:t>마스터 제목 스타일 편집</a:t>
             </a:r>
-            <a:endParaRPr lang="ko-KR" altLang="en-US"/>
           </a:p>
         </p:txBody>
       </p:sp>
@@ -5128,7 +5386,18 @@
   <p:clrMapOvr>
     <a:masterClrMapping/>
   </p:clrMapOvr>
-  <p:transition spd="med"/>
+  <mc:AlternateContent xmlns:mc="http://schemas.openxmlformats.org/markup-compatibility/2006">
+    <mc:Choice xmlns:p159="http://schemas.microsoft.com/office/powerpoint/2015/09/main" Requires="p159">
+      <p:transition>
+        <p159:morph option="byChar"/>
+      </p:transition>
+    </mc:Choice>
+    <mc:Fallback>
+      <p:transition>
+        <p:fade/>
+      </p:transition>
+    </mc:Fallback>
+  </mc:AlternateContent>
 </p:sldLayout>
 </file>
 
@@ -5159,7 +5428,18 @@
   <p:clrMapOvr>
     <a:masterClrMapping/>
   </p:clrMapOvr>
-  <p:transition spd="med"/>
+  <mc:AlternateContent xmlns:mc="http://schemas.openxmlformats.org/markup-compatibility/2006">
+    <mc:Choice xmlns:p159="http://schemas.microsoft.com/office/powerpoint/2015/09/main" Requires="p159">
+      <p:transition>
+        <p159:morph option="byChar"/>
+      </p:transition>
+    </mc:Choice>
+    <mc:Fallback>
+      <p:transition>
+        <p:fade/>
+      </p:transition>
+    </mc:Fallback>
+  </mc:AlternateContent>
 </p:sldLayout>
 </file>
 
@@ -5205,10 +5485,9 @@
           </a:lstStyle>
           <a:p>
             <a:r>
-              <a:rPr lang="ko-KR" altLang="en-US" smtClean="0"/>
+              <a:rPr lang="ko-KR" altLang="en-US"/>
               <a:t>마스터 제목 스타일 편집</a:t>
             </a:r>
-            <a:endParaRPr lang="ko-KR" altLang="en-US"/>
           </a:p>
         </p:txBody>
       </p:sp>
@@ -5262,38 +5541,37 @@
           <a:p>
             <a:pPr lvl="0"/>
             <a:r>
-              <a:rPr lang="ko-KR" altLang="en-US" smtClean="0"/>
+              <a:rPr lang="ko-KR" altLang="en-US"/>
               <a:t>마스터 텍스트 스타일을 편집합니다</a:t>
             </a:r>
           </a:p>
           <a:p>
             <a:pPr lvl="1"/>
             <a:r>
-              <a:rPr lang="ko-KR" altLang="en-US" smtClean="0"/>
+              <a:rPr lang="ko-KR" altLang="en-US"/>
               <a:t>둘째 수준</a:t>
             </a:r>
           </a:p>
           <a:p>
             <a:pPr lvl="2"/>
             <a:r>
-              <a:rPr lang="ko-KR" altLang="en-US" smtClean="0"/>
+              <a:rPr lang="ko-KR" altLang="en-US"/>
               <a:t>셋째 수준</a:t>
             </a:r>
           </a:p>
           <a:p>
             <a:pPr lvl="3"/>
             <a:r>
-              <a:rPr lang="ko-KR" altLang="en-US" smtClean="0"/>
+              <a:rPr lang="ko-KR" altLang="en-US"/>
               <a:t>넷째 수준</a:t>
             </a:r>
           </a:p>
           <a:p>
             <a:pPr lvl="4"/>
             <a:r>
-              <a:rPr lang="ko-KR" altLang="en-US" smtClean="0"/>
+              <a:rPr lang="ko-KR" altLang="en-US"/>
               <a:t>다섯째 수준</a:t>
             </a:r>
-            <a:endParaRPr lang="ko-KR" altLang="en-US"/>
           </a:p>
         </p:txBody>
       </p:sp>
@@ -5356,7 +5634,7 @@
           <a:p>
             <a:pPr lvl="0"/>
             <a:r>
-              <a:rPr lang="ko-KR" altLang="en-US" smtClean="0"/>
+              <a:rPr lang="ko-KR" altLang="en-US"/>
               <a:t>마스터 텍스트 스타일을 편집합니다</a:t>
             </a:r>
           </a:p>
@@ -5372,7 +5650,18 @@
   <p:clrMapOvr>
     <a:masterClrMapping/>
   </p:clrMapOvr>
-  <p:transition spd="med"/>
+  <mc:AlternateContent xmlns:mc="http://schemas.openxmlformats.org/markup-compatibility/2006">
+    <mc:Choice xmlns:p159="http://schemas.microsoft.com/office/powerpoint/2015/09/main" Requires="p159">
+      <p:transition>
+        <p159:morph option="byChar"/>
+      </p:transition>
+    </mc:Choice>
+    <mc:Fallback>
+      <p:transition>
+        <p:fade/>
+      </p:transition>
+    </mc:Fallback>
+  </mc:AlternateContent>
 </p:sldLayout>
 </file>
 
@@ -5418,10 +5707,9 @@
           </a:lstStyle>
           <a:p>
             <a:r>
-              <a:rPr lang="ko-KR" altLang="en-US" smtClean="0"/>
+              <a:rPr lang="ko-KR" altLang="en-US"/>
               <a:t>마스터 제목 스타일 편집</a:t>
             </a:r>
-            <a:endParaRPr lang="ko-KR" altLang="en-US"/>
           </a:p>
         </p:txBody>
       </p:sp>
@@ -5483,7 +5771,7 @@
           </a:lstStyle>
           <a:p>
             <a:pPr lvl="0"/>
-            <a:endParaRPr lang="ko-KR" altLang="en-US" noProof="0" smtClean="0"/>
+            <a:endParaRPr lang="ko-KR" altLang="en-US" noProof="0"/>
           </a:p>
         </p:txBody>
       </p:sp>
@@ -5546,7 +5834,7 @@
           <a:p>
             <a:pPr lvl="0"/>
             <a:r>
-              <a:rPr lang="ko-KR" altLang="en-US" smtClean="0"/>
+              <a:rPr lang="ko-KR" altLang="en-US"/>
               <a:t>마스터 텍스트 스타일을 편집합니다</a:t>
             </a:r>
           </a:p>
@@ -5562,7 +5850,18 @@
   <p:clrMapOvr>
     <a:masterClrMapping/>
   </p:clrMapOvr>
-  <p:transition spd="med"/>
+  <mc:AlternateContent xmlns:mc="http://schemas.openxmlformats.org/markup-compatibility/2006">
+    <mc:Choice xmlns:p159="http://schemas.microsoft.com/office/powerpoint/2015/09/main" Requires="p159">
+      <p:transition>
+        <p159:morph option="byChar"/>
+      </p:transition>
+    </mc:Choice>
+    <mc:Fallback>
+      <p:transition>
+        <p:fade/>
+      </p:transition>
+    </mc:Fallback>
+  </mc:AlternateContent>
 </p:sldLayout>
 </file>
 
@@ -5604,10 +5903,9 @@
           <a:lstStyle/>
           <a:p>
             <a:r>
-              <a:rPr lang="ko-KR" altLang="en-US" smtClean="0"/>
+              <a:rPr lang="ko-KR" altLang="en-US"/>
               <a:t>마스터 제목 스타일 편집</a:t>
             </a:r>
-            <a:endParaRPr lang="ko-KR" altLang="en-US"/>
           </a:p>
         </p:txBody>
       </p:sp>
@@ -5628,38 +5926,37 @@
           <a:p>
             <a:pPr lvl="0"/>
             <a:r>
-              <a:rPr lang="ko-KR" altLang="en-US" smtClean="0"/>
+              <a:rPr lang="ko-KR" altLang="en-US"/>
               <a:t>마스터 텍스트 스타일을 편집합니다</a:t>
             </a:r>
           </a:p>
           <a:p>
             <a:pPr lvl="1"/>
             <a:r>
-              <a:rPr lang="ko-KR" altLang="en-US" smtClean="0"/>
+              <a:rPr lang="ko-KR" altLang="en-US"/>
               <a:t>둘째 수준</a:t>
             </a:r>
           </a:p>
           <a:p>
             <a:pPr lvl="2"/>
             <a:r>
-              <a:rPr lang="ko-KR" altLang="en-US" smtClean="0"/>
+              <a:rPr lang="ko-KR" altLang="en-US"/>
               <a:t>셋째 수준</a:t>
             </a:r>
           </a:p>
           <a:p>
             <a:pPr lvl="3"/>
             <a:r>
-              <a:rPr lang="ko-KR" altLang="en-US" smtClean="0"/>
+              <a:rPr lang="ko-KR" altLang="en-US"/>
               <a:t>넷째 수준</a:t>
             </a:r>
           </a:p>
           <a:p>
             <a:pPr lvl="4"/>
             <a:r>
-              <a:rPr lang="ko-KR" altLang="en-US" smtClean="0"/>
+              <a:rPr lang="ko-KR" altLang="en-US"/>
               <a:t>다섯째 수준</a:t>
             </a:r>
-            <a:endParaRPr lang="ko-KR" altLang="en-US"/>
           </a:p>
         </p:txBody>
       </p:sp>
@@ -5673,7 +5970,18 @@
   <p:clrMapOvr>
     <a:masterClrMapping/>
   </p:clrMapOvr>
-  <p:transition spd="med"/>
+  <mc:AlternateContent xmlns:mc="http://schemas.openxmlformats.org/markup-compatibility/2006">
+    <mc:Choice xmlns:p159="http://schemas.microsoft.com/office/powerpoint/2015/09/main" Requires="p159">
+      <p:transition>
+        <p159:morph option="byChar"/>
+      </p:transition>
+    </mc:Choice>
+    <mc:Fallback>
+      <p:transition>
+        <p:fade/>
+      </p:transition>
+    </mc:Fallback>
+  </mc:AlternateContent>
 </p:sldLayout>
 </file>
 
@@ -5850,7 +6158,7 @@
             <a:pPr algn="ctr" eaLnBrk="1" latinLnBrk="1" hangingPunct="1">
               <a:defRPr/>
             </a:pPr>
-            <a:endParaRPr lang="ko-KR" altLang="ko-KR" sz="1800" smtClean="0">
+            <a:endParaRPr lang="ko-KR" altLang="ko-KR" sz="1800">
               <a:solidFill>
                 <a:schemeClr val="bg1"/>
               </a:solidFill>
@@ -5910,7 +6218,7 @@
           <a:p>
             <a:pPr lvl="0"/>
             <a:r>
-              <a:rPr lang="ko-KR" altLang="en-US" smtClean="0"/>
+              <a:rPr lang="ko-KR" altLang="en-US"/>
               <a:t>마스터 제목 스타일 편집</a:t>
             </a:r>
           </a:p>
@@ -5968,42 +6276,42 @@
           <a:p>
             <a:pPr lvl="0"/>
             <a:r>
-              <a:rPr lang="en-US" altLang="ko-KR" smtClean="0"/>
+              <a:rPr lang="en-US" altLang="ko-KR"/>
               <a:t>1</a:t>
             </a:r>
-            <a:endParaRPr lang="ko-KR" altLang="en-US" smtClean="0"/>
+            <a:endParaRPr lang="ko-KR" altLang="en-US"/>
           </a:p>
           <a:p>
             <a:pPr lvl="1"/>
             <a:r>
-              <a:rPr lang="en-US" altLang="ko-KR" smtClean="0"/>
+              <a:rPr lang="en-US" altLang="ko-KR"/>
               <a:t>2</a:t>
             </a:r>
-            <a:endParaRPr lang="ko-KR" altLang="en-US" smtClean="0"/>
+            <a:endParaRPr lang="ko-KR" altLang="en-US"/>
           </a:p>
           <a:p>
             <a:pPr lvl="2"/>
             <a:r>
-              <a:rPr lang="en-US" altLang="ko-KR" smtClean="0"/>
+              <a:rPr lang="en-US" altLang="ko-KR"/>
               <a:t>3</a:t>
             </a:r>
-            <a:endParaRPr lang="ko-KR" altLang="en-US" smtClean="0"/>
+            <a:endParaRPr lang="ko-KR" altLang="en-US"/>
           </a:p>
           <a:p>
             <a:pPr lvl="3"/>
             <a:r>
-              <a:rPr lang="en-US" altLang="ko-KR" smtClean="0"/>
+              <a:rPr lang="en-US" altLang="ko-KR"/>
               <a:t>4</a:t>
             </a:r>
-            <a:endParaRPr lang="ko-KR" altLang="en-US" smtClean="0"/>
+            <a:endParaRPr lang="ko-KR" altLang="en-US"/>
           </a:p>
           <a:p>
             <a:pPr lvl="4"/>
             <a:r>
-              <a:rPr lang="en-US" altLang="ko-KR" smtClean="0"/>
+              <a:rPr lang="en-US" altLang="ko-KR"/>
               <a:t>5</a:t>
             </a:r>
-            <a:endParaRPr lang="ko-KR" altLang="en-US" smtClean="0"/>
+            <a:endParaRPr lang="ko-KR" altLang="en-US"/>
           </a:p>
         </p:txBody>
       </p:sp>
@@ -6156,7 +6464,7 @@
               <a:defRPr/>
             </a:pPr>
             <a:r>
-              <a:rPr lang="en-US" altLang="ko-KR" sz="1200" smtClean="0">
+              <a:rPr lang="en-US" altLang="ko-KR" sz="1200">
                 <a:solidFill>
                   <a:schemeClr val="bg1"/>
                 </a:solidFill>
@@ -6165,7 +6473,7 @@
               </a:rPr>
               <a:t>      Advanced Broadcasting &amp; Communications Lab.</a:t>
             </a:r>
-            <a:endParaRPr lang="en-US" altLang="ko-KR" sz="1800" smtClean="0">
+            <a:endParaRPr lang="en-US" altLang="ko-KR" sz="1800">
               <a:solidFill>
                 <a:schemeClr val="bg1"/>
               </a:solidFill>
@@ -6342,7 +6650,7 @@
               </a:pPr>
               <a:t>‹#›</a:t>
             </a:fld>
-            <a:endParaRPr lang="en-US" altLang="ko-KR" sz="1200" smtClean="0">
+            <a:endParaRPr lang="en-US" altLang="ko-KR" sz="1200">
               <a:solidFill>
                 <a:schemeClr val="bg1"/>
               </a:solidFill>
@@ -6835,7 +7143,7 @@
                 <a:defRPr/>
               </a:pPr>
               <a:r>
-                <a:rPr lang="en-US" altLang="ko-KR" sz="1600" i="1" smtClean="0">
+                <a:rPr lang="en-US" altLang="ko-KR" sz="1600" i="1">
                   <a:solidFill>
                     <a:srgbClr val="99CC00"/>
                   </a:solidFill>
@@ -7002,7 +7310,7 @@
                 <a:defRPr/>
               </a:pPr>
               <a:r>
-                <a:rPr lang="en-US" altLang="ko-KR" sz="2200" i="1" smtClean="0">
+                <a:rPr lang="en-US" altLang="ko-KR" sz="2200" i="1">
                   <a:solidFill>
                     <a:schemeClr val="bg1"/>
                   </a:solidFill>
@@ -7169,7 +7477,7 @@
                 <a:defRPr/>
               </a:pPr>
               <a:r>
-                <a:rPr lang="ko-KR" altLang="en-US" sz="900" i="1" smtClean="0">
+                <a:rPr lang="ko-KR" altLang="en-US" sz="900" i="1">
                   <a:solidFill>
                     <a:schemeClr val="bg1"/>
                   </a:solidFill>
@@ -7178,7 +7486,7 @@
                 <a:t>세계로</a:t>
               </a:r>
               <a:r>
-                <a:rPr lang="ko-KR" altLang="en-US" sz="900" i="1" smtClean="0">
+                <a:rPr lang="ko-KR" altLang="en-US" sz="900" i="1">
                   <a:solidFill>
                     <a:schemeClr val="bg2"/>
                   </a:solidFill>
@@ -7187,7 +7495,7 @@
                 <a:t> </a:t>
               </a:r>
               <a:r>
-                <a:rPr lang="ko-KR" altLang="en-US" sz="900" i="1" smtClean="0">
+                <a:rPr lang="ko-KR" altLang="en-US" sz="900" i="1">
                   <a:solidFill>
                     <a:schemeClr val="bg1"/>
                   </a:solidFill>
@@ -7216,14 +7524,18 @@
     <p:sldLayoutId id="2147484488" r:id="rId11"/>
     <p:sldLayoutId id="2147484489" r:id="rId12"/>
   </p:sldLayoutIdLst>
-  <p:transition spd="med"/>
-  <p:timing>
-    <p:tnLst>
-      <p:par>
-        <p:cTn id="1" dur="indefinite" restart="never" nodeType="tmRoot"/>
-      </p:par>
-    </p:tnLst>
-  </p:timing>
+  <mc:AlternateContent xmlns:mc="http://schemas.openxmlformats.org/markup-compatibility/2006">
+    <mc:Choice xmlns:p159="http://schemas.microsoft.com/office/powerpoint/2015/09/main" Requires="p159">
+      <p:transition>
+        <p159:morph option="byChar"/>
+      </p:transition>
+    </mc:Choice>
+    <mc:Fallback>
+      <p:transition>
+        <p:fade/>
+      </p:transition>
+    </mc:Fallback>
+  </mc:AlternateContent>
   <p:txStyles>
     <p:titleStyle>
       <a:lvl1pPr algn="r" rtl="0" eaLnBrk="0" fontAlgn="base" latinLnBrk="1" hangingPunct="0">
@@ -7791,14 +8103,14 @@
               <a:defRPr/>
             </a:pPr>
             <a:r>
-              <a:rPr lang="en-US" altLang="ko-KR" sz="1200" smtClean="0">
+              <a:rPr lang="en-US" altLang="ko-KR" sz="1200">
                 <a:solidFill>
                   <a:schemeClr val="bg1"/>
                 </a:solidFill>
               </a:rPr>
               <a:t>Broadcasting &amp; Communication Systems Lab.</a:t>
             </a:r>
-            <a:endParaRPr lang="en-US" altLang="ko-KR" sz="1800" smtClean="0">
+            <a:endParaRPr lang="en-US" altLang="ko-KR" sz="1800">
               <a:solidFill>
                 <a:schemeClr val="bg1"/>
               </a:solidFill>
@@ -7973,7 +8285,7 @@
               </a:pPr>
               <a:t>‹#›</a:t>
             </a:fld>
-            <a:endParaRPr lang="en-US" altLang="ko-KR" sz="1200" smtClean="0">
+            <a:endParaRPr lang="en-US" altLang="ko-KR" sz="1200">
               <a:solidFill>
                 <a:schemeClr val="bg1"/>
               </a:solidFill>
@@ -8215,7 +8527,7 @@
             <a:pPr algn="r" eaLnBrk="1" latinLnBrk="1" hangingPunct="1">
               <a:defRPr/>
             </a:pPr>
-            <a:endParaRPr lang="ko-KR" altLang="ko-KR" sz="1000" smtClean="0">
+            <a:endParaRPr lang="ko-KR" altLang="ko-KR" sz="1000">
               <a:solidFill>
                 <a:schemeClr val="bg1"/>
               </a:solidFill>
@@ -8544,42 +8856,42 @@
           <a:p>
             <a:pPr lvl="0"/>
             <a:r>
-              <a:rPr lang="ko-KR" altLang="en-US" smtClean="0"/>
+              <a:rPr lang="ko-KR" altLang="en-US"/>
               <a:t>마스터 텍스트 스타일을 편집합니다</a:t>
             </a:r>
           </a:p>
           <a:p>
             <a:pPr lvl="1"/>
             <a:r>
-              <a:rPr lang="ko-KR" altLang="en-US" smtClean="0"/>
+              <a:rPr lang="ko-KR" altLang="en-US"/>
               <a:t>둘째 수준</a:t>
             </a:r>
           </a:p>
           <a:p>
             <a:pPr lvl="2"/>
             <a:r>
-              <a:rPr lang="ko-KR" altLang="en-US" smtClean="0"/>
+              <a:rPr lang="ko-KR" altLang="en-US"/>
               <a:t>셋째 수준</a:t>
             </a:r>
           </a:p>
           <a:p>
             <a:pPr lvl="3"/>
             <a:r>
-              <a:rPr lang="ko-KR" altLang="en-US" smtClean="0"/>
+              <a:rPr lang="ko-KR" altLang="en-US"/>
               <a:t>넷째 수준</a:t>
             </a:r>
           </a:p>
           <a:p>
             <a:pPr lvl="4"/>
             <a:r>
-              <a:rPr lang="ko-KR" altLang="en-US" smtClean="0"/>
+              <a:rPr lang="ko-KR" altLang="en-US"/>
               <a:t>다섯째 수준</a:t>
             </a:r>
             <a:r>
-              <a:rPr lang="en-US" altLang="ko-KR" smtClean="0"/>
+              <a:rPr lang="en-US" altLang="ko-KR"/>
               <a:t>z</a:t>
             </a:r>
-            <a:endParaRPr lang="ko-KR" altLang="en-US" smtClean="0"/>
+            <a:endParaRPr lang="ko-KR" altLang="en-US"/>
           </a:p>
         </p:txBody>
       </p:sp>
@@ -8635,7 +8947,7 @@
           <a:p>
             <a:pPr lvl="0"/>
             <a:r>
-              <a:rPr lang="en-US" altLang="ko-KR" smtClean="0"/>
+              <a:rPr lang="en-US" altLang="ko-KR"/>
               <a:t>Contents</a:t>
             </a:r>
           </a:p>
@@ -8803,7 +9115,7 @@
               <a:defRPr/>
             </a:pPr>
             <a:r>
-              <a:rPr lang="ko-KR" altLang="en-US" sz="2000" i="0" smtClean="0">
+              <a:rPr lang="ko-KR" altLang="en-US" sz="2000" i="0">
                 <a:solidFill>
                   <a:schemeClr val="bg1"/>
                 </a:solidFill>
@@ -8812,13 +9124,6 @@
               </a:rPr>
               <a:t>마스터 제목 스타일 편집</a:t>
             </a:r>
-            <a:endParaRPr lang="ko-KR" altLang="en-US" sz="2000" i="0">
-              <a:solidFill>
-                <a:schemeClr val="bg1"/>
-              </a:solidFill>
-              <a:latin typeface="Arial Black" pitchFamily="34" charset="0"/>
-              <a:ea typeface="HY견고딕" pitchFamily="18" charset="-127"/>
-            </a:endParaRPr>
           </a:p>
         </p:txBody>
       </p:sp>
@@ -8994,7 +9299,7 @@
                 <a:defRPr/>
               </a:pPr>
               <a:r>
-                <a:rPr lang="en-US" altLang="ko-KR" sz="1600" i="1" smtClean="0">
+                <a:rPr lang="en-US" altLang="ko-KR" sz="1600" i="1">
                   <a:solidFill>
                     <a:srgbClr val="99CC00"/>
                   </a:solidFill>
@@ -9161,7 +9466,7 @@
                 <a:defRPr/>
               </a:pPr>
               <a:r>
-                <a:rPr lang="en-US" altLang="ko-KR" sz="2200" i="1" smtClean="0">
+                <a:rPr lang="en-US" altLang="ko-KR" sz="2200" i="1">
                   <a:solidFill>
                     <a:schemeClr val="bg1"/>
                   </a:solidFill>
@@ -9328,7 +9633,7 @@
                 <a:defRPr/>
               </a:pPr>
               <a:r>
-                <a:rPr lang="ko-KR" altLang="en-US" sz="900" i="1" smtClean="0">
+                <a:rPr lang="ko-KR" altLang="en-US" sz="900" i="1">
                   <a:solidFill>
                     <a:schemeClr val="bg1"/>
                   </a:solidFill>
@@ -9337,7 +9642,7 @@
                 <a:t>세계로</a:t>
               </a:r>
               <a:r>
-                <a:rPr lang="ko-KR" altLang="en-US" sz="900" i="1" smtClean="0">
+                <a:rPr lang="ko-KR" altLang="en-US" sz="900" i="1">
                   <a:solidFill>
                     <a:schemeClr val="bg2"/>
                   </a:solidFill>
@@ -9346,7 +9651,7 @@
                 <a:t> </a:t>
               </a:r>
               <a:r>
-                <a:rPr lang="ko-KR" altLang="en-US" sz="900" i="1" smtClean="0">
+                <a:rPr lang="ko-KR" altLang="en-US" sz="900" i="1">
                   <a:solidFill>
                     <a:schemeClr val="bg1"/>
                   </a:solidFill>
@@ -9374,14 +9679,18 @@
     <p:sldLayoutId id="2147484499" r:id="rId10"/>
     <p:sldLayoutId id="2147484500" r:id="rId11"/>
   </p:sldLayoutIdLst>
-  <p:transition spd="med"/>
-  <p:timing>
-    <p:tnLst>
-      <p:par>
-        <p:cTn id="1" dur="indefinite" restart="never" nodeType="tmRoot"/>
-      </p:par>
-    </p:tnLst>
-  </p:timing>
+  <mc:AlternateContent xmlns:mc="http://schemas.openxmlformats.org/markup-compatibility/2006">
+    <mc:Choice xmlns:p159="http://schemas.microsoft.com/office/powerpoint/2015/09/main" Requires="p159">
+      <p:transition>
+        <p159:morph option="byChar"/>
+      </p:transition>
+    </mc:Choice>
+    <mc:Fallback>
+      <p:transition>
+        <p:fade/>
+      </p:transition>
+    </mc:Fallback>
+  </mc:AlternateContent>
   <p:txStyles>
     <p:titleStyle>
       <a:lvl1pPr algn="l" rtl="0" eaLnBrk="0" fontAlgn="base" latinLnBrk="1" hangingPunct="0">
@@ -9848,7 +10157,7 @@
                 <a:latin typeface="Arial Black" panose="020B0A04020102020204" pitchFamily="34" charset="0"/>
               </a:rPr>
             </a:br>
-            <a:endParaRPr lang="en-US" altLang="ko-KR" sz="2800" b="0" dirty="0" smtClean="0">
+            <a:endParaRPr lang="en-US" altLang="ko-KR" sz="2800" b="0" dirty="0">
               <a:solidFill>
                 <a:srgbClr val="A50021"/>
               </a:solidFill>
@@ -9885,7 +10194,7 @@
               </a:lnSpc>
             </a:pPr>
             <a:r>
-              <a:rPr lang="en-US" altLang="ko-KR" dirty="0" smtClean="0"/>
+              <a:rPr lang="en-US" altLang="ko-KR" dirty="0"/>
               <a:t>Chapter 10 – </a:t>
             </a:r>
           </a:p>
@@ -9896,14 +10205,14 @@
               </a:lnSpc>
             </a:pPr>
             <a:r>
-              <a:rPr lang="en-US" altLang="ko-KR" dirty="0" smtClean="0"/>
+              <a:rPr lang="en-US" altLang="ko-KR" dirty="0"/>
               <a:t>Operational Amplifiers </a:t>
             </a:r>
             <a:br>
-              <a:rPr lang="en-US" altLang="ko-KR" dirty="0" smtClean="0"/>
+              <a:rPr lang="en-US" altLang="ko-KR" dirty="0"/>
             </a:br>
             <a:r>
-              <a:rPr lang="en-US" altLang="ko-KR" dirty="0" smtClean="0"/>
+              <a:rPr lang="en-US" altLang="ko-KR" dirty="0"/>
               <a:t>and Applications</a:t>
             </a:r>
           </a:p>
@@ -9914,14 +10223,18 @@
   <p:clrMapOvr>
     <a:masterClrMapping/>
   </p:clrMapOvr>
-  <p:transition spd="med"/>
-  <p:timing>
-    <p:tnLst>
-      <p:par>
-        <p:cTn id="1" dur="indefinite" restart="never" nodeType="tmRoot"/>
-      </p:par>
-    </p:tnLst>
-  </p:timing>
+  <mc:AlternateContent xmlns:mc="http://schemas.openxmlformats.org/markup-compatibility/2006">
+    <mc:Choice xmlns:p159="http://schemas.microsoft.com/office/powerpoint/2015/09/main" Requires="p159">
+      <p:transition>
+        <p159:morph option="byChar"/>
+      </p:transition>
+    </mc:Choice>
+    <mc:Fallback>
+      <p:transition>
+        <p:fade/>
+      </p:transition>
+    </mc:Fallback>
+  </mc:AlternateContent>
 </p:sld>
 </file>
 
@@ -9958,10 +10271,10 @@
           <a:lstStyle/>
           <a:p>
             <a:r>
-              <a:rPr lang="en-US" altLang="ko-KR" dirty="0" smtClean="0"/>
+              <a:rPr lang="en-US" altLang="ko-KR" dirty="0"/>
               <a:t>Unity-gain Buffer</a:t>
             </a:r>
-            <a:endParaRPr lang="ko-KR" altLang="en-US" dirty="0" smtClean="0"/>
+            <a:endParaRPr lang="ko-KR" altLang="en-US" dirty="0"/>
           </a:p>
         </p:txBody>
       </p:sp>
@@ -9990,42 +10303,34 @@
               <a:buNone/>
             </a:pPr>
             <a:r>
-              <a:rPr lang="en-US" altLang="ko-KR" sz="2800" b="1" dirty="0" smtClean="0">
-                <a:solidFill>
-                  <a:srgbClr val="0070C0"/>
-                </a:solidFill>
-              </a:rPr>
-              <a:t>Unity-gain </a:t>
-            </a:r>
-            <a:r>
               <a:rPr lang="en-US" altLang="ko-KR" sz="2800" b="1" dirty="0">
                 <a:solidFill>
                   <a:srgbClr val="0070C0"/>
                 </a:solidFill>
               </a:rPr>
-              <a:t>Buffer </a:t>
-            </a:r>
-          </a:p>
-          <a:p>
-            <a:r>
-              <a:rPr lang="en-US" altLang="ko-KR" dirty="0" smtClean="0"/>
+              <a:t>Unity-gain Buffer </a:t>
+            </a:r>
+          </a:p>
+          <a:p>
+            <a:r>
+              <a:rPr lang="en-US" altLang="ko-KR" dirty="0"/>
               <a:t>output voltage is same as input voltage</a:t>
             </a:r>
           </a:p>
           <a:p>
             <a:r>
-              <a:rPr lang="en-US" altLang="ko-KR" dirty="0" smtClean="0"/>
+              <a:rPr lang="en-US" altLang="ko-KR" dirty="0"/>
               <a:t>input voltage</a:t>
             </a:r>
           </a:p>
           <a:p>
             <a:r>
-              <a:rPr lang="en-US" altLang="ko-KR" dirty="0" smtClean="0"/>
+              <a:rPr lang="en-US" altLang="ko-KR" dirty="0"/>
               <a:t>closed-loop gain  </a:t>
             </a:r>
           </a:p>
           <a:p>
-            <a:endParaRPr lang="ko-KR" altLang="en-US" dirty="0" smtClean="0"/>
+            <a:endParaRPr lang="ko-KR" altLang="en-US" dirty="0"/>
           </a:p>
         </p:txBody>
       </p:sp>
@@ -10051,12 +10356,12 @@
           <a:graphicData uri="http://schemas.openxmlformats.org/presentationml/2006/ole">
             <mc:AlternateContent xmlns:mc="http://schemas.openxmlformats.org/markup-compatibility/2006">
               <mc:Choice xmlns:v="urn:schemas-microsoft-com:vml" Requires="v">
-                <p:oleObj spid="_x0000_s76810" name="Equation" r:id="rId3" imgW="1422360" imgH="228600" progId="Equation.3">
+                <p:oleObj name="Equation" r:id="rId2" imgW="1422360" imgH="228600" progId="Equation.3">
                   <p:embed/>
                 </p:oleObj>
               </mc:Choice>
               <mc:Fallback>
-                <p:oleObj name="Equation" r:id="rId3" imgW="1422360" imgH="228600" progId="Equation.3">
+                <p:oleObj name="Equation" r:id="rId2" imgW="1422360" imgH="228600" progId="Equation.3">
                   <p:embed/>
                   <p:pic>
                     <p:nvPicPr>
@@ -10067,7 +10372,7 @@
                       <p:nvPr/>
                     </p:nvPicPr>
                     <p:blipFill>
-                      <a:blip r:embed="rId4">
+                      <a:blip r:embed="rId3">
                         <a:extLst>
                           <a:ext uri="{28A0092B-C50C-407E-A947-70E740481C1C}">
                             <a14:useLocalDpi xmlns:a14="http://schemas.microsoft.com/office/drawing/2010/main" val="0"/>
@@ -10122,12 +10427,12 @@
           <a:graphicData uri="http://schemas.openxmlformats.org/presentationml/2006/ole">
             <mc:AlternateContent xmlns:mc="http://schemas.openxmlformats.org/markup-compatibility/2006">
               <mc:Choice xmlns:v="urn:schemas-microsoft-com:vml" Requires="v">
-                <p:oleObj spid="_x0000_s76811" name="Equation" r:id="rId5" imgW="2158920" imgH="228600" progId="Equation.3">
+                <p:oleObj name="Equation" r:id="rId4" imgW="2158920" imgH="228600" progId="Equation.3">
                   <p:embed/>
                 </p:oleObj>
               </mc:Choice>
               <mc:Fallback>
-                <p:oleObj name="Equation" r:id="rId5" imgW="2158920" imgH="228600" progId="Equation.3">
+                <p:oleObj name="Equation" r:id="rId4" imgW="2158920" imgH="228600" progId="Equation.3">
                   <p:embed/>
                   <p:pic>
                     <p:nvPicPr>
@@ -10138,7 +10443,7 @@
                       <p:nvPr/>
                     </p:nvPicPr>
                     <p:blipFill>
-                      <a:blip r:embed="rId6">
+                      <a:blip r:embed="rId5">
                         <a:extLst>
                           <a:ext uri="{28A0092B-C50C-407E-A947-70E740481C1C}">
                             <a14:useLocalDpi xmlns:a14="http://schemas.microsoft.com/office/drawing/2010/main" val="0"/>
@@ -10180,7 +10485,7 @@
           <p:nvPr/>
         </p:nvPicPr>
         <p:blipFill>
-          <a:blip r:embed="rId7" cstate="print">
+          <a:blip r:embed="rId6" cstate="print">
             <a:extLst>
               <a:ext uri="{28A0092B-C50C-407E-A947-70E740481C1C}">
                 <a14:useLocalDpi xmlns:a14="http://schemas.microsoft.com/office/drawing/2010/main" val="0"/>
@@ -10211,7 +10516,18 @@
   <p:clrMapOvr>
     <a:masterClrMapping/>
   </p:clrMapOvr>
-  <p:transition spd="med"/>
+  <mc:AlternateContent xmlns:mc="http://schemas.openxmlformats.org/markup-compatibility/2006">
+    <mc:Choice xmlns:p159="http://schemas.microsoft.com/office/powerpoint/2015/09/main" Requires="p159">
+      <p:transition>
+        <p159:morph option="byChar"/>
+      </p:transition>
+    </mc:Choice>
+    <mc:Fallback>
+      <p:transition>
+        <p:fade/>
+      </p:transition>
+    </mc:Fallback>
+  </mc:AlternateContent>
 </p:sld>
 </file>
 
@@ -10248,10 +10564,10 @@
           <a:lstStyle/>
           <a:p>
             <a:r>
-              <a:rPr lang="en-US" altLang="ko-KR" dirty="0" smtClean="0"/>
+              <a:rPr lang="en-US" altLang="ko-KR" dirty="0"/>
               <a:t>Inverting Amplifier</a:t>
             </a:r>
-            <a:endParaRPr lang="ko-KR" altLang="en-US" dirty="0" smtClean="0"/>
+            <a:endParaRPr lang="ko-KR" altLang="en-US" dirty="0"/>
           </a:p>
         </p:txBody>
       </p:sp>
@@ -10284,27 +10600,13 @@
               <a:defRPr/>
             </a:pPr>
             <a:r>
-              <a:rPr lang="en-US" altLang="ko-KR" sz="2800" b="1" dirty="0" smtClean="0">
-                <a:solidFill>
-                  <a:srgbClr val="0070C0"/>
-                </a:solidFill>
-              </a:rPr>
-              <a:t>Inverting  </a:t>
-            </a:r>
-            <a:r>
               <a:rPr lang="en-US" altLang="ko-KR" sz="2800" b="1" dirty="0">
                 <a:solidFill>
                   <a:srgbClr val="0070C0"/>
                 </a:solidFill>
               </a:rPr>
-              <a:t>Amp </a:t>
-            </a:r>
-          </a:p>
-          <a:p>
-            <a:pPr>
-              <a:defRPr/>
-            </a:pPr>
-            <a:endParaRPr lang="en-US" altLang="ko-KR" dirty="0" smtClean="0"/>
+              <a:t>Inverting  Amp </a:t>
+            </a:r>
           </a:p>
           <a:p>
             <a:pPr>
@@ -10316,23 +10618,29 @@
             <a:pPr>
               <a:defRPr/>
             </a:pPr>
-            <a:endParaRPr lang="en-US" altLang="ko-KR" dirty="0" smtClean="0"/>
+            <a:endParaRPr lang="en-US" altLang="ko-KR" dirty="0"/>
           </a:p>
           <a:p>
             <a:pPr>
               <a:defRPr/>
             </a:pPr>
-            <a:r>
-              <a:rPr lang="en-US" altLang="ko-KR" dirty="0" smtClean="0"/>
-              <a:t>feedback to the inverting input</a:t>
-            </a:r>
+            <a:endParaRPr lang="en-US" altLang="ko-KR" dirty="0"/>
           </a:p>
           <a:p>
             <a:pPr>
               <a:defRPr/>
             </a:pPr>
             <a:r>
-              <a:rPr lang="en-US" altLang="ko-KR" dirty="0" smtClean="0"/>
+              <a:rPr lang="en-US" altLang="ko-KR" dirty="0"/>
+              <a:t>feedback to the inverting input</a:t>
+            </a:r>
+          </a:p>
+          <a:p>
+            <a:pPr>
+              <a:defRPr/>
+            </a:pPr>
+            <a:r>
+              <a:rPr lang="en-US" altLang="ko-KR" dirty="0"/>
               <a:t>negative feedback causes</a:t>
             </a:r>
           </a:p>
@@ -10344,19 +10652,19 @@
               <a:defRPr/>
             </a:pPr>
             <a:r>
-              <a:rPr lang="en-US" altLang="ko-KR" dirty="0" smtClean="0"/>
+              <a:rPr lang="en-US" altLang="ko-KR" dirty="0"/>
               <a:t>current through </a:t>
             </a:r>
             <a:r>
-              <a:rPr lang="en-US" altLang="ko-KR" i="1" dirty="0" smtClean="0"/>
+              <a:rPr lang="en-US" altLang="ko-KR" i="1" dirty="0"/>
               <a:t>R</a:t>
             </a:r>
             <a:r>
-              <a:rPr lang="en-US" altLang="ko-KR" i="1" baseline="-25000" dirty="0" smtClean="0"/>
+              <a:rPr lang="en-US" altLang="ko-KR" i="1" baseline="-25000" dirty="0"/>
               <a:t>1</a:t>
             </a:r>
             <a:r>
-              <a:rPr lang="en-US" altLang="ko-KR" dirty="0" smtClean="0"/>
+              <a:rPr lang="en-US" altLang="ko-KR" dirty="0"/>
               <a:t>                      </a:t>
             </a:r>
           </a:p>
@@ -10368,19 +10676,19 @@
               <a:defRPr/>
             </a:pPr>
             <a:r>
-              <a:rPr lang="en-US" altLang="ko-KR" dirty="0" smtClean="0"/>
+              <a:rPr lang="en-US" altLang="ko-KR" dirty="0"/>
               <a:t>current through </a:t>
             </a:r>
             <a:r>
-              <a:rPr lang="en-US" altLang="ko-KR" i="1" dirty="0" smtClean="0"/>
+              <a:rPr lang="en-US" altLang="ko-KR" i="1" dirty="0"/>
               <a:t>R</a:t>
             </a:r>
             <a:r>
-              <a:rPr lang="en-US" altLang="ko-KR" i="1" baseline="-25000" dirty="0" smtClean="0"/>
+              <a:rPr lang="en-US" altLang="ko-KR" i="1" baseline="-25000" dirty="0"/>
               <a:t>2</a:t>
             </a:r>
             <a:r>
-              <a:rPr lang="en-US" altLang="ko-KR" dirty="0" smtClean="0"/>
+              <a:rPr lang="en-US" altLang="ko-KR" dirty="0"/>
               <a:t> </a:t>
             </a:r>
           </a:p>
@@ -10392,7 +10700,7 @@
               <a:defRPr/>
             </a:pPr>
             <a:r>
-              <a:rPr lang="en-US" altLang="ko-KR" dirty="0" smtClean="0"/>
+              <a:rPr lang="en-US" altLang="ko-KR" dirty="0"/>
               <a:t>closed-loop gain</a:t>
             </a:r>
           </a:p>
@@ -10420,12 +10728,12 @@
           <a:graphicData uri="http://schemas.openxmlformats.org/presentationml/2006/ole">
             <mc:AlternateContent xmlns:mc="http://schemas.openxmlformats.org/markup-compatibility/2006">
               <mc:Choice xmlns:v="urn:schemas-microsoft-com:vml" Requires="v">
-                <p:oleObj spid="_x0000_s77846" name="Equation" r:id="rId3" imgW="965160" imgH="431640" progId="Equation.3">
+                <p:oleObj name="Equation" r:id="rId2" imgW="965160" imgH="431640" progId="Equation.3">
                   <p:embed/>
                 </p:oleObj>
               </mc:Choice>
               <mc:Fallback>
-                <p:oleObj name="Equation" r:id="rId3" imgW="965160" imgH="431640" progId="Equation.3">
+                <p:oleObj name="Equation" r:id="rId2" imgW="965160" imgH="431640" progId="Equation.3">
                   <p:embed/>
                   <p:pic>
                     <p:nvPicPr>
@@ -10436,7 +10744,7 @@
                       <p:nvPr/>
                     </p:nvPicPr>
                     <p:blipFill>
-                      <a:blip r:embed="rId4">
+                      <a:blip r:embed="rId3">
                         <a:extLst>
                           <a:ext uri="{28A0092B-C50C-407E-A947-70E740481C1C}">
                             <a14:useLocalDpi xmlns:a14="http://schemas.microsoft.com/office/drawing/2010/main" val="0"/>
@@ -10491,12 +10799,12 @@
           <a:graphicData uri="http://schemas.openxmlformats.org/presentationml/2006/ole">
             <mc:AlternateContent xmlns:mc="http://schemas.openxmlformats.org/markup-compatibility/2006">
               <mc:Choice xmlns:v="urn:schemas-microsoft-com:vml" Requires="v">
-                <p:oleObj spid="_x0000_s77847" name="Equation" r:id="rId5" imgW="698400" imgH="215640" progId="Equation.3">
+                <p:oleObj name="Equation" r:id="rId4" imgW="698400" imgH="215640" progId="Equation.3">
                   <p:embed/>
                 </p:oleObj>
               </mc:Choice>
               <mc:Fallback>
-                <p:oleObj name="Equation" r:id="rId5" imgW="698400" imgH="215640" progId="Equation.3">
+                <p:oleObj name="Equation" r:id="rId4" imgW="698400" imgH="215640" progId="Equation.3">
                   <p:embed/>
                   <p:pic>
                     <p:nvPicPr>
@@ -10507,7 +10815,7 @@
                       <p:nvPr/>
                     </p:nvPicPr>
                     <p:blipFill>
-                      <a:blip r:embed="rId6">
+                      <a:blip r:embed="rId5">
                         <a:extLst>
                           <a:ext uri="{28A0092B-C50C-407E-A947-70E740481C1C}">
                             <a14:useLocalDpi xmlns:a14="http://schemas.microsoft.com/office/drawing/2010/main" val="0"/>
@@ -10562,12 +10870,12 @@
           <a:graphicData uri="http://schemas.openxmlformats.org/presentationml/2006/ole">
             <mc:AlternateContent xmlns:mc="http://schemas.openxmlformats.org/markup-compatibility/2006">
               <mc:Choice xmlns:v="urn:schemas-microsoft-com:vml" Requires="v">
-                <p:oleObj spid="_x0000_s77848" name="Equation" r:id="rId7" imgW="939600" imgH="431640" progId="Equation.3">
+                <p:oleObj name="Equation" r:id="rId6" imgW="939600" imgH="431640" progId="Equation.3">
                   <p:embed/>
                 </p:oleObj>
               </mc:Choice>
               <mc:Fallback>
-                <p:oleObj name="Equation" r:id="rId7" imgW="939600" imgH="431640" progId="Equation.3">
+                <p:oleObj name="Equation" r:id="rId6" imgW="939600" imgH="431640" progId="Equation.3">
                   <p:embed/>
                   <p:pic>
                     <p:nvPicPr>
@@ -10578,7 +10886,7 @@
                       <p:nvPr/>
                     </p:nvPicPr>
                     <p:blipFill>
-                      <a:blip r:embed="rId8">
+                      <a:blip r:embed="rId7">
                         <a:extLst>
                           <a:ext uri="{28A0092B-C50C-407E-A947-70E740481C1C}">
                             <a14:useLocalDpi xmlns:a14="http://schemas.microsoft.com/office/drawing/2010/main" val="0"/>
@@ -10633,12 +10941,12 @@
           <a:graphicData uri="http://schemas.openxmlformats.org/presentationml/2006/ole">
             <mc:AlternateContent xmlns:mc="http://schemas.openxmlformats.org/markup-compatibility/2006">
               <mc:Choice xmlns:v="urn:schemas-microsoft-com:vml" Requires="v">
-                <p:oleObj spid="_x0000_s77849" name="Equation" r:id="rId9" imgW="1079280" imgH="431640" progId="Equation.3">
+                <p:oleObj name="Equation" r:id="rId8" imgW="1079280" imgH="431640" progId="Equation.3">
                   <p:embed/>
                 </p:oleObj>
               </mc:Choice>
               <mc:Fallback>
-                <p:oleObj name="Equation" r:id="rId9" imgW="1079280" imgH="431640" progId="Equation.3">
+                <p:oleObj name="Equation" r:id="rId8" imgW="1079280" imgH="431640" progId="Equation.3">
                   <p:embed/>
                   <p:pic>
                     <p:nvPicPr>
@@ -10649,7 +10957,7 @@
                       <p:nvPr/>
                     </p:nvPicPr>
                     <p:blipFill>
-                      <a:blip r:embed="rId10">
+                      <a:blip r:embed="rId9">
                         <a:extLst>
                           <a:ext uri="{28A0092B-C50C-407E-A947-70E740481C1C}">
                             <a14:useLocalDpi xmlns:a14="http://schemas.microsoft.com/office/drawing/2010/main" val="0"/>
@@ -10691,7 +10999,7 @@
           <p:nvPr/>
         </p:nvPicPr>
         <p:blipFill>
-          <a:blip r:embed="rId11" cstate="print">
+          <a:blip r:embed="rId10" cstate="print">
             <a:extLst>
               <a:ext uri="{28A0092B-C50C-407E-A947-70E740481C1C}">
                 <a14:useLocalDpi xmlns:a14="http://schemas.microsoft.com/office/drawing/2010/main" val="0"/>
@@ -10722,7 +11030,18 @@
   <p:clrMapOvr>
     <a:masterClrMapping/>
   </p:clrMapOvr>
-  <p:transition spd="med"/>
+  <mc:AlternateContent xmlns:mc="http://schemas.openxmlformats.org/markup-compatibility/2006">
+    <mc:Choice xmlns:p159="http://schemas.microsoft.com/office/powerpoint/2015/09/main" Requires="p159">
+      <p:transition>
+        <p159:morph option="byChar"/>
+      </p:transition>
+    </mc:Choice>
+    <mc:Fallback>
+      <p:transition>
+        <p:fade/>
+      </p:transition>
+    </mc:Fallback>
+  </mc:AlternateContent>
 </p:sld>
 </file>
 
@@ -10759,10 +11078,10 @@
           <a:lstStyle/>
           <a:p>
             <a:r>
-              <a:rPr lang="en-US" altLang="ko-KR" dirty="0" smtClean="0"/>
+              <a:rPr lang="en-US" altLang="ko-KR" dirty="0"/>
               <a:t>Differential Amp</a:t>
             </a:r>
-            <a:endParaRPr lang="ko-KR" altLang="en-US" dirty="0" smtClean="0"/>
+            <a:endParaRPr lang="ko-KR" altLang="en-US" dirty="0"/>
           </a:p>
         </p:txBody>
       </p:sp>
@@ -10791,32 +11110,24 @@
               <a:buNone/>
             </a:pPr>
             <a:r>
-              <a:rPr lang="en-US" altLang="ko-KR" sz="2800" b="1" dirty="0" smtClean="0">
-                <a:solidFill>
-                  <a:srgbClr val="0070C0"/>
-                </a:solidFill>
-              </a:rPr>
-              <a:t>Differential </a:t>
-            </a:r>
-            <a:r>
               <a:rPr lang="en-US" altLang="ko-KR" sz="2800" b="1" dirty="0">
                 <a:solidFill>
                   <a:srgbClr val="0070C0"/>
                 </a:solidFill>
               </a:rPr>
-              <a:t>Amp </a:t>
-            </a:r>
-          </a:p>
-          <a:p>
-            <a:r>
-              <a:rPr lang="en-US" altLang="ko-KR" dirty="0" smtClean="0"/>
               <a:t>Differential Amp </a:t>
             </a:r>
           </a:p>
           <a:p>
+            <a:r>
+              <a:rPr lang="en-US" altLang="ko-KR" dirty="0"/>
+              <a:t>Differential Amp </a:t>
+            </a:r>
+          </a:p>
+          <a:p>
             <a:pPr lvl="1"/>
             <a:r>
-              <a:rPr lang="en-US" altLang="ko-KR" dirty="0" smtClean="0"/>
+              <a:rPr lang="en-US" altLang="ko-KR" dirty="0"/>
               <a:t>voltage </a:t>
             </a:r>
           </a:p>
@@ -10827,7 +11138,7 @@
               </a:lnSpc>
             </a:pPr>
             <a:r>
-              <a:rPr lang="en-US" altLang="ko-KR" dirty="0" smtClean="0"/>
+              <a:rPr lang="en-US" altLang="ko-KR" dirty="0"/>
               <a:t>current  </a:t>
             </a:r>
           </a:p>
@@ -10838,7 +11149,7 @@
               </a:lnSpc>
             </a:pPr>
             <a:r>
-              <a:rPr lang="en-US" altLang="ko-KR" dirty="0" smtClean="0"/>
+              <a:rPr lang="en-US" altLang="ko-KR" dirty="0"/>
               <a:t>output vol. </a:t>
             </a:r>
           </a:p>
@@ -10849,49 +11160,41 @@
               </a:lnSpc>
             </a:pPr>
             <a:r>
-              <a:rPr lang="en-US" altLang="ko-KR" dirty="0" smtClean="0"/>
+              <a:rPr lang="en-US" altLang="ko-KR" dirty="0"/>
               <a:t>CMRR</a:t>
             </a:r>
           </a:p>
           <a:p>
             <a:pPr lvl="1"/>
             <a:r>
-              <a:rPr lang="en-US" altLang="ko-KR" dirty="0" smtClean="0"/>
+              <a:rPr lang="en-US" altLang="ko-KR" dirty="0"/>
               <a:t>Common Mode Rejection Ratio</a:t>
             </a:r>
           </a:p>
           <a:p>
             <a:pPr lvl="1"/>
             <a:r>
-              <a:rPr lang="en-US" altLang="ko-KR" dirty="0" smtClean="0"/>
+              <a:rPr lang="en-US" altLang="ko-KR" dirty="0"/>
               <a:t>how nearly ideal a diff amp is.</a:t>
             </a:r>
             <a:br>
-              <a:rPr lang="en-US" altLang="ko-KR" dirty="0" smtClean="0"/>
+              <a:rPr lang="en-US" altLang="ko-KR" dirty="0"/>
             </a:br>
-            <a:r>
-              <a:rPr lang="en-US" altLang="ko-KR" dirty="0" smtClean="0"/>
-              <a:t/>
-            </a:r>
             <a:br>
-              <a:rPr lang="en-US" altLang="ko-KR" dirty="0" smtClean="0"/>
+              <a:rPr lang="en-US" altLang="ko-KR" dirty="0"/>
             </a:br>
             <a:r>
-              <a:rPr lang="en-US" altLang="ko-KR" dirty="0" smtClean="0"/>
+              <a:rPr lang="en-US" altLang="ko-KR" dirty="0"/>
               <a:t>                              </a:t>
             </a:r>
             <a:br>
-              <a:rPr lang="en-US" altLang="ko-KR" dirty="0" smtClean="0"/>
+              <a:rPr lang="en-US" altLang="ko-KR" dirty="0"/>
             </a:br>
-            <a:r>
-              <a:rPr lang="en-US" altLang="ko-KR" dirty="0" smtClean="0"/>
-              <a:t/>
-            </a:r>
             <a:br>
-              <a:rPr lang="en-US" altLang="ko-KR" dirty="0" smtClean="0"/>
+              <a:rPr lang="en-US" altLang="ko-KR" dirty="0"/>
             </a:br>
             <a:r>
-              <a:rPr lang="en-US" altLang="ko-KR" dirty="0" smtClean="0"/>
+              <a:rPr lang="en-US" altLang="ko-KR" dirty="0"/>
               <a:t>   </a:t>
             </a:r>
           </a:p>
@@ -10919,12 +11222,12 @@
           <a:graphicData uri="http://schemas.openxmlformats.org/presentationml/2006/ole">
             <mc:AlternateContent xmlns:mc="http://schemas.openxmlformats.org/markup-compatibility/2006">
               <mc:Choice xmlns:v="urn:schemas-microsoft-com:vml" Requires="v">
-                <p:oleObj spid="_x0000_s79890" name="Equation" r:id="rId3" imgW="1523880" imgH="431640" progId="Equation.3">
+                <p:oleObj name="Equation" r:id="rId2" imgW="1523880" imgH="431640" progId="Equation.3">
                   <p:embed/>
                 </p:oleObj>
               </mc:Choice>
               <mc:Fallback>
-                <p:oleObj name="Equation" r:id="rId3" imgW="1523880" imgH="431640" progId="Equation.3">
+                <p:oleObj name="Equation" r:id="rId2" imgW="1523880" imgH="431640" progId="Equation.3">
                   <p:embed/>
                   <p:pic>
                     <p:nvPicPr>
@@ -10935,7 +11238,7 @@
                       <p:nvPr/>
                     </p:nvPicPr>
                     <p:blipFill>
-                      <a:blip r:embed="rId4">
+                      <a:blip r:embed="rId3">
                         <a:extLst>
                           <a:ext uri="{28A0092B-C50C-407E-A947-70E740481C1C}">
                             <a14:useLocalDpi xmlns:a14="http://schemas.microsoft.com/office/drawing/2010/main" val="0"/>
@@ -11018,12 +11321,12 @@
           <a:graphicData uri="http://schemas.openxmlformats.org/presentationml/2006/ole">
             <mc:AlternateContent xmlns:mc="http://schemas.openxmlformats.org/markup-compatibility/2006">
               <mc:Choice xmlns:v="urn:schemas-microsoft-com:vml" Requires="v">
-                <p:oleObj spid="_x0000_s79891" name="Equation" r:id="rId5" imgW="1257120" imgH="431640" progId="Equation.3">
+                <p:oleObj name="Equation" r:id="rId4" imgW="1257120" imgH="431640" progId="Equation.3">
                   <p:embed/>
                 </p:oleObj>
               </mc:Choice>
               <mc:Fallback>
-                <p:oleObj name="Equation" r:id="rId5" imgW="1257120" imgH="431640" progId="Equation.3">
+                <p:oleObj name="Equation" r:id="rId4" imgW="1257120" imgH="431640" progId="Equation.3">
                   <p:embed/>
                   <p:pic>
                     <p:nvPicPr>
@@ -11034,7 +11337,7 @@
                       <p:nvPr/>
                     </p:nvPicPr>
                     <p:blipFill>
-                      <a:blip r:embed="rId6">
+                      <a:blip r:embed="rId5">
                         <a:extLst>
                           <a:ext uri="{28A0092B-C50C-407E-A947-70E740481C1C}">
                             <a14:useLocalDpi xmlns:a14="http://schemas.microsoft.com/office/drawing/2010/main" val="0"/>
@@ -11117,12 +11420,12 @@
           <a:graphicData uri="http://schemas.openxmlformats.org/presentationml/2006/ole">
             <mc:AlternateContent xmlns:mc="http://schemas.openxmlformats.org/markup-compatibility/2006">
               <mc:Choice xmlns:v="urn:schemas-microsoft-com:vml" Requires="v">
-                <p:oleObj spid="_x0000_s79892" name="Equation" r:id="rId7" imgW="1091880" imgH="431640" progId="Equation.3">
+                <p:oleObj name="Equation" r:id="rId6" imgW="1091880" imgH="431640" progId="Equation.3">
                   <p:embed/>
                 </p:oleObj>
               </mc:Choice>
               <mc:Fallback>
-                <p:oleObj name="Equation" r:id="rId7" imgW="1091880" imgH="431640" progId="Equation.3">
+                <p:oleObj name="Equation" r:id="rId6" imgW="1091880" imgH="431640" progId="Equation.3">
                   <p:embed/>
                   <p:pic>
                     <p:nvPicPr>
@@ -11133,7 +11436,7 @@
                       <p:nvPr/>
                     </p:nvPicPr>
                     <p:blipFill>
-                      <a:blip r:embed="rId8">
+                      <a:blip r:embed="rId7">
                         <a:extLst>
                           <a:ext uri="{28A0092B-C50C-407E-A947-70E740481C1C}">
                             <a14:useLocalDpi xmlns:a14="http://schemas.microsoft.com/office/drawing/2010/main" val="0"/>
@@ -11216,12 +11519,12 @@
           <a:graphicData uri="http://schemas.openxmlformats.org/presentationml/2006/ole">
             <mc:AlternateContent xmlns:mc="http://schemas.openxmlformats.org/markup-compatibility/2006">
               <mc:Choice xmlns:v="urn:schemas-microsoft-com:vml" Requires="v">
-                <p:oleObj spid="_x0000_s79893" name="Equation" r:id="rId9" imgW="901440" imgH="469800" progId="Equation.3">
+                <p:oleObj name="Equation" r:id="rId8" imgW="901440" imgH="469800" progId="Equation.3">
                   <p:embed/>
                 </p:oleObj>
               </mc:Choice>
               <mc:Fallback>
-                <p:oleObj name="Equation" r:id="rId9" imgW="901440" imgH="469800" progId="Equation.3">
+                <p:oleObj name="Equation" r:id="rId8" imgW="901440" imgH="469800" progId="Equation.3">
                   <p:embed/>
                   <p:pic>
                     <p:nvPicPr>
@@ -11232,7 +11535,7 @@
                       <p:nvPr/>
                     </p:nvPicPr>
                     <p:blipFill>
-                      <a:blip r:embed="rId10">
+                      <a:blip r:embed="rId9">
                         <a:extLst>
                           <a:ext uri="{28A0092B-C50C-407E-A947-70E740481C1C}">
                             <a14:useLocalDpi xmlns:a14="http://schemas.microsoft.com/office/drawing/2010/main" val="0"/>
@@ -11274,7 +11577,7 @@
           <p:nvPr/>
         </p:nvPicPr>
         <p:blipFill>
-          <a:blip r:embed="rId11" cstate="print">
+          <a:blip r:embed="rId10" cstate="print">
             <a:extLst>
               <a:ext uri="{28A0092B-C50C-407E-A947-70E740481C1C}">
                 <a14:useLocalDpi xmlns:a14="http://schemas.microsoft.com/office/drawing/2010/main" val="0"/>
@@ -11305,7 +11608,18 @@
   <p:clrMapOvr>
     <a:masterClrMapping/>
   </p:clrMapOvr>
-  <p:transition spd="med"/>
+  <mc:AlternateContent xmlns:mc="http://schemas.openxmlformats.org/markup-compatibility/2006">
+    <mc:Choice xmlns:p159="http://schemas.microsoft.com/office/powerpoint/2015/09/main" Requires="p159">
+      <p:transition>
+        <p159:morph option="byChar"/>
+      </p:transition>
+    </mc:Choice>
+    <mc:Fallback>
+      <p:transition>
+        <p:fade/>
+      </p:transition>
+    </mc:Fallback>
+  </mc:AlternateContent>
 </p:sld>
 </file>
 
@@ -11342,10 +11656,10 @@
           <a:lstStyle/>
           <a:p>
             <a:r>
-              <a:rPr lang="en-US" altLang="ko-KR" dirty="0" smtClean="0"/>
+              <a:rPr lang="en-US" altLang="ko-KR" dirty="0"/>
               <a:t>Differential Amp</a:t>
             </a:r>
-            <a:endParaRPr lang="ko-KR" altLang="en-US" dirty="0" smtClean="0"/>
+            <a:endParaRPr lang="ko-KR" altLang="en-US" dirty="0"/>
           </a:p>
         </p:txBody>
       </p:sp>
@@ -11373,7 +11687,7 @@
               <a:buNone/>
             </a:pPr>
             <a:r>
-              <a:rPr lang="en-US" altLang="ko-KR" b="1" dirty="0" smtClean="0">
+              <a:rPr lang="en-US" altLang="ko-KR" b="1" dirty="0">
                 <a:solidFill>
                   <a:srgbClr val="A50021"/>
                 </a:solidFill>
@@ -11423,7 +11737,18 @@
   <p:clrMapOvr>
     <a:masterClrMapping/>
   </p:clrMapOvr>
-  <p:transition spd="med"/>
+  <mc:AlternateContent xmlns:mc="http://schemas.openxmlformats.org/markup-compatibility/2006">
+    <mc:Choice xmlns:p159="http://schemas.microsoft.com/office/powerpoint/2015/09/main" Requires="p159">
+      <p:transition>
+        <p159:morph option="byChar"/>
+      </p:transition>
+    </mc:Choice>
+    <mc:Fallback>
+      <p:transition>
+        <p:fade/>
+      </p:transition>
+    </mc:Fallback>
+  </mc:AlternateContent>
 </p:sld>
 </file>
 
@@ -11460,10 +11785,10 @@
           <a:lstStyle/>
           <a:p>
             <a:r>
-              <a:rPr lang="en-US" altLang="ko-KR" dirty="0" smtClean="0"/>
+              <a:rPr lang="en-US" altLang="ko-KR" dirty="0"/>
               <a:t>Summing Circuit</a:t>
             </a:r>
-            <a:endParaRPr lang="ko-KR" altLang="en-US" dirty="0" smtClean="0"/>
+            <a:endParaRPr lang="ko-KR" altLang="en-US" dirty="0"/>
           </a:p>
         </p:txBody>
       </p:sp>
@@ -11492,20 +11817,12 @@
               <a:buNone/>
             </a:pPr>
             <a:r>
-              <a:rPr lang="en-US" altLang="ko-KR" sz="2800" b="1" dirty="0" smtClean="0">
-                <a:solidFill>
-                  <a:srgbClr val="0070C0"/>
-                </a:solidFill>
-              </a:rPr>
-              <a:t>Summing </a:t>
-            </a:r>
-            <a:r>
               <a:rPr lang="en-US" altLang="ko-KR" sz="2800" b="1" dirty="0">
                 <a:solidFill>
                   <a:srgbClr val="0070C0"/>
                 </a:solidFill>
               </a:rPr>
-              <a:t>Circuit </a:t>
+              <a:t>Summing Circuit </a:t>
             </a:r>
           </a:p>
           <a:p>
@@ -11515,7 +11832,7 @@
               </a:lnSpc>
             </a:pPr>
             <a:r>
-              <a:rPr lang="en-US" altLang="ko-KR" dirty="0" smtClean="0"/>
+              <a:rPr lang="en-US" altLang="ko-KR" dirty="0"/>
               <a:t>current  </a:t>
             </a:r>
           </a:p>
@@ -11526,7 +11843,7 @@
               </a:lnSpc>
             </a:pPr>
             <a:r>
-              <a:rPr lang="en-US" altLang="ko-KR" dirty="0" smtClean="0"/>
+              <a:rPr lang="en-US" altLang="ko-KR" dirty="0"/>
               <a:t>KCL  </a:t>
             </a:r>
           </a:p>
@@ -11537,7 +11854,7 @@
               </a:lnSpc>
             </a:pPr>
             <a:r>
-              <a:rPr lang="en-US" altLang="ko-KR" dirty="0" smtClean="0"/>
+              <a:rPr lang="en-US" altLang="ko-KR" dirty="0"/>
               <a:t>output vol. </a:t>
             </a:r>
           </a:p>
@@ -11565,12 +11882,12 @@
           <a:graphicData uri="http://schemas.openxmlformats.org/presentationml/2006/ole">
             <mc:AlternateContent xmlns:mc="http://schemas.openxmlformats.org/markup-compatibility/2006">
               <mc:Choice xmlns:v="urn:schemas-microsoft-com:vml" Requires="v">
-                <p:oleObj spid="_x0000_s81934" name="Equation" r:id="rId3" imgW="1879560" imgH="431640" progId="Equation.3">
+                <p:oleObj name="Equation" r:id="rId2" imgW="1879560" imgH="431640" progId="Equation.3">
                   <p:embed/>
                 </p:oleObj>
               </mc:Choice>
               <mc:Fallback>
-                <p:oleObj name="Equation" r:id="rId3" imgW="1879560" imgH="431640" progId="Equation.3">
+                <p:oleObj name="Equation" r:id="rId2" imgW="1879560" imgH="431640" progId="Equation.3">
                   <p:embed/>
                   <p:pic>
                     <p:nvPicPr>
@@ -11581,7 +11898,7 @@
                       <p:nvPr/>
                     </p:nvPicPr>
                     <p:blipFill>
-                      <a:blip r:embed="rId4">
+                      <a:blip r:embed="rId3">
                         <a:extLst>
                           <a:ext uri="{28A0092B-C50C-407E-A947-70E740481C1C}">
                             <a14:useLocalDpi xmlns:a14="http://schemas.microsoft.com/office/drawing/2010/main" val="0"/>
@@ -11664,12 +11981,12 @@
           <a:graphicData uri="http://schemas.openxmlformats.org/presentationml/2006/ole">
             <mc:AlternateContent xmlns:mc="http://schemas.openxmlformats.org/markup-compatibility/2006">
               <mc:Choice xmlns:v="urn:schemas-microsoft-com:vml" Requires="v">
-                <p:oleObj spid="_x0000_s81935" name="Equation" r:id="rId5" imgW="1498320" imgH="482400" progId="Equation.3">
+                <p:oleObj name="Equation" r:id="rId4" imgW="1498320" imgH="482400" progId="Equation.3">
                   <p:embed/>
                 </p:oleObj>
               </mc:Choice>
               <mc:Fallback>
-                <p:oleObj name="Equation" r:id="rId5" imgW="1498320" imgH="482400" progId="Equation.3">
+                <p:oleObj name="Equation" r:id="rId4" imgW="1498320" imgH="482400" progId="Equation.3">
                   <p:embed/>
                   <p:pic>
                     <p:nvPicPr>
@@ -11680,7 +11997,7 @@
                       <p:nvPr/>
                     </p:nvPicPr>
                     <p:blipFill>
-                      <a:blip r:embed="rId6">
+                      <a:blip r:embed="rId5">
                         <a:extLst>
                           <a:ext uri="{28A0092B-C50C-407E-A947-70E740481C1C}">
                             <a14:useLocalDpi xmlns:a14="http://schemas.microsoft.com/office/drawing/2010/main" val="0"/>
@@ -11763,12 +12080,12 @@
           <a:graphicData uri="http://schemas.openxmlformats.org/presentationml/2006/ole">
             <mc:AlternateContent xmlns:mc="http://schemas.openxmlformats.org/markup-compatibility/2006">
               <mc:Choice xmlns:v="urn:schemas-microsoft-com:vml" Requires="v">
-                <p:oleObj spid="_x0000_s81936" name="Equation" r:id="rId7" imgW="2234880" imgH="431640" progId="Equation.3">
+                <p:oleObj name="Equation" r:id="rId6" imgW="2234880" imgH="431640" progId="Equation.3">
                   <p:embed/>
                 </p:oleObj>
               </mc:Choice>
               <mc:Fallback>
-                <p:oleObj name="Equation" r:id="rId7" imgW="2234880" imgH="431640" progId="Equation.3">
+                <p:oleObj name="Equation" r:id="rId6" imgW="2234880" imgH="431640" progId="Equation.3">
                   <p:embed/>
                   <p:pic>
                     <p:nvPicPr>
@@ -11779,7 +12096,7 @@
                       <p:nvPr/>
                     </p:nvPicPr>
                     <p:blipFill>
-                      <a:blip r:embed="rId8">
+                      <a:blip r:embed="rId7">
                         <a:extLst>
                           <a:ext uri="{28A0092B-C50C-407E-A947-70E740481C1C}">
                             <a14:useLocalDpi xmlns:a14="http://schemas.microsoft.com/office/drawing/2010/main" val="0"/>
@@ -11849,7 +12166,7 @@
           <p:nvPr/>
         </p:nvPicPr>
         <p:blipFill>
-          <a:blip r:embed="rId9"/>
+          <a:blip r:embed="rId8"/>
           <a:stretch>
             <a:fillRect/>
           </a:stretch>
@@ -11874,7 +12191,18 @@
   <p:clrMapOvr>
     <a:masterClrMapping/>
   </p:clrMapOvr>
-  <p:transition spd="med"/>
+  <mc:AlternateContent xmlns:mc="http://schemas.openxmlformats.org/markup-compatibility/2006">
+    <mc:Choice xmlns:p159="http://schemas.microsoft.com/office/powerpoint/2015/09/main" Requires="p159">
+      <p:transition>
+        <p159:morph option="byChar"/>
+      </p:transition>
+    </mc:Choice>
+    <mc:Fallback>
+      <p:transition>
+        <p:fade/>
+      </p:transition>
+    </mc:Fallback>
+  </mc:AlternateContent>
 </p:sld>
 </file>
 
@@ -11911,10 +12239,10 @@
           <a:lstStyle/>
           <a:p>
             <a:r>
-              <a:rPr lang="en-US" altLang="ko-KR" dirty="0" smtClean="0"/>
+              <a:rPr lang="en-US" altLang="ko-KR" dirty="0"/>
               <a:t>Current-to-Voltage Converter</a:t>
             </a:r>
-            <a:endParaRPr lang="ko-KR" altLang="en-US" dirty="0" smtClean="0"/>
+            <a:endParaRPr lang="ko-KR" altLang="en-US" dirty="0"/>
           </a:p>
         </p:txBody>
       </p:sp>
@@ -11943,20 +12271,12 @@
               <a:buNone/>
             </a:pPr>
             <a:r>
-              <a:rPr lang="en-US" altLang="ko-KR" sz="2800" b="1" dirty="0" smtClean="0">
-                <a:solidFill>
-                  <a:srgbClr val="0070C0"/>
-                </a:solidFill>
-              </a:rPr>
-              <a:t>Current-to-Voltage </a:t>
-            </a:r>
-            <a:r>
               <a:rPr lang="en-US" altLang="ko-KR" sz="2800" b="1" dirty="0">
                 <a:solidFill>
                   <a:srgbClr val="0070C0"/>
                 </a:solidFill>
               </a:rPr>
-              <a:t>Converter</a:t>
+              <a:t>Current-to-Voltage Converter</a:t>
             </a:r>
           </a:p>
           <a:p>
@@ -11966,7 +12286,7 @@
               </a:lnSpc>
             </a:pPr>
             <a:r>
-              <a:rPr lang="en-US" altLang="ko-KR" dirty="0" smtClean="0"/>
+              <a:rPr lang="en-US" altLang="ko-KR" dirty="0"/>
               <a:t>current </a:t>
             </a:r>
           </a:p>
@@ -11977,7 +12297,7 @@
               </a:lnSpc>
             </a:pPr>
             <a:r>
-              <a:rPr lang="en-US" altLang="ko-KR" dirty="0" smtClean="0"/>
+              <a:rPr lang="en-US" altLang="ko-KR" dirty="0"/>
               <a:t>voltage  </a:t>
             </a:r>
           </a:p>
@@ -11988,11 +12308,11 @@
               </a:lnSpc>
             </a:pPr>
             <a:r>
-              <a:rPr lang="en-US" altLang="ko-KR" dirty="0" err="1" smtClean="0"/>
+              <a:rPr lang="en-US" altLang="ko-KR" dirty="0" err="1"/>
               <a:t>transresistance</a:t>
             </a:r>
             <a:r>
-              <a:rPr lang="en-US" altLang="ko-KR" dirty="0" smtClean="0"/>
+              <a:rPr lang="en-US" altLang="ko-KR" dirty="0"/>
               <a:t>    </a:t>
             </a:r>
           </a:p>
@@ -12003,7 +12323,7 @@
               </a:lnSpc>
             </a:pPr>
             <a:r>
-              <a:rPr lang="en-US" altLang="ko-KR" b="1" dirty="0" smtClean="0">
+              <a:rPr lang="en-US" altLang="ko-KR" b="1" dirty="0">
                 <a:solidFill>
                   <a:srgbClr val="A50021"/>
                 </a:solidFill>
@@ -12035,12 +12355,12 @@
           <a:graphicData uri="http://schemas.openxmlformats.org/presentationml/2006/ole">
             <mc:AlternateContent xmlns:mc="http://schemas.openxmlformats.org/markup-compatibility/2006">
               <mc:Choice xmlns:v="urn:schemas-microsoft-com:vml" Requires="v">
-                <p:oleObj spid="_x0000_s85006" name="Equation" r:id="rId3" imgW="469800" imgH="241200" progId="Equation.3">
+                <p:oleObj name="Equation" r:id="rId2" imgW="469800" imgH="241200" progId="Equation.3">
                   <p:embed/>
                 </p:oleObj>
               </mc:Choice>
               <mc:Fallback>
-                <p:oleObj name="Equation" r:id="rId3" imgW="469800" imgH="241200" progId="Equation.3">
+                <p:oleObj name="Equation" r:id="rId2" imgW="469800" imgH="241200" progId="Equation.3">
                   <p:embed/>
                   <p:pic>
                     <p:nvPicPr>
@@ -12051,7 +12371,7 @@
                       <p:nvPr/>
                     </p:nvPicPr>
                     <p:blipFill>
-                      <a:blip r:embed="rId4">
+                      <a:blip r:embed="rId3">
                         <a:extLst>
                           <a:ext uri="{28A0092B-C50C-407E-A947-70E740481C1C}">
                             <a14:useLocalDpi xmlns:a14="http://schemas.microsoft.com/office/drawing/2010/main" val="0"/>
@@ -12106,12 +12426,12 @@
           <a:graphicData uri="http://schemas.openxmlformats.org/presentationml/2006/ole">
             <mc:AlternateContent xmlns:mc="http://schemas.openxmlformats.org/markup-compatibility/2006">
               <mc:Choice xmlns:v="urn:schemas-microsoft-com:vml" Requires="v">
-                <p:oleObj spid="_x0000_s85007" name="Equation" r:id="rId5" imgW="203040" imgH="431640" progId="Equation.3">
+                <p:oleObj name="Equation" r:id="rId4" imgW="203040" imgH="431640" progId="Equation.3">
                   <p:embed/>
                 </p:oleObj>
               </mc:Choice>
               <mc:Fallback>
-                <p:oleObj name="Equation" r:id="rId5" imgW="203040" imgH="431640" progId="Equation.3">
+                <p:oleObj name="Equation" r:id="rId4" imgW="203040" imgH="431640" progId="Equation.3">
                   <p:embed/>
                   <p:pic>
                     <p:nvPicPr>
@@ -12122,7 +12442,7 @@
                       <p:nvPr/>
                     </p:nvPicPr>
                     <p:blipFill>
-                      <a:blip r:embed="rId6">
+                      <a:blip r:embed="rId5">
                         <a:extLst>
                           <a:ext uri="{28A0092B-C50C-407E-A947-70E740481C1C}">
                             <a14:useLocalDpi xmlns:a14="http://schemas.microsoft.com/office/drawing/2010/main" val="0"/>
@@ -12177,12 +12497,12 @@
           <a:graphicData uri="http://schemas.openxmlformats.org/presentationml/2006/ole">
             <mc:AlternateContent xmlns:mc="http://schemas.openxmlformats.org/markup-compatibility/2006">
               <mc:Choice xmlns:v="urn:schemas-microsoft-com:vml" Requires="v">
-                <p:oleObj spid="_x0000_s85008" name="Equation" r:id="rId7" imgW="647640" imgH="228600" progId="Equation.3">
+                <p:oleObj name="Equation" r:id="rId6" imgW="647640" imgH="228600" progId="Equation.3">
                   <p:embed/>
                 </p:oleObj>
               </mc:Choice>
               <mc:Fallback>
-                <p:oleObj name="Equation" r:id="rId7" imgW="647640" imgH="228600" progId="Equation.3">
+                <p:oleObj name="Equation" r:id="rId6" imgW="647640" imgH="228600" progId="Equation.3">
                   <p:embed/>
                   <p:pic>
                     <p:nvPicPr>
@@ -12193,7 +12513,7 @@
                       <p:nvPr/>
                     </p:nvPicPr>
                     <p:blipFill>
-                      <a:blip r:embed="rId8">
+                      <a:blip r:embed="rId7">
                         <a:extLst>
                           <a:ext uri="{28A0092B-C50C-407E-A947-70E740481C1C}">
                             <a14:useLocalDpi xmlns:a14="http://schemas.microsoft.com/office/drawing/2010/main" val="0"/>
@@ -12235,7 +12555,7 @@
           <p:nvPr/>
         </p:nvPicPr>
         <p:blipFill>
-          <a:blip r:embed="rId9" cstate="print">
+          <a:blip r:embed="rId8" cstate="print">
             <a:extLst>
               <a:ext uri="{28A0092B-C50C-407E-A947-70E740481C1C}">
                 <a14:useLocalDpi xmlns:a14="http://schemas.microsoft.com/office/drawing/2010/main" val="0"/>
@@ -12265,7 +12585,7 @@
           <p:nvPr/>
         </p:nvPicPr>
         <p:blipFill>
-          <a:blip r:embed="rId10" cstate="print">
+          <a:blip r:embed="rId9" cstate="print">
             <a:extLst>
               <a:ext uri="{28A0092B-C50C-407E-A947-70E740481C1C}">
                 <a14:useLocalDpi xmlns:a14="http://schemas.microsoft.com/office/drawing/2010/main" val="0"/>
@@ -12296,7 +12616,18 @@
   <p:clrMapOvr>
     <a:masterClrMapping/>
   </p:clrMapOvr>
-  <p:transition spd="med"/>
+  <mc:AlternateContent xmlns:mc="http://schemas.openxmlformats.org/markup-compatibility/2006">
+    <mc:Choice xmlns:p159="http://schemas.microsoft.com/office/powerpoint/2015/09/main" Requires="p159">
+      <p:transition>
+        <p159:morph option="byChar"/>
+      </p:transition>
+    </mc:Choice>
+    <mc:Fallback>
+      <p:transition>
+        <p:fade/>
+      </p:transition>
+    </mc:Fallback>
+  </mc:AlternateContent>
 </p:sld>
 </file>
 
@@ -12333,10 +12664,10 @@
           <a:lstStyle/>
           <a:p>
             <a:r>
-              <a:rPr lang="en-US" altLang="ko-KR" dirty="0" smtClean="0"/>
+              <a:rPr lang="en-US" altLang="ko-KR" dirty="0"/>
               <a:t>Integrator</a:t>
             </a:r>
-            <a:endParaRPr lang="ko-KR" altLang="en-US" dirty="0" smtClean="0"/>
+            <a:endParaRPr lang="ko-KR" altLang="en-US" dirty="0"/>
           </a:p>
         </p:txBody>
       </p:sp>
@@ -12368,18 +12699,13 @@
               <a:buNone/>
             </a:pPr>
             <a:r>
-              <a:rPr lang="en-US" altLang="ko-KR" sz="2800" b="1" dirty="0" smtClean="0">
+              <a:rPr lang="en-US" altLang="ko-KR" sz="2800" b="1" dirty="0">
                 <a:solidFill>
                   <a:srgbClr val="0070C0"/>
                 </a:solidFill>
               </a:rPr>
               <a:t>Integrator </a:t>
             </a:r>
-            <a:endParaRPr lang="en-US" altLang="ko-KR" sz="2800" b="1" dirty="0">
-              <a:solidFill>
-                <a:srgbClr val="0070C0"/>
-              </a:solidFill>
-            </a:endParaRPr>
           </a:p>
           <a:p>
             <a:pPr>
@@ -12388,7 +12714,7 @@
               </a:lnSpc>
             </a:pPr>
             <a:r>
-              <a:rPr lang="en-US" altLang="ko-KR" dirty="0" smtClean="0"/>
+              <a:rPr lang="en-US" altLang="ko-KR" dirty="0"/>
               <a:t>current  </a:t>
             </a:r>
           </a:p>
@@ -12399,7 +12725,7 @@
               </a:lnSpc>
             </a:pPr>
             <a:r>
-              <a:rPr lang="en-US" altLang="ko-KR" dirty="0" smtClean="0"/>
+              <a:rPr lang="en-US" altLang="ko-KR" dirty="0"/>
               <a:t>combining  </a:t>
             </a:r>
           </a:p>
@@ -12410,7 +12736,7 @@
               </a:lnSpc>
             </a:pPr>
             <a:r>
-              <a:rPr lang="en-US" altLang="ko-KR" dirty="0" smtClean="0"/>
+              <a:rPr lang="en-US" altLang="ko-KR" dirty="0"/>
               <a:t>output vol. </a:t>
             </a:r>
           </a:p>
@@ -12420,7 +12746,7 @@
                 <a:spcPct val="250000"/>
               </a:lnSpc>
             </a:pPr>
-            <a:endParaRPr lang="en-US" altLang="ko-KR" dirty="0" smtClean="0"/>
+            <a:endParaRPr lang="en-US" altLang="ko-KR" dirty="0"/>
           </a:p>
         </p:txBody>
       </p:sp>
@@ -12446,12 +12772,12 @@
           <a:graphicData uri="http://schemas.openxmlformats.org/presentationml/2006/ole">
             <mc:AlternateContent xmlns:mc="http://schemas.openxmlformats.org/markup-compatibility/2006">
               <mc:Choice xmlns:v="urn:schemas-microsoft-com:vml" Requires="v">
-                <p:oleObj spid="_x0000_s82958" name="Equation" r:id="rId3" imgW="1892160" imgH="431640" progId="Equation.3">
+                <p:oleObj name="Equation" r:id="rId2" imgW="1892160" imgH="431640" progId="Equation.3">
                   <p:embed/>
                 </p:oleObj>
               </mc:Choice>
               <mc:Fallback>
-                <p:oleObj name="Equation" r:id="rId3" imgW="1892160" imgH="431640" progId="Equation.3">
+                <p:oleObj name="Equation" r:id="rId2" imgW="1892160" imgH="431640" progId="Equation.3">
                   <p:embed/>
                   <p:pic>
                     <p:nvPicPr>
@@ -12462,7 +12788,7 @@
                       <p:nvPr/>
                     </p:nvPicPr>
                     <p:blipFill>
-                      <a:blip r:embed="rId4">
+                      <a:blip r:embed="rId3">
                         <a:extLst>
                           <a:ext uri="{28A0092B-C50C-407E-A947-70E740481C1C}">
                             <a14:useLocalDpi xmlns:a14="http://schemas.microsoft.com/office/drawing/2010/main" val="0"/>
@@ -12517,12 +12843,12 @@
           <a:graphicData uri="http://schemas.openxmlformats.org/presentationml/2006/ole">
             <mc:AlternateContent xmlns:mc="http://schemas.openxmlformats.org/markup-compatibility/2006">
               <mc:Choice xmlns:v="urn:schemas-microsoft-com:vml" Requires="v">
-                <p:oleObj spid="_x0000_s82959" name="Equation" r:id="rId5" imgW="1587240" imgH="431640" progId="Equation.3">
+                <p:oleObj name="Equation" r:id="rId4" imgW="1587240" imgH="431640" progId="Equation.3">
                   <p:embed/>
                 </p:oleObj>
               </mc:Choice>
               <mc:Fallback>
-                <p:oleObj name="Equation" r:id="rId5" imgW="1587240" imgH="431640" progId="Equation.3">
+                <p:oleObj name="Equation" r:id="rId4" imgW="1587240" imgH="431640" progId="Equation.3">
                   <p:embed/>
                   <p:pic>
                     <p:nvPicPr>
@@ -12533,7 +12859,7 @@
                       <p:nvPr/>
                     </p:nvPicPr>
                     <p:blipFill>
-                      <a:blip r:embed="rId6">
+                      <a:blip r:embed="rId5">
                         <a:extLst>
                           <a:ext uri="{28A0092B-C50C-407E-A947-70E740481C1C}">
                             <a14:useLocalDpi xmlns:a14="http://schemas.microsoft.com/office/drawing/2010/main" val="0"/>
@@ -12588,12 +12914,12 @@
           <a:graphicData uri="http://schemas.openxmlformats.org/presentationml/2006/ole">
             <mc:AlternateContent xmlns:mc="http://schemas.openxmlformats.org/markup-compatibility/2006">
               <mc:Choice xmlns:v="urn:schemas-microsoft-com:vml" Requires="v">
-                <p:oleObj spid="_x0000_s82960" name="Equation" r:id="rId7" imgW="812520" imgH="431640" progId="Equation.3">
+                <p:oleObj name="Equation" r:id="rId6" imgW="812520" imgH="431640" progId="Equation.3">
                   <p:embed/>
                 </p:oleObj>
               </mc:Choice>
               <mc:Fallback>
-                <p:oleObj name="Equation" r:id="rId7" imgW="812520" imgH="431640" progId="Equation.3">
+                <p:oleObj name="Equation" r:id="rId6" imgW="812520" imgH="431640" progId="Equation.3">
                   <p:embed/>
                   <p:pic>
                     <p:nvPicPr>
@@ -12604,7 +12930,7 @@
                       <p:nvPr/>
                     </p:nvPicPr>
                     <p:blipFill>
-                      <a:blip r:embed="rId8">
+                      <a:blip r:embed="rId7">
                         <a:extLst>
                           <a:ext uri="{28A0092B-C50C-407E-A947-70E740481C1C}">
                             <a14:useLocalDpi xmlns:a14="http://schemas.microsoft.com/office/drawing/2010/main" val="0"/>
@@ -12646,7 +12972,7 @@
           <p:nvPr/>
         </p:nvPicPr>
         <p:blipFill>
-          <a:blip r:embed="rId9" cstate="print">
+          <a:blip r:embed="rId8" cstate="print">
             <a:extLst>
               <a:ext uri="{28A0092B-C50C-407E-A947-70E740481C1C}">
                 <a14:useLocalDpi xmlns:a14="http://schemas.microsoft.com/office/drawing/2010/main" val="0"/>
@@ -12677,7 +13003,18 @@
   <p:clrMapOvr>
     <a:masterClrMapping/>
   </p:clrMapOvr>
-  <p:transition spd="med"/>
+  <mc:AlternateContent xmlns:mc="http://schemas.openxmlformats.org/markup-compatibility/2006">
+    <mc:Choice xmlns:p159="http://schemas.microsoft.com/office/powerpoint/2015/09/main" Requires="p159">
+      <p:transition>
+        <p159:morph option="byChar"/>
+      </p:transition>
+    </mc:Choice>
+    <mc:Fallback>
+      <p:transition>
+        <p:fade/>
+      </p:transition>
+    </mc:Fallback>
+  </mc:AlternateContent>
 </p:sld>
 </file>
 
@@ -12714,10 +13051,10 @@
           <a:lstStyle/>
           <a:p>
             <a:r>
-              <a:rPr lang="en-US" altLang="ko-KR" dirty="0" smtClean="0"/>
+              <a:rPr lang="en-US" altLang="ko-KR" dirty="0"/>
               <a:t>Differentiator</a:t>
             </a:r>
-            <a:endParaRPr lang="ko-KR" altLang="en-US" dirty="0" smtClean="0"/>
+            <a:endParaRPr lang="ko-KR" altLang="en-US" dirty="0"/>
           </a:p>
         </p:txBody>
       </p:sp>
@@ -12749,18 +13086,13 @@
               <a:buNone/>
             </a:pPr>
             <a:r>
-              <a:rPr lang="en-US" altLang="ko-KR" sz="2800" b="1" dirty="0" smtClean="0">
+              <a:rPr lang="en-US" altLang="ko-KR" sz="2800" b="1" dirty="0">
                 <a:solidFill>
                   <a:srgbClr val="0070C0"/>
                 </a:solidFill>
               </a:rPr>
               <a:t>Differentiator </a:t>
             </a:r>
-            <a:endParaRPr lang="en-US" altLang="ko-KR" sz="2800" b="1" dirty="0">
-              <a:solidFill>
-                <a:srgbClr val="0070C0"/>
-              </a:solidFill>
-            </a:endParaRPr>
           </a:p>
           <a:p>
             <a:pPr lvl="1">
@@ -12768,7 +13100,7 @@
                 <a:spcPct val="250000"/>
               </a:lnSpc>
             </a:pPr>
-            <a:endParaRPr lang="en-US" altLang="ko-KR" dirty="0" smtClean="0"/>
+            <a:endParaRPr lang="en-US" altLang="ko-KR" dirty="0"/>
           </a:p>
           <a:p>
             <a:pPr lvl="1">
@@ -12776,7 +13108,7 @@
                 <a:spcPct val="250000"/>
               </a:lnSpc>
             </a:pPr>
-            <a:endParaRPr lang="en-US" altLang="ko-KR" dirty="0" smtClean="0"/>
+            <a:endParaRPr lang="en-US" altLang="ko-KR" dirty="0"/>
           </a:p>
           <a:p>
             <a:pPr lvl="1">
@@ -12786,7 +13118,7 @@
               <a:buFontTx/>
               <a:buNone/>
             </a:pPr>
-            <a:endParaRPr lang="en-US" altLang="ko-KR" dirty="0" smtClean="0"/>
+            <a:endParaRPr lang="en-US" altLang="ko-KR" dirty="0"/>
           </a:p>
         </p:txBody>
       </p:sp>
@@ -13038,7 +13370,18 @@
   <p:clrMapOvr>
     <a:masterClrMapping/>
   </p:clrMapOvr>
-  <p:transition spd="med"/>
+  <mc:AlternateContent xmlns:mc="http://schemas.openxmlformats.org/markup-compatibility/2006">
+    <mc:Choice xmlns:p159="http://schemas.microsoft.com/office/powerpoint/2015/09/main" Requires="p159">
+      <p:transition>
+        <p159:morph option="byChar"/>
+      </p:transition>
+    </mc:Choice>
+    <mc:Fallback>
+      <p:transition>
+        <p:fade/>
+      </p:transition>
+    </mc:Fallback>
+  </mc:AlternateContent>
 </p:sld>
 </file>
 
@@ -13075,10 +13418,10 @@
           <a:lstStyle/>
           <a:p>
             <a:r>
-              <a:rPr lang="en-US" altLang="ko-KR" dirty="0" smtClean="0"/>
+              <a:rPr lang="en-US" altLang="ko-KR" dirty="0"/>
               <a:t>Active Filter</a:t>
             </a:r>
-            <a:endParaRPr lang="ko-KR" altLang="en-US" dirty="0" smtClean="0"/>
+            <a:endParaRPr lang="ko-KR" altLang="en-US" dirty="0"/>
           </a:p>
         </p:txBody>
       </p:sp>
@@ -13107,7 +13450,7 @@
               <a:buNone/>
             </a:pPr>
             <a:r>
-              <a:rPr lang="en-US" altLang="ko-KR" sz="2800" b="1" dirty="0" smtClean="0"/>
+              <a:rPr lang="en-US" altLang="ko-KR" sz="2800" b="1" dirty="0"/>
               <a:t> </a:t>
             </a:r>
             <a:r>
@@ -13126,14 +13469,14 @@
               </a:lnSpc>
             </a:pPr>
             <a:r>
-              <a:rPr lang="en-US" altLang="ko-KR" dirty="0" smtClean="0"/>
+              <a:rPr lang="en-US" altLang="ko-KR" dirty="0"/>
               <a:t>complex voltage gain</a:t>
             </a:r>
             <a:br>
-              <a:rPr lang="en-US" altLang="ko-KR" dirty="0" smtClean="0"/>
+              <a:rPr lang="en-US" altLang="ko-KR" dirty="0"/>
             </a:br>
             <a:r>
-              <a:rPr lang="en-US" altLang="ko-KR" dirty="0" smtClean="0"/>
+              <a:rPr lang="en-US" altLang="ko-KR" dirty="0"/>
               <a:t> here                and                                therefore </a:t>
             </a:r>
           </a:p>
@@ -13144,10 +13487,10 @@
               </a:lnSpc>
             </a:pPr>
             <a:r>
-              <a:rPr lang="en-US" altLang="ko-KR" dirty="0" smtClean="0"/>
+              <a:rPr lang="en-US" altLang="ko-KR" dirty="0"/>
               <a:t>half-power point</a:t>
             </a:r>
-            <a:endParaRPr lang="en-US" altLang="ko-KR" dirty="0" smtClean="0">
+            <a:endParaRPr lang="en-US" altLang="ko-KR" dirty="0">
               <a:solidFill>
                 <a:srgbClr val="0070C0"/>
               </a:solidFill>
@@ -13161,7 +13504,7 @@
               <a:buFontTx/>
               <a:buNone/>
             </a:pPr>
-            <a:endParaRPr lang="en-US" altLang="ko-KR" dirty="0" smtClean="0"/>
+            <a:endParaRPr lang="en-US" altLang="ko-KR" dirty="0"/>
           </a:p>
         </p:txBody>
       </p:sp>
@@ -13187,12 +13530,12 @@
           <a:graphicData uri="http://schemas.openxmlformats.org/presentationml/2006/ole">
             <mc:AlternateContent xmlns:mc="http://schemas.openxmlformats.org/markup-compatibility/2006">
               <mc:Choice xmlns:v="urn:schemas-microsoft-com:vml" Requires="v">
-                <p:oleObj spid="_x0000_s83988" name="Equation" r:id="rId3" imgW="1041120" imgH="431640" progId="Equation.3">
+                <p:oleObj name="Equation" r:id="rId2" imgW="1041120" imgH="431640" progId="Equation.3">
                   <p:embed/>
                 </p:oleObj>
               </mc:Choice>
               <mc:Fallback>
-                <p:oleObj name="Equation" r:id="rId3" imgW="1041120" imgH="431640" progId="Equation.3">
+                <p:oleObj name="Equation" r:id="rId2" imgW="1041120" imgH="431640" progId="Equation.3">
                   <p:embed/>
                   <p:pic>
                     <p:nvPicPr>
@@ -13203,7 +13546,7 @@
                       <p:nvPr/>
                     </p:nvPicPr>
                     <p:blipFill>
-                      <a:blip r:embed="rId4">
+                      <a:blip r:embed="rId3">
                         <a:extLst>
                           <a:ext uri="{28A0092B-C50C-407E-A947-70E740481C1C}">
                             <a14:useLocalDpi xmlns:a14="http://schemas.microsoft.com/office/drawing/2010/main" val="0"/>
@@ -13286,12 +13629,12 @@
           <a:graphicData uri="http://schemas.openxmlformats.org/presentationml/2006/ole">
             <mc:AlternateContent xmlns:mc="http://schemas.openxmlformats.org/markup-compatibility/2006">
               <mc:Choice xmlns:v="urn:schemas-microsoft-com:vml" Requires="v">
-                <p:oleObj spid="_x0000_s83989" name="Equation" r:id="rId5" imgW="698400" imgH="431640" progId="Equation.3">
+                <p:oleObj name="Equation" r:id="rId4" imgW="698400" imgH="431640" progId="Equation.3">
                   <p:embed/>
                 </p:oleObj>
               </mc:Choice>
               <mc:Fallback>
-                <p:oleObj name="Equation" r:id="rId5" imgW="698400" imgH="431640" progId="Equation.3">
+                <p:oleObj name="Equation" r:id="rId4" imgW="698400" imgH="431640" progId="Equation.3">
                   <p:embed/>
                   <p:pic>
                     <p:nvPicPr>
@@ -13302,7 +13645,7 @@
                       <p:nvPr/>
                     </p:nvPicPr>
                     <p:blipFill>
-                      <a:blip r:embed="rId6">
+                      <a:blip r:embed="rId5">
                         <a:extLst>
                           <a:ext uri="{28A0092B-C50C-407E-A947-70E740481C1C}">
                             <a14:useLocalDpi xmlns:a14="http://schemas.microsoft.com/office/drawing/2010/main" val="0"/>
@@ -13385,12 +13728,12 @@
           <a:graphicData uri="http://schemas.openxmlformats.org/presentationml/2006/ole">
             <mc:AlternateContent xmlns:mc="http://schemas.openxmlformats.org/markup-compatibility/2006">
               <mc:Choice xmlns:v="urn:schemas-microsoft-com:vml" Requires="v">
-                <p:oleObj spid="_x0000_s83990" name="Equation" r:id="rId7" imgW="1117440" imgH="431640" progId="Equation.3">
+                <p:oleObj name="Equation" r:id="rId6" imgW="1117440" imgH="431640" progId="Equation.3">
                   <p:embed/>
                 </p:oleObj>
               </mc:Choice>
               <mc:Fallback>
-                <p:oleObj name="Equation" r:id="rId7" imgW="1117440" imgH="431640" progId="Equation.3">
+                <p:oleObj name="Equation" r:id="rId6" imgW="1117440" imgH="431640" progId="Equation.3">
                   <p:embed/>
                   <p:pic>
                     <p:nvPicPr>
@@ -13401,7 +13744,7 @@
                       <p:nvPr/>
                     </p:nvPicPr>
                     <p:blipFill>
-                      <a:blip r:embed="rId8">
+                      <a:blip r:embed="rId7">
                         <a:extLst>
                           <a:ext uri="{28A0092B-C50C-407E-A947-70E740481C1C}">
                             <a14:useLocalDpi xmlns:a14="http://schemas.microsoft.com/office/drawing/2010/main" val="0"/>
@@ -13484,12 +13827,12 @@
           <a:graphicData uri="http://schemas.openxmlformats.org/presentationml/2006/ole">
             <mc:AlternateContent xmlns:mc="http://schemas.openxmlformats.org/markup-compatibility/2006">
               <mc:Choice xmlns:v="urn:schemas-microsoft-com:vml" Requires="v">
-                <p:oleObj spid="_x0000_s83991" name="Equation" r:id="rId9" imgW="482400" imgH="215640" progId="Equation.3">
+                <p:oleObj name="Equation" r:id="rId8" imgW="482400" imgH="215640" progId="Equation.3">
                   <p:embed/>
                 </p:oleObj>
               </mc:Choice>
               <mc:Fallback>
-                <p:oleObj name="Equation" r:id="rId9" imgW="482400" imgH="215640" progId="Equation.3">
+                <p:oleObj name="Equation" r:id="rId8" imgW="482400" imgH="215640" progId="Equation.3">
                   <p:embed/>
                   <p:pic>
                     <p:nvPicPr>
@@ -13500,7 +13843,7 @@
                       <p:nvPr/>
                     </p:nvPicPr>
                     <p:blipFill>
-                      <a:blip r:embed="rId10">
+                      <a:blip r:embed="rId9">
                         <a:extLst>
                           <a:ext uri="{28A0092B-C50C-407E-A947-70E740481C1C}">
                             <a14:useLocalDpi xmlns:a14="http://schemas.microsoft.com/office/drawing/2010/main" val="0"/>
@@ -13570,7 +13913,7 @@
           <p:nvPr/>
         </p:nvPicPr>
         <p:blipFill>
-          <a:blip r:embed="rId11"/>
+          <a:blip r:embed="rId10"/>
           <a:stretch>
             <a:fillRect/>
           </a:stretch>
@@ -13594,7 +13937,7 @@
           <p:nvPr/>
         </p:nvPicPr>
         <p:blipFill>
-          <a:blip r:embed="rId12"/>
+          <a:blip r:embed="rId11"/>
           <a:stretch>
             <a:fillRect/>
           </a:stretch>
@@ -13618,7 +13961,7 @@
           <p:nvPr/>
         </p:nvPicPr>
         <p:blipFill>
-          <a:blip r:embed="rId13"/>
+          <a:blip r:embed="rId12"/>
           <a:stretch>
             <a:fillRect/>
           </a:stretch>
@@ -13643,7 +13986,18 @@
   <p:clrMapOvr>
     <a:masterClrMapping/>
   </p:clrMapOvr>
-  <p:transition spd="med"/>
+  <mc:AlternateContent xmlns:mc="http://schemas.openxmlformats.org/markup-compatibility/2006">
+    <mc:Choice xmlns:p159="http://schemas.microsoft.com/office/powerpoint/2015/09/main" Requires="p159">
+      <p:transition>
+        <p159:morph option="byChar"/>
+      </p:transition>
+    </mc:Choice>
+    <mc:Fallback>
+      <p:transition>
+        <p:fade/>
+      </p:transition>
+    </mc:Fallback>
+  </mc:AlternateContent>
 </p:sld>
 </file>
 
@@ -13680,10 +14034,10 @@
           <a:lstStyle/>
           <a:p>
             <a:r>
-              <a:rPr lang="en-US" altLang="ko-KR" sz="2400" smtClean="0"/>
+              <a:rPr lang="en-US" altLang="ko-KR" sz="2400"/>
               <a:t>Homework</a:t>
             </a:r>
-            <a:endParaRPr lang="ko-KR" altLang="en-US" sz="2400" smtClean="0"/>
+            <a:endParaRPr lang="ko-KR" altLang="en-US" sz="2400"/>
           </a:p>
         </p:txBody>
       </p:sp>
@@ -13716,7 +14070,7 @@
               <a:defRPr/>
             </a:pPr>
             <a:r>
-              <a:rPr lang="en-US" altLang="ko-KR" sz="3200" dirty="0" smtClean="0">
+              <a:rPr lang="en-US" altLang="ko-KR" sz="3200" dirty="0">
                 <a:solidFill>
                   <a:srgbClr val="0070C0"/>
                 </a:solidFill>
@@ -13733,7 +14087,7 @@
               <a:defRPr/>
             </a:pPr>
             <a:r>
-              <a:rPr lang="en-US" altLang="ko-KR" sz="2000" b="1" dirty="0" smtClean="0"/>
+              <a:rPr lang="en-US" altLang="ko-KR" sz="2000" b="1" dirty="0"/>
               <a:t>Read Text Chapter 11. </a:t>
             </a:r>
           </a:p>
@@ -13745,7 +14099,7 @@
               <a:defRPr/>
             </a:pPr>
             <a:r>
-              <a:rPr lang="en-US" altLang="ko-KR" sz="2000" b="1" dirty="0" smtClean="0"/>
+              <a:rPr lang="en-US" altLang="ko-KR" sz="2000" b="1" dirty="0"/>
               <a:t>Prepare Presentation</a:t>
             </a:r>
           </a:p>
@@ -13753,7 +14107,7 @@
             <a:pPr>
               <a:defRPr/>
             </a:pPr>
-            <a:endParaRPr lang="ko-KR" altLang="en-US" sz="2000" dirty="0" smtClean="0"/>
+            <a:endParaRPr lang="ko-KR" altLang="en-US" sz="2000" dirty="0"/>
           </a:p>
         </p:txBody>
       </p:sp>
@@ -13762,14 +14116,18 @@
   <p:clrMapOvr>
     <a:masterClrMapping/>
   </p:clrMapOvr>
-  <p:transition spd="med"/>
-  <p:timing>
-    <p:tnLst>
-      <p:par>
-        <p:cTn id="1" dur="indefinite" restart="never" nodeType="tmRoot"/>
-      </p:par>
-    </p:tnLst>
-  </p:timing>
+  <mc:AlternateContent xmlns:mc="http://schemas.openxmlformats.org/markup-compatibility/2006">
+    <mc:Choice xmlns:p159="http://schemas.microsoft.com/office/powerpoint/2015/09/main" Requires="p159">
+      <p:transition>
+        <p159:morph option="byChar"/>
+      </p:transition>
+    </mc:Choice>
+    <mc:Fallback>
+      <p:transition>
+        <p:fade/>
+      </p:transition>
+    </mc:Fallback>
+  </mc:AlternateContent>
 </p:sld>
 </file>
 
@@ -13810,7 +14168,7 @@
               <a:rPr lang="en-US" altLang="ko-KR" sz="2400" dirty="0"/>
               <a:t>Learning Objectives</a:t>
             </a:r>
-            <a:endParaRPr lang="ko-KR" altLang="en-US" sz="2400" dirty="0" smtClean="0"/>
+            <a:endParaRPr lang="ko-KR" altLang="en-US" sz="2400" dirty="0"/>
           </a:p>
         </p:txBody>
       </p:sp>
@@ -13839,22 +14197,13 @@
               <a:defRPr/>
             </a:pPr>
             <a:r>
-              <a:rPr lang="en-US" altLang="ko-KR" sz="2800" b="1" dirty="0" smtClean="0">
-                <a:solidFill>
-                  <a:srgbClr val="0070C0"/>
-                </a:solidFill>
-                <a:ea typeface="Microsoft Sans Serif" panose="020B0604020202020204" pitchFamily="34" charset="0"/>
-              </a:rPr>
-              <a:t>Learning </a:t>
-            </a:r>
-            <a:r>
               <a:rPr lang="en-US" altLang="ko-KR" sz="2800" b="1" dirty="0">
                 <a:solidFill>
                   <a:srgbClr val="0070C0"/>
                 </a:solidFill>
                 <a:ea typeface="Microsoft Sans Serif" panose="020B0604020202020204" pitchFamily="34" charset="0"/>
               </a:rPr>
-              <a:t>Objectives </a:t>
+              <a:t>Learning Objectives </a:t>
             </a:r>
           </a:p>
           <a:p>
@@ -13865,13 +14214,13 @@
               <a:defRPr/>
             </a:pPr>
             <a:r>
-              <a:rPr lang="en-US" altLang="ko-KR" b="1" dirty="0" smtClean="0">
+              <a:rPr lang="en-US" altLang="ko-KR" b="1" dirty="0">
                 <a:ea typeface="Microsoft Sans Serif" panose="020B0604020202020204" pitchFamily="34" charset="0"/>
               </a:rPr>
               <a:t>To understand the characteristics of </a:t>
             </a:r>
             <a:r>
-              <a:rPr lang="en-US" altLang="ko-KR" b="1" dirty="0" smtClean="0">
+              <a:rPr lang="en-US" altLang="ko-KR" b="1" dirty="0">
                 <a:solidFill>
                   <a:srgbClr val="A50021"/>
                 </a:solidFill>
@@ -13880,13 +14229,13 @@
               <a:t>operational amplifier</a:t>
             </a:r>
             <a:r>
-              <a:rPr lang="en-US" altLang="ko-KR" b="1" dirty="0" smtClean="0">
+              <a:rPr lang="en-US" altLang="ko-KR" b="1" dirty="0">
                 <a:ea typeface="Microsoft Sans Serif" panose="020B0604020202020204" pitchFamily="34" charset="0"/>
               </a:rPr>
               <a:t> and </a:t>
             </a:r>
             <a:r>
-              <a:rPr lang="en-US" altLang="ko-KR" b="1" dirty="0" smtClean="0">
+              <a:rPr lang="en-US" altLang="ko-KR" b="1" dirty="0">
                 <a:solidFill>
                   <a:srgbClr val="A50021"/>
                 </a:solidFill>
@@ -13895,7 +14244,7 @@
               <a:t>differential amplifier</a:t>
             </a:r>
             <a:r>
-              <a:rPr lang="en-US" altLang="ko-KR" b="1" dirty="0" smtClean="0">
+              <a:rPr lang="en-US" altLang="ko-KR" b="1" dirty="0">
                 <a:ea typeface="Microsoft Sans Serif" panose="020B0604020202020204" pitchFamily="34" charset="0"/>
               </a:rPr>
               <a:t>.</a:t>
@@ -13909,13 +14258,13 @@
               <a:defRPr/>
             </a:pPr>
             <a:r>
-              <a:rPr lang="en-US" altLang="ko-KR" b="1" dirty="0" smtClean="0">
+              <a:rPr lang="en-US" altLang="ko-KR" b="1" dirty="0">
                 <a:ea typeface="Microsoft Sans Serif" panose="020B0604020202020204" pitchFamily="34" charset="0"/>
               </a:rPr>
               <a:t>To understand the operation of the </a:t>
             </a:r>
             <a:r>
-              <a:rPr lang="en-US" altLang="ko-KR" b="1" dirty="0" smtClean="0">
+              <a:rPr lang="en-US" altLang="ko-KR" b="1" dirty="0">
                 <a:solidFill>
                   <a:srgbClr val="A50021"/>
                 </a:solidFill>
@@ -13924,7 +14273,7 @@
               <a:t>ideal op-amp</a:t>
             </a:r>
             <a:r>
-              <a:rPr lang="en-US" altLang="ko-KR" b="1" dirty="0" smtClean="0">
+              <a:rPr lang="en-US" altLang="ko-KR" b="1" dirty="0">
                 <a:ea typeface="Microsoft Sans Serif" panose="020B0604020202020204" pitchFamily="34" charset="0"/>
               </a:rPr>
               <a:t>.</a:t>
@@ -13938,13 +14287,13 @@
               <a:defRPr/>
             </a:pPr>
             <a:r>
-              <a:rPr lang="en-US" altLang="ko-KR" b="1" dirty="0" smtClean="0">
+              <a:rPr lang="en-US" altLang="ko-KR" b="1" dirty="0">
                 <a:ea typeface="Microsoft Sans Serif" panose="020B0604020202020204" pitchFamily="34" charset="0"/>
               </a:rPr>
               <a:t>To be able to recognize and analyze </a:t>
             </a:r>
             <a:r>
-              <a:rPr lang="en-US" altLang="ko-KR" b="1" dirty="0" smtClean="0">
+              <a:rPr lang="en-US" altLang="ko-KR" b="1" dirty="0">
                 <a:solidFill>
                   <a:srgbClr val="A50021"/>
                 </a:solidFill>
@@ -13953,7 +14302,7 @@
               <a:t>fundamental op-amp</a:t>
             </a:r>
             <a:r>
-              <a:rPr lang="en-US" altLang="ko-KR" b="1" dirty="0" smtClean="0">
+              <a:rPr lang="en-US" altLang="ko-KR" b="1" dirty="0">
                 <a:ea typeface="Microsoft Sans Serif" panose="020B0604020202020204" pitchFamily="34" charset="0"/>
               </a:rPr>
               <a:t>.</a:t>
@@ -13967,13 +14316,13 @@
               <a:defRPr/>
             </a:pPr>
             <a:r>
-              <a:rPr lang="en-US" altLang="ko-KR" b="1" dirty="0" smtClean="0">
+              <a:rPr lang="en-US" altLang="ko-KR" b="1" dirty="0">
                 <a:ea typeface="Microsoft Sans Serif" panose="020B0604020202020204" pitchFamily="34" charset="0"/>
               </a:rPr>
               <a:t>To understand the application of op-amps in the development of </a:t>
             </a:r>
             <a:r>
-              <a:rPr lang="en-US" altLang="ko-KR" b="1" dirty="0" smtClean="0">
+              <a:rPr lang="en-US" altLang="ko-KR" b="1" dirty="0">
                 <a:solidFill>
                   <a:srgbClr val="A50021"/>
                 </a:solidFill>
@@ -13982,7 +14331,7 @@
               <a:t>LPF, HPF, and BPFs</a:t>
             </a:r>
             <a:r>
-              <a:rPr lang="en-US" altLang="ko-KR" b="1" dirty="0" smtClean="0">
+              <a:rPr lang="en-US" altLang="ko-KR" b="1" dirty="0">
                 <a:ea typeface="Microsoft Sans Serif" panose="020B0604020202020204" pitchFamily="34" charset="0"/>
               </a:rPr>
               <a:t>. </a:t>
@@ -13996,13 +14345,13 @@
               <a:defRPr/>
             </a:pPr>
             <a:r>
-              <a:rPr lang="en-US" altLang="ko-KR" b="1" dirty="0" smtClean="0">
+              <a:rPr lang="en-US" altLang="ko-KR" b="1" dirty="0">
                 <a:ea typeface="Microsoft Sans Serif" panose="020B0604020202020204" pitchFamily="34" charset="0"/>
               </a:rPr>
               <a:t>To be able to understand the use of op-amps to construct </a:t>
             </a:r>
             <a:r>
-              <a:rPr lang="en-US" altLang="ko-KR" b="1" dirty="0" smtClean="0">
+              <a:rPr lang="en-US" altLang="ko-KR" b="1" dirty="0">
                 <a:solidFill>
                   <a:srgbClr val="A50021"/>
                 </a:solidFill>
@@ -14011,13 +14360,13 @@
               <a:t>differentiator</a:t>
             </a:r>
             <a:r>
-              <a:rPr lang="en-US" altLang="ko-KR" b="1" dirty="0" smtClean="0">
+              <a:rPr lang="en-US" altLang="ko-KR" b="1" dirty="0">
                 <a:ea typeface="Microsoft Sans Serif" panose="020B0604020202020204" pitchFamily="34" charset="0"/>
               </a:rPr>
               <a:t> and </a:t>
             </a:r>
             <a:r>
-              <a:rPr lang="en-US" altLang="ko-KR" b="1" dirty="0" smtClean="0">
+              <a:rPr lang="en-US" altLang="ko-KR" b="1" dirty="0">
                 <a:solidFill>
                   <a:srgbClr val="A50021"/>
                 </a:solidFill>
@@ -14026,7 +14375,7 @@
               <a:t>integrator</a:t>
             </a:r>
             <a:r>
-              <a:rPr lang="en-US" altLang="ko-KR" b="1" dirty="0" smtClean="0">
+              <a:rPr lang="en-US" altLang="ko-KR" b="1" dirty="0">
                 <a:ea typeface="Microsoft Sans Serif" panose="020B0604020202020204" pitchFamily="34" charset="0"/>
               </a:rPr>
               <a:t> circuits</a:t>
@@ -14040,13 +14389,13 @@
               <a:defRPr/>
             </a:pPr>
             <a:r>
-              <a:rPr lang="en-US" altLang="ko-KR" b="1" dirty="0" smtClean="0">
+              <a:rPr lang="en-US" altLang="ko-KR" b="1" dirty="0">
                 <a:ea typeface="Microsoft Sans Serif" panose="020B0604020202020204" pitchFamily="34" charset="0"/>
               </a:rPr>
               <a:t>To understand </a:t>
             </a:r>
             <a:r>
-              <a:rPr lang="en-US" altLang="ko-KR" b="1" dirty="0" smtClean="0">
+              <a:rPr lang="en-US" altLang="ko-KR" b="1" dirty="0">
                 <a:solidFill>
                   <a:srgbClr val="A50021"/>
                 </a:solidFill>
@@ -14055,12 +14404,12 @@
               <a:t>multistage amplifier </a:t>
             </a:r>
             <a:r>
-              <a:rPr lang="en-US" altLang="ko-KR" b="1" dirty="0" smtClean="0">
+              <a:rPr lang="en-US" altLang="ko-KR" b="1" dirty="0">
                 <a:ea typeface="Microsoft Sans Serif" panose="020B0604020202020204" pitchFamily="34" charset="0"/>
               </a:rPr>
               <a:t>circuits</a:t>
             </a:r>
-            <a:endParaRPr lang="en-US" altLang="ko-KR" b="1" dirty="0" smtClean="0">
+            <a:endParaRPr lang="en-US" altLang="ko-KR" b="1" dirty="0">
               <a:solidFill>
                 <a:srgbClr val="A50021"/>
               </a:solidFill>
@@ -14074,14 +14423,18 @@
   <p:clrMapOvr>
     <a:masterClrMapping/>
   </p:clrMapOvr>
-  <p:transition spd="med"/>
-  <p:timing>
-    <p:tnLst>
-      <p:par>
-        <p:cTn id="1" dur="indefinite" restart="never" nodeType="tmRoot"/>
-      </p:par>
-    </p:tnLst>
-  </p:timing>
+  <mc:AlternateContent xmlns:mc="http://schemas.openxmlformats.org/markup-compatibility/2006">
+    <mc:Choice xmlns:p159="http://schemas.microsoft.com/office/powerpoint/2015/09/main" Requires="p159">
+      <p:transition>
+        <p159:morph option="byChar"/>
+      </p:transition>
+    </mc:Choice>
+    <mc:Fallback>
+      <p:transition>
+        <p:fade/>
+      </p:transition>
+    </mc:Fallback>
+  </mc:AlternateContent>
 </p:sld>
 </file>
 
@@ -14118,10 +14471,10 @@
           <a:lstStyle/>
           <a:p>
             <a:r>
-              <a:rPr lang="en-US" altLang="ko-KR" dirty="0" smtClean="0"/>
+              <a:rPr lang="en-US" altLang="ko-KR" dirty="0"/>
               <a:t>Introduction</a:t>
             </a:r>
-            <a:endParaRPr lang="ko-KR" altLang="en-US" dirty="0" smtClean="0"/>
+            <a:endParaRPr lang="ko-KR" altLang="en-US" dirty="0"/>
           </a:p>
         </p:txBody>
       </p:sp>
@@ -14151,25 +14504,20 @@
               <a:defRPr/>
             </a:pPr>
             <a:r>
-              <a:rPr lang="en-US" altLang="ko-KR" sz="2800" b="1" dirty="0" smtClean="0">
+              <a:rPr lang="en-US" altLang="ko-KR" sz="2800" b="1" dirty="0">
                 <a:solidFill>
                   <a:srgbClr val="0070C0"/>
                 </a:solidFill>
               </a:rPr>
               <a:t>Introduction </a:t>
             </a:r>
-            <a:endParaRPr lang="en-US" altLang="ko-KR" sz="2800" b="1" dirty="0">
-              <a:solidFill>
-                <a:srgbClr val="0070C0"/>
-              </a:solidFill>
-            </a:endParaRPr>
           </a:p>
           <a:p>
             <a:pPr>
               <a:defRPr/>
             </a:pPr>
             <a:r>
-              <a:rPr lang="en-US" altLang="ko-KR" b="1" dirty="0" smtClean="0"/>
+              <a:rPr lang="en-US" altLang="ko-KR" b="1" dirty="0"/>
               <a:t>Operational Amplifier(op amp)</a:t>
             </a:r>
           </a:p>
@@ -14215,7 +14563,18 @@
   <p:clrMapOvr>
     <a:masterClrMapping/>
   </p:clrMapOvr>
-  <p:transition spd="med"/>
+  <mc:AlternateContent xmlns:mc="http://schemas.openxmlformats.org/markup-compatibility/2006">
+    <mc:Choice xmlns:p159="http://schemas.microsoft.com/office/powerpoint/2015/09/main" Requires="p159">
+      <p:transition>
+        <p159:morph option="byChar"/>
+      </p:transition>
+    </mc:Choice>
+    <mc:Fallback>
+      <p:transition>
+        <p:fade/>
+      </p:transition>
+    </mc:Fallback>
+  </mc:AlternateContent>
 </p:sld>
 </file>
 
@@ -14252,10 +14611,10 @@
           <a:lstStyle/>
           <a:p>
             <a:r>
-              <a:rPr lang="en-US" altLang="ko-KR" dirty="0" smtClean="0"/>
+              <a:rPr lang="en-US" altLang="ko-KR" dirty="0"/>
               <a:t>Introduction</a:t>
             </a:r>
-            <a:endParaRPr lang="ko-KR" altLang="en-US" dirty="0" smtClean="0"/>
+            <a:endParaRPr lang="ko-KR" altLang="en-US" dirty="0"/>
           </a:p>
         </p:txBody>
       </p:sp>
@@ -14284,7 +14643,7 @@
               <a:defRPr/>
             </a:pPr>
             <a:r>
-              <a:rPr lang="en-US" altLang="ko-KR" sz="2800" b="1" dirty="0" smtClean="0">
+              <a:rPr lang="en-US" altLang="ko-KR" sz="2800" b="1" dirty="0">
                 <a:solidFill>
                   <a:srgbClr val="A50021"/>
                 </a:solidFill>
@@ -14297,7 +14656,7 @@
               <a:defRPr/>
             </a:pPr>
             <a:r>
-              <a:rPr lang="en-US" altLang="ko-KR" b="1" dirty="0" smtClean="0"/>
+              <a:rPr lang="en-US" altLang="ko-KR" b="1" dirty="0"/>
               <a:t>One of the basic building blocks for constructing analog systems</a:t>
             </a:r>
           </a:p>
@@ -14306,11 +14665,11 @@
               <a:defRPr/>
             </a:pPr>
             <a:r>
-              <a:rPr lang="en-US" altLang="ko-KR" b="1" dirty="0" smtClean="0"/>
+              <a:rPr lang="en-US" altLang="ko-KR" b="1" dirty="0"/>
               <a:t>Used for a </a:t>
             </a:r>
             <a:r>
-              <a:rPr lang="en-US" altLang="ko-KR" b="1" i="1" dirty="0" smtClean="0">
+              <a:rPr lang="en-US" altLang="ko-KR" b="1" i="1" dirty="0">
                 <a:solidFill>
                   <a:srgbClr val="A50021"/>
                 </a:solidFill>
@@ -14323,11 +14682,11 @@
               <a:defRPr/>
             </a:pPr>
             <a:r>
-              <a:rPr lang="en-US" altLang="ko-KR" b="1" dirty="0" smtClean="0"/>
+              <a:rPr lang="en-US" altLang="ko-KR" b="1" dirty="0"/>
               <a:t>A voltage amplifier with an </a:t>
             </a:r>
             <a:r>
-              <a:rPr lang="en-US" altLang="ko-KR" b="1" i="1" dirty="0" smtClean="0">
+              <a:rPr lang="en-US" altLang="ko-KR" b="1" i="1" dirty="0">
                 <a:solidFill>
                   <a:srgbClr val="A50021"/>
                 </a:solidFill>
@@ -14340,20 +14699,20 @@
               <a:defRPr/>
             </a:pPr>
             <a:r>
-              <a:rPr lang="en-US" altLang="ko-KR" b="1" dirty="0" smtClean="0"/>
+              <a:rPr lang="en-US" altLang="ko-KR" b="1" dirty="0"/>
               <a:t>An ideal linear voltage amplifier</a:t>
             </a:r>
             <a:br>
-              <a:rPr lang="en-US" altLang="ko-KR" b="1" dirty="0" smtClean="0"/>
+              <a:rPr lang="en-US" altLang="ko-KR" b="1" dirty="0"/>
             </a:br>
-            <a:endParaRPr lang="en-US" altLang="ko-KR" b="1" dirty="0" smtClean="0"/>
+            <a:endParaRPr lang="en-US" altLang="ko-KR" b="1" dirty="0"/>
           </a:p>
           <a:p>
             <a:pPr marL="457200" lvl="1" indent="0">
               <a:buNone/>
               <a:defRPr/>
             </a:pPr>
-            <a:endParaRPr lang="en-US" altLang="ko-KR" b="1" dirty="0" smtClean="0"/>
+            <a:endParaRPr lang="en-US" altLang="ko-KR" b="1" dirty="0"/>
           </a:p>
           <a:p>
             <a:pPr>
@@ -14385,12 +14744,12 @@
           <a:graphicData uri="http://schemas.openxmlformats.org/presentationml/2006/ole">
             <mc:AlternateContent xmlns:mc="http://schemas.openxmlformats.org/markup-compatibility/2006">
               <mc:Choice xmlns:v="urn:schemas-microsoft-com:vml" Requires="v">
-                <p:oleObj spid="_x0000_s72710" name="Equation" r:id="rId3" imgW="2222280" imgH="228600" progId="Equation.3">
+                <p:oleObj name="Equation" r:id="rId2" imgW="2222280" imgH="228600" progId="Equation.3">
                   <p:embed/>
                 </p:oleObj>
               </mc:Choice>
               <mc:Fallback>
-                <p:oleObj name="Equation" r:id="rId3" imgW="2222280" imgH="228600" progId="Equation.3">
+                <p:oleObj name="Equation" r:id="rId2" imgW="2222280" imgH="228600" progId="Equation.3">
                   <p:embed/>
                   <p:pic>
                     <p:nvPicPr>
@@ -14401,7 +14760,7 @@
                       <p:nvPr/>
                     </p:nvPicPr>
                     <p:blipFill>
-                      <a:blip r:embed="rId4">
+                      <a:blip r:embed="rId3">
                         <a:extLst>
                           <a:ext uri="{28A0092B-C50C-407E-A947-70E740481C1C}">
                             <a14:useLocalDpi xmlns:a14="http://schemas.microsoft.com/office/drawing/2010/main" val="0"/>
@@ -14443,7 +14802,7 @@
           <p:nvPr/>
         </p:nvPicPr>
         <p:blipFill>
-          <a:blip r:embed="rId5" cstate="print">
+          <a:blip r:embed="rId4" cstate="print">
             <a:extLst>
               <a:ext uri="{28A0092B-C50C-407E-A947-70E740481C1C}">
                 <a14:useLocalDpi xmlns:a14="http://schemas.microsoft.com/office/drawing/2010/main" val="0"/>
@@ -14474,7 +14833,18 @@
   <p:clrMapOvr>
     <a:masterClrMapping/>
   </p:clrMapOvr>
-  <p:transition spd="med"/>
+  <mc:AlternateContent xmlns:mc="http://schemas.openxmlformats.org/markup-compatibility/2006">
+    <mc:Choice xmlns:p159="http://schemas.microsoft.com/office/powerpoint/2015/09/main" Requires="p159">
+      <p:transition>
+        <p159:morph option="byChar"/>
+      </p:transition>
+    </mc:Choice>
+    <mc:Fallback>
+      <p:transition>
+        <p:fade/>
+      </p:transition>
+    </mc:Fallback>
+  </mc:AlternateContent>
 </p:sld>
 </file>
 
@@ -14511,10 +14881,10 @@
           <a:lstStyle/>
           <a:p>
             <a:r>
-              <a:rPr lang="en-US" altLang="ko-KR" dirty="0" smtClean="0"/>
+              <a:rPr lang="en-US" altLang="ko-KR" dirty="0"/>
               <a:t>Differential Amplifier</a:t>
             </a:r>
-            <a:endParaRPr lang="ko-KR" altLang="en-US" dirty="0" smtClean="0"/>
+            <a:endParaRPr lang="ko-KR" altLang="en-US" dirty="0"/>
           </a:p>
         </p:txBody>
       </p:sp>
@@ -14543,7 +14913,7 @@
               <a:defRPr/>
             </a:pPr>
             <a:r>
-              <a:rPr lang="en-US" altLang="ko-KR" sz="2800" b="1" dirty="0" smtClean="0">
+              <a:rPr lang="en-US" altLang="ko-KR" sz="2800" b="1" dirty="0">
                 <a:solidFill>
                   <a:srgbClr val="0070C0"/>
                 </a:solidFill>
@@ -14556,19 +14926,19 @@
               <a:defRPr/>
             </a:pPr>
             <a:r>
-              <a:rPr lang="en-US" altLang="ko-KR" b="1" dirty="0" smtClean="0"/>
+              <a:rPr lang="en-US" altLang="ko-KR" b="1" dirty="0"/>
               <a:t> </a:t>
             </a:r>
             <a:r>
-              <a:rPr lang="en-US" altLang="ko-KR" b="1" i="1" dirty="0" smtClean="0"/>
+              <a:rPr lang="en-US" altLang="ko-KR" b="1" i="1" dirty="0"/>
               <a:t>v</a:t>
             </a:r>
             <a:r>
-              <a:rPr lang="en-US" altLang="ko-KR" b="1" i="1" baseline="-25000" dirty="0" smtClean="0"/>
+              <a:rPr lang="en-US" altLang="ko-KR" b="1" i="1" baseline="-25000" dirty="0"/>
               <a:t>in</a:t>
             </a:r>
             <a:r>
-              <a:rPr lang="en-US" altLang="ko-KR" b="1" dirty="0" smtClean="0"/>
+              <a:rPr lang="en-US" altLang="ko-KR" b="1" dirty="0"/>
               <a:t> is voltage difference between two input</a:t>
             </a:r>
           </a:p>
@@ -14576,7 +14946,7 @@
             <a:pPr lvl="1">
               <a:defRPr/>
             </a:pPr>
-            <a:endParaRPr lang="en-US" altLang="ko-KR" b="1" dirty="0" smtClean="0"/>
+            <a:endParaRPr lang="en-US" altLang="ko-KR" b="1" dirty="0"/>
           </a:p>
           <a:p>
             <a:pPr>
@@ -14656,7 +15026,18 @@
   <p:clrMapOvr>
     <a:masterClrMapping/>
   </p:clrMapOvr>
-  <p:transition spd="med"/>
+  <mc:AlternateContent xmlns:mc="http://schemas.openxmlformats.org/markup-compatibility/2006">
+    <mc:Choice xmlns:p159="http://schemas.microsoft.com/office/powerpoint/2015/09/main" Requires="p159">
+      <p:transition>
+        <p159:morph option="byChar"/>
+      </p:transition>
+    </mc:Choice>
+    <mc:Fallback>
+      <p:transition>
+        <p:fade/>
+      </p:transition>
+    </mc:Fallback>
+  </mc:AlternateContent>
 </p:sld>
 </file>
 
@@ -14693,10 +15074,10 @@
           <a:lstStyle/>
           <a:p>
             <a:r>
-              <a:rPr lang="en-US" altLang="ko-KR" dirty="0" smtClean="0"/>
+              <a:rPr lang="en-US" altLang="ko-KR" dirty="0"/>
               <a:t>Ideal Op Amp</a:t>
             </a:r>
-            <a:endParaRPr lang="ko-KR" altLang="en-US" dirty="0" smtClean="0"/>
+            <a:endParaRPr lang="ko-KR" altLang="en-US" dirty="0"/>
           </a:p>
         </p:txBody>
       </p:sp>
@@ -14729,49 +15110,36 @@
               <a:defRPr/>
             </a:pPr>
             <a:r>
-              <a:rPr lang="en-US" altLang="ko-KR" sz="2800" b="1" dirty="0" smtClean="0">
-                <a:solidFill>
-                  <a:srgbClr val="0070C0"/>
-                </a:solidFill>
-              </a:rPr>
-              <a:t>Ideal </a:t>
-            </a:r>
-            <a:r>
               <a:rPr lang="en-US" altLang="ko-KR" sz="2800" b="1" dirty="0">
                 <a:solidFill>
                   <a:srgbClr val="0070C0"/>
                 </a:solidFill>
               </a:rPr>
-              <a:t>Op Amp </a:t>
-            </a:r>
-            <a:endParaRPr lang="en-US" altLang="ko-KR" sz="2800" b="1" dirty="0" smtClean="0">
-              <a:solidFill>
-                <a:srgbClr val="0070C0"/>
-              </a:solidFill>
-            </a:endParaRPr>
+              <a:t>Ideal Op Amp </a:t>
+            </a:r>
           </a:p>
           <a:p>
             <a:pPr>
               <a:defRPr/>
             </a:pPr>
             <a:r>
-              <a:rPr lang="en-US" altLang="ko-KR" b="1" dirty="0" smtClean="0"/>
+              <a:rPr lang="en-US" altLang="ko-KR" b="1" dirty="0"/>
               <a:t>Noninverting terminal, </a:t>
             </a:r>
             <a:r>
-              <a:rPr lang="en-US" altLang="ko-KR" b="1" i="1" dirty="0" err="1" smtClean="0"/>
+              <a:rPr lang="en-US" altLang="ko-KR" b="1" i="1" dirty="0" err="1"/>
               <a:t>i</a:t>
             </a:r>
             <a:r>
-              <a:rPr lang="en-US" altLang="ko-KR" b="1" i="1" baseline="-25000" dirty="0" smtClean="0"/>
+              <a:rPr lang="en-US" altLang="ko-KR" b="1" i="1" baseline="-25000" dirty="0"/>
               <a:t>+</a:t>
             </a:r>
             <a:r>
-              <a:rPr lang="en-US" altLang="ko-KR" b="1" i="1" dirty="0" smtClean="0"/>
+              <a:rPr lang="en-US" altLang="ko-KR" b="1" i="1" dirty="0"/>
               <a:t>, v</a:t>
             </a:r>
             <a:r>
-              <a:rPr lang="en-US" altLang="ko-KR" b="1" i="1" baseline="-25000" dirty="0" smtClean="0"/>
+              <a:rPr lang="en-US" altLang="ko-KR" b="1" i="1" baseline="-25000" dirty="0"/>
               <a:t>+</a:t>
             </a:r>
           </a:p>
@@ -14780,7 +15148,7 @@
               <a:defRPr/>
             </a:pPr>
             <a:r>
-              <a:rPr lang="en-US" altLang="ko-KR" b="1" dirty="0" smtClean="0"/>
+              <a:rPr lang="en-US" altLang="ko-KR" b="1" dirty="0"/>
               <a:t>Inverting terminal, </a:t>
             </a:r>
             <a:r>
@@ -14799,14 +15167,14 @@
               <a:rPr lang="en-US" altLang="ko-KR" sz="2200" b="1" i="1" baseline="-25000" dirty="0"/>
               <a:t>-</a:t>
             </a:r>
-            <a:endParaRPr lang="en-US" altLang="ko-KR" b="1" dirty="0" smtClean="0"/>
+            <a:endParaRPr lang="en-US" altLang="ko-KR" b="1" dirty="0"/>
           </a:p>
           <a:p>
             <a:pPr>
               <a:defRPr/>
             </a:pPr>
             <a:r>
-              <a:rPr lang="en-US" altLang="ko-KR" b="1" dirty="0" smtClean="0"/>
+              <a:rPr lang="en-US" altLang="ko-KR" b="1" dirty="0"/>
               <a:t>Infinite input resistance  </a:t>
             </a:r>
             <a:r>
@@ -14835,19 +15203,19 @@
               <a:t>Open loop gain </a:t>
             </a:r>
             <a:r>
-              <a:rPr lang="en-US" altLang="ko-KR" b="1" i="1" dirty="0" smtClean="0"/>
+              <a:rPr lang="en-US" altLang="ko-KR" b="1" i="1" dirty="0"/>
               <a:t>A</a:t>
             </a:r>
             <a:r>
-              <a:rPr lang="en-US" altLang="ko-KR" b="1" i="1" baseline="-25000" dirty="0" smtClean="0"/>
+              <a:rPr lang="en-US" altLang="ko-KR" b="1" i="1" baseline="-25000" dirty="0"/>
               <a:t>v</a:t>
             </a:r>
             <a:r>
-              <a:rPr lang="en-US" altLang="ko-KR" b="1" i="1" dirty="0" smtClean="0"/>
+              <a:rPr lang="en-US" altLang="ko-KR" b="1" i="1" dirty="0"/>
               <a:t>→ </a:t>
             </a:r>
             <a:r>
-              <a:rPr lang="en-US" altLang="ko-KR" b="1" dirty="0" smtClean="0"/>
+              <a:rPr lang="en-US" altLang="ko-KR" b="1" dirty="0"/>
               <a:t>∞</a:t>
             </a:r>
           </a:p>
@@ -14856,31 +15224,31 @@
               <a:defRPr/>
             </a:pPr>
             <a:r>
-              <a:rPr lang="en-US" altLang="ko-KR" b="1" i="1" dirty="0" smtClean="0">
+              <a:rPr lang="en-US" altLang="ko-KR" b="1" i="1" dirty="0">
                 <a:latin typeface="+mn-lt"/>
               </a:rPr>
               <a:t>V</a:t>
             </a:r>
             <a:r>
-              <a:rPr lang="en-US" altLang="ko-KR" b="1" i="1" baseline="-25000" dirty="0" smtClean="0">
+              <a:rPr lang="en-US" altLang="ko-KR" b="1" i="1" baseline="-25000" dirty="0">
                 <a:latin typeface="+mn-lt"/>
               </a:rPr>
               <a:t>o</a:t>
             </a:r>
             <a:r>
-              <a:rPr lang="en-US" altLang="ko-KR" b="1" i="1" dirty="0" smtClean="0">
+              <a:rPr lang="en-US" altLang="ko-KR" b="1" i="1" dirty="0">
                 <a:latin typeface="+mn-lt"/>
               </a:rPr>
               <a:t> = A</a:t>
             </a:r>
             <a:r>
-              <a:rPr lang="en-US" altLang="ko-KR" b="1" i="1" baseline="-25000" dirty="0" smtClean="0">
+              <a:rPr lang="en-US" altLang="ko-KR" b="1" i="1" baseline="-25000" dirty="0">
                 <a:latin typeface="+mn-lt"/>
               </a:rPr>
               <a:t>v</a:t>
             </a:r>
             <a:r>
-              <a:rPr lang="en-US" altLang="ko-KR" b="1" i="1" dirty="0" smtClean="0">
+              <a:rPr lang="en-US" altLang="ko-KR" b="1" i="1" dirty="0">
                 <a:latin typeface="+mn-lt"/>
               </a:rPr>
               <a:t>(</a:t>
@@ -14898,19 +15266,19 @@
               <a:t>+ </a:t>
             </a:r>
             <a:r>
-              <a:rPr lang="en-US" altLang="ko-KR" b="1" i="1" dirty="0" smtClean="0">
+              <a:rPr lang="en-US" altLang="ko-KR" b="1" i="1" dirty="0">
                 <a:latin typeface="+mn-lt"/>
               </a:rPr>
               <a:t>- v</a:t>
             </a:r>
             <a:r>
-              <a:rPr lang="en-US" altLang="ko-KR" b="1" i="1" baseline="-25000" dirty="0" smtClean="0">
+              <a:rPr lang="en-US" altLang="ko-KR" b="1" i="1" baseline="-25000" dirty="0">
                 <a:latin typeface="+mn-lt"/>
               </a:rPr>
               <a:t>- </a:t>
             </a:r>
             <a:r>
-              <a:rPr lang="en-US" altLang="ko-KR" b="1" i="1" dirty="0" smtClean="0">
+              <a:rPr lang="en-US" altLang="ko-KR" b="1" i="1" dirty="0">
                 <a:latin typeface="+mn-lt"/>
               </a:rPr>
               <a:t>)</a:t>
@@ -14933,25 +15301,25 @@
               <a:t>+ </a:t>
             </a:r>
             <a:r>
-              <a:rPr lang="en-US" altLang="ko-KR" b="1" i="1" dirty="0" smtClean="0">
+              <a:rPr lang="en-US" altLang="ko-KR" b="1" i="1" dirty="0">
                 <a:latin typeface="+mn-lt"/>
               </a:rPr>
               <a:t>= </a:t>
             </a:r>
             <a:r>
-              <a:rPr lang="en-US" altLang="ko-KR" b="1" i="1" dirty="0" err="1" smtClean="0">
+              <a:rPr lang="en-US" altLang="ko-KR" b="1" i="1" dirty="0" err="1">
                 <a:latin typeface="+mn-lt"/>
               </a:rPr>
               <a:t>i</a:t>
             </a:r>
             <a:r>
-              <a:rPr lang="en-US" altLang="ko-KR" b="1" i="1" baseline="-25000" dirty="0" smtClean="0">
+              <a:rPr lang="en-US" altLang="ko-KR" b="1" i="1" baseline="-25000" dirty="0">
                 <a:latin typeface="+mn-lt"/>
               </a:rPr>
               <a:t>- </a:t>
             </a:r>
             <a:r>
-              <a:rPr lang="en-US" altLang="ko-KR" b="1" i="1" dirty="0" smtClean="0">
+              <a:rPr lang="en-US" altLang="ko-KR" b="1" i="1" dirty="0">
                 <a:latin typeface="+mn-lt"/>
               </a:rPr>
               <a:t> = 0</a:t>
@@ -15029,7 +15397,18 @@
   <p:clrMapOvr>
     <a:masterClrMapping/>
   </p:clrMapOvr>
-  <p:transition spd="med"/>
+  <mc:AlternateContent xmlns:mc="http://schemas.openxmlformats.org/markup-compatibility/2006">
+    <mc:Choice xmlns:p159="http://schemas.microsoft.com/office/powerpoint/2015/09/main" Requires="p159">
+      <p:transition>
+        <p159:morph option="byChar"/>
+      </p:transition>
+    </mc:Choice>
+    <mc:Fallback>
+      <p:transition>
+        <p:fade/>
+      </p:transition>
+    </mc:Fallback>
+  </mc:AlternateContent>
 </p:sld>
 </file>
 
@@ -15066,10 +15445,10 @@
           <a:lstStyle/>
           <a:p>
             <a:r>
-              <a:rPr lang="en-US" altLang="ko-KR" dirty="0" smtClean="0"/>
+              <a:rPr lang="en-US" altLang="ko-KR" dirty="0"/>
               <a:t>Ideal Op Amp</a:t>
             </a:r>
-            <a:endParaRPr lang="ko-KR" altLang="en-US" dirty="0" smtClean="0"/>
+            <a:endParaRPr lang="ko-KR" altLang="en-US" dirty="0"/>
           </a:p>
         </p:txBody>
       </p:sp>
@@ -15099,7 +15478,7 @@
                   <a:defRPr/>
                 </a:pPr>
                 <a:r>
-                  <a:rPr lang="en-US" altLang="ko-KR" b="1" dirty="0" smtClean="0"/>
+                  <a:rPr lang="en-US" altLang="ko-KR" b="1" dirty="0"/>
                   <a:t>Negative feedback </a:t>
                 </a:r>
               </a:p>
@@ -15108,7 +15487,7 @@
                   <a:defRPr/>
                 </a:pPr>
                 <a:r>
-                  <a:rPr lang="en-US" altLang="ko-KR" b="1" dirty="0" smtClean="0"/>
+                  <a:rPr lang="en-US" altLang="ko-KR" b="1" dirty="0"/>
                   <a:t>a large class of useful circuits with op amps.</a:t>
                 </a:r>
               </a:p>
@@ -15117,19 +15496,19 @@
                   <a:defRPr/>
                 </a:pPr>
                 <a:r>
-                  <a:rPr lang="en-US" altLang="ko-KR" b="1" i="1" dirty="0" smtClean="0"/>
+                  <a:rPr lang="en-US" altLang="ko-KR" b="1" i="1" dirty="0"/>
                   <a:t>closed-loop gain</a:t>
                 </a:r>
                 <a:r>
-                  <a:rPr lang="en-US" altLang="ko-KR" b="1" dirty="0" smtClean="0"/>
+                  <a:rPr lang="en-US" altLang="ko-KR" b="1" dirty="0"/>
                   <a:t>, </a:t>
                 </a:r>
                 <a:r>
-                  <a:rPr lang="en-US" altLang="ko-KR" b="1" i="1" dirty="0" smtClean="0"/>
+                  <a:rPr lang="en-US" altLang="ko-KR" b="1" i="1" dirty="0"/>
                   <a:t>A</a:t>
                 </a:r>
                 <a:r>
-                  <a:rPr lang="en-US" altLang="ko-KR" b="1" i="1" baseline="-25000" dirty="0" smtClean="0"/>
+                  <a:rPr lang="en-US" altLang="ko-KR" b="1" i="1" baseline="-25000" dirty="0"/>
                   <a:t>F</a:t>
                 </a:r>
               </a:p>
@@ -15272,7 +15651,7 @@
                     </m:oMath>
                   </m:oMathPara>
                 </a14:m>
-                <a:endParaRPr lang="en-US" altLang="ko-KR" b="1" dirty="0" smtClean="0"/>
+                <a:endParaRPr lang="en-US" altLang="ko-KR" b="1" dirty="0"/>
               </a:p>
               <a:p>
                 <a:pPr marL="0" indent="0">
@@ -15286,7 +15665,7 @@
                   <a:buNone/>
                   <a:defRPr/>
                 </a:pPr>
-                <a:endParaRPr lang="en-US" altLang="ko-KR" b="1" dirty="0" smtClean="0"/>
+                <a:endParaRPr lang="en-US" altLang="ko-KR" b="1" dirty="0"/>
               </a:p>
               <a:p>
                 <a:pPr marL="0" indent="0">
@@ -15300,7 +15679,7 @@
                   <a:buNone/>
                   <a:defRPr/>
                 </a:pPr>
-                <a:endParaRPr lang="en-US" altLang="ko-KR" b="1" dirty="0" smtClean="0"/>
+                <a:endParaRPr lang="en-US" altLang="ko-KR" b="1" dirty="0"/>
               </a:p>
               <a:p>
                 <a:pPr marL="0" indent="0">
@@ -15314,7 +15693,7 @@
                   <a:buNone/>
                   <a:defRPr/>
                 </a:pPr>
-                <a:endParaRPr lang="en-US" altLang="ko-KR" b="1" dirty="0" smtClean="0"/>
+                <a:endParaRPr lang="en-US" altLang="ko-KR" b="1" dirty="0"/>
               </a:p>
               <a:p>
                 <a:pPr marL="400050" lvl="1" indent="0">
@@ -15322,19 +15701,19 @@
                   <a:defRPr/>
                 </a:pPr>
                 <a:r>
-                  <a:rPr lang="en-US" altLang="ko-KR" b="1" dirty="0" smtClean="0"/>
+                  <a:rPr lang="en-US" altLang="ko-KR" b="1" dirty="0"/>
                   <a:t> </a:t>
                 </a:r>
                 <a:r>
-                  <a:rPr lang="en-US" altLang="ko-KR" sz="1800" b="1" dirty="0" smtClean="0"/>
+                  <a:rPr lang="en-US" altLang="ko-KR" sz="1800" b="1" dirty="0"/>
                   <a:t>Op amp with feedback circuit       </a:t>
                 </a:r>
                 <a:r>
-                  <a:rPr lang="en-US" altLang="ko-KR" sz="1800" b="1" dirty="0" err="1" smtClean="0"/>
+                  <a:rPr lang="en-US" altLang="ko-KR" sz="1800" b="1" dirty="0" err="1"/>
                   <a:t>Circuit</a:t>
                 </a:r>
                 <a:r>
-                  <a:rPr lang="en-US" altLang="ko-KR" sz="1800" b="1" dirty="0" smtClean="0"/>
+                  <a:rPr lang="en-US" altLang="ko-KR" sz="1800" b="1" dirty="0"/>
                   <a:t> model of ideal op amp with feedback</a:t>
                 </a:r>
                 <a:endParaRPr lang="ko-KR" altLang="en-US" sz="1800" b="1" dirty="0"/>
@@ -15450,7 +15829,18 @@
   <p:clrMapOvr>
     <a:masterClrMapping/>
   </p:clrMapOvr>
-  <p:transition spd="med"/>
+  <mc:AlternateContent xmlns:mc="http://schemas.openxmlformats.org/markup-compatibility/2006">
+    <mc:Choice xmlns:p159="http://schemas.microsoft.com/office/powerpoint/2015/09/main" Requires="p159">
+      <p:transition>
+        <p159:morph option="byChar"/>
+      </p:transition>
+    </mc:Choice>
+    <mc:Fallback>
+      <p:transition>
+        <p:fade/>
+      </p:transition>
+    </mc:Fallback>
+  </mc:AlternateContent>
 </p:sld>
 </file>
 
@@ -15487,10 +15877,10 @@
           <a:lstStyle/>
           <a:p>
             <a:r>
-              <a:rPr lang="en-US" altLang="ko-KR" dirty="0" smtClean="0"/>
+              <a:rPr lang="en-US" altLang="ko-KR" dirty="0"/>
               <a:t>Noninverting Amplifier</a:t>
             </a:r>
-            <a:endParaRPr lang="ko-KR" altLang="en-US" dirty="0" smtClean="0"/>
+            <a:endParaRPr lang="ko-KR" altLang="en-US" dirty="0"/>
           </a:p>
         </p:txBody>
       </p:sp>
@@ -15519,73 +15909,61 @@
               <a:buNone/>
             </a:pPr>
             <a:r>
-              <a:rPr lang="en-US" altLang="ko-KR" sz="2800" b="1" dirty="0" smtClean="0">
-                <a:solidFill>
-                  <a:srgbClr val="0070C0"/>
-                </a:solidFill>
-              </a:rPr>
-              <a:t>Noninverting  </a:t>
-            </a:r>
-            <a:r>
               <a:rPr lang="en-US" altLang="ko-KR" sz="2800" b="1" dirty="0">
                 <a:solidFill>
                   <a:srgbClr val="0070C0"/>
                 </a:solidFill>
               </a:rPr>
-              <a:t>Amp </a:t>
-            </a:r>
-          </a:p>
-          <a:p>
-            <a:r>
-              <a:rPr lang="en-US" altLang="ko-KR" dirty="0" smtClean="0"/>
+              <a:t>Noninverting  Amp </a:t>
+            </a:r>
+          </a:p>
+          <a:p>
+            <a:r>
+              <a:rPr lang="en-US" altLang="ko-KR" dirty="0"/>
               <a:t>feedback to the noninverting input</a:t>
             </a:r>
           </a:p>
           <a:p>
             <a:r>
-              <a:rPr lang="en-US" altLang="ko-KR" dirty="0" smtClean="0"/>
+              <a:rPr lang="en-US" altLang="ko-KR" dirty="0"/>
               <a:t>input voltage </a:t>
             </a:r>
           </a:p>
           <a:p>
             <a:r>
-              <a:rPr lang="en-US" altLang="ko-KR" dirty="0" smtClean="0"/>
+              <a:rPr lang="en-US" altLang="ko-KR" dirty="0"/>
               <a:t>negative feedback causes</a:t>
             </a:r>
           </a:p>
           <a:p>
             <a:r>
-              <a:rPr lang="en-US" altLang="ko-KR" dirty="0" smtClean="0"/>
+              <a:rPr lang="en-US" altLang="ko-KR" dirty="0"/>
               <a:t>no current flows into       input, therefore</a:t>
             </a:r>
           </a:p>
           <a:p>
             <a:r>
-              <a:rPr lang="en-US" altLang="ko-KR" dirty="0" smtClean="0"/>
+              <a:rPr lang="en-US" altLang="ko-KR" dirty="0"/>
               <a:t>closed-loop voltage gain</a:t>
             </a:r>
             <a:br>
-              <a:rPr lang="en-US" altLang="ko-KR" dirty="0" smtClean="0"/>
+              <a:rPr lang="en-US" altLang="ko-KR" dirty="0"/>
             </a:br>
-            <a:r>
-              <a:rPr lang="en-US" altLang="ko-KR" dirty="0" smtClean="0"/>
-              <a:t/>
-            </a:r>
             <a:br>
-              <a:rPr lang="en-US" altLang="ko-KR" dirty="0" smtClean="0"/>
+              <a:rPr lang="en-US" altLang="ko-KR" dirty="0"/>
             </a:br>
-            <a:endParaRPr lang="en-US" altLang="ko-KR" dirty="0" smtClean="0"/>
+            <a:endParaRPr lang="en-US" altLang="ko-KR" dirty="0"/>
           </a:p>
           <a:p>
             <a:pPr lvl="1"/>
-            <a:endParaRPr lang="en-US" altLang="ko-KR" dirty="0" smtClean="0"/>
+            <a:endParaRPr lang="en-US" altLang="ko-KR" dirty="0"/>
           </a:p>
           <a:p>
             <a:pPr marL="0" indent="0">
               <a:buNone/>
             </a:pPr>
             <a:r>
-              <a:rPr lang="en-US" altLang="ko-KR" dirty="0" smtClean="0"/>
+              <a:rPr lang="en-US" altLang="ko-KR" dirty="0"/>
               <a:t> </a:t>
             </a:r>
           </a:p>
@@ -15613,12 +15991,12 @@
           <a:graphicData uri="http://schemas.openxmlformats.org/presentationml/2006/ole">
             <mc:AlternateContent xmlns:mc="http://schemas.openxmlformats.org/markup-compatibility/2006">
               <mc:Choice xmlns:v="urn:schemas-microsoft-com:vml" Requires="v">
-                <p:oleObj spid="_x0000_s75798" name="Equation" r:id="rId3" imgW="1054080" imgH="431640" progId="Equation.3">
+                <p:oleObj name="Equation" r:id="rId2" imgW="1054080" imgH="431640" progId="Equation.3">
                   <p:embed/>
                 </p:oleObj>
               </mc:Choice>
               <mc:Fallback>
-                <p:oleObj name="Equation" r:id="rId3" imgW="1054080" imgH="431640" progId="Equation.3">
+                <p:oleObj name="Equation" r:id="rId2" imgW="1054080" imgH="431640" progId="Equation.3">
                   <p:embed/>
                   <p:pic>
                     <p:nvPicPr>
@@ -15629,7 +16007,7 @@
                       <p:nvPr/>
                     </p:nvPicPr>
                     <p:blipFill>
-                      <a:blip r:embed="rId4">
+                      <a:blip r:embed="rId3">
                         <a:extLst>
                           <a:ext uri="{28A0092B-C50C-407E-A947-70E740481C1C}">
                             <a14:useLocalDpi xmlns:a14="http://schemas.microsoft.com/office/drawing/2010/main" val="0"/>
@@ -15684,12 +16062,12 @@
           <a:graphicData uri="http://schemas.openxmlformats.org/presentationml/2006/ole">
             <mc:AlternateContent xmlns:mc="http://schemas.openxmlformats.org/markup-compatibility/2006">
               <mc:Choice xmlns:v="urn:schemas-microsoft-com:vml" Requires="v">
-                <p:oleObj spid="_x0000_s75799" name="Equation" r:id="rId5" imgW="431640" imgH="228600" progId="Equation.3">
+                <p:oleObj name="Equation" r:id="rId4" imgW="431640" imgH="228600" progId="Equation.3">
                   <p:embed/>
                 </p:oleObj>
               </mc:Choice>
               <mc:Fallback>
-                <p:oleObj name="Equation" r:id="rId5" imgW="431640" imgH="228600" progId="Equation.3">
+                <p:oleObj name="Equation" r:id="rId4" imgW="431640" imgH="228600" progId="Equation.3">
                   <p:embed/>
                   <p:pic>
                     <p:nvPicPr>
@@ -15700,7 +16078,7 @@
                       <p:nvPr/>
                     </p:nvPicPr>
                     <p:blipFill>
-                      <a:blip r:embed="rId6">
+                      <a:blip r:embed="rId5">
                         <a:extLst>
                           <a:ext uri="{28A0092B-C50C-407E-A947-70E740481C1C}">
                             <a14:useLocalDpi xmlns:a14="http://schemas.microsoft.com/office/drawing/2010/main" val="0"/>
@@ -15755,12 +16133,12 @@
           <a:graphicData uri="http://schemas.openxmlformats.org/presentationml/2006/ole">
             <mc:AlternateContent xmlns:mc="http://schemas.openxmlformats.org/markup-compatibility/2006">
               <mc:Choice xmlns:v="urn:schemas-microsoft-com:vml" Requires="v">
-                <p:oleObj spid="_x0000_s75800" name="Equation" r:id="rId7" imgW="711000" imgH="228600" progId="Equation.3">
+                <p:oleObj name="Equation" r:id="rId6" imgW="711000" imgH="228600" progId="Equation.3">
                   <p:embed/>
                 </p:oleObj>
               </mc:Choice>
               <mc:Fallback>
-                <p:oleObj name="Equation" r:id="rId7" imgW="711000" imgH="228600" progId="Equation.3">
+                <p:oleObj name="Equation" r:id="rId6" imgW="711000" imgH="228600" progId="Equation.3">
                   <p:embed/>
                   <p:pic>
                     <p:nvPicPr>
@@ -15771,7 +16149,7 @@
                       <p:nvPr/>
                     </p:nvPicPr>
                     <p:blipFill>
-                      <a:blip r:embed="rId8">
+                      <a:blip r:embed="rId7">
                         <a:extLst>
                           <a:ext uri="{28A0092B-C50C-407E-A947-70E740481C1C}">
                             <a14:useLocalDpi xmlns:a14="http://schemas.microsoft.com/office/drawing/2010/main" val="0"/>
@@ -15826,12 +16204,12 @@
           <a:graphicData uri="http://schemas.openxmlformats.org/presentationml/2006/ole">
             <mc:AlternateContent xmlns:mc="http://schemas.openxmlformats.org/markup-compatibility/2006">
               <mc:Choice xmlns:v="urn:schemas-microsoft-com:vml" Requires="v">
-                <p:oleObj spid="_x0000_s75801" name="Equation" r:id="rId9" imgW="164880" imgH="215640" progId="Equation.3">
+                <p:oleObj name="Equation" r:id="rId8" imgW="164880" imgH="215640" progId="Equation.3">
                   <p:embed/>
                 </p:oleObj>
               </mc:Choice>
               <mc:Fallback>
-                <p:oleObj name="Equation" r:id="rId9" imgW="164880" imgH="215640" progId="Equation.3">
+                <p:oleObj name="Equation" r:id="rId8" imgW="164880" imgH="215640" progId="Equation.3">
                   <p:embed/>
                   <p:pic>
                     <p:nvPicPr>
@@ -15842,7 +16220,7 @@
                       <p:nvPr/>
                     </p:nvPicPr>
                     <p:blipFill>
-                      <a:blip r:embed="rId10">
+                      <a:blip r:embed="rId9">
                         <a:extLst>
                           <a:ext uri="{28A0092B-C50C-407E-A947-70E740481C1C}">
                             <a14:useLocalDpi xmlns:a14="http://schemas.microsoft.com/office/drawing/2010/main" val="0"/>
@@ -15897,12 +16275,12 @@
           <a:graphicData uri="http://schemas.openxmlformats.org/presentationml/2006/ole">
             <mc:AlternateContent xmlns:mc="http://schemas.openxmlformats.org/markup-compatibility/2006">
               <mc:Choice xmlns:v="urn:schemas-microsoft-com:vml" Requires="v">
-                <p:oleObj spid="_x0000_s75802" name="Equation" r:id="rId11" imgW="1333440" imgH="431640" progId="Equation.3">
+                <p:oleObj name="Equation" r:id="rId10" imgW="1333440" imgH="431640" progId="Equation.3">
                   <p:embed/>
                 </p:oleObj>
               </mc:Choice>
               <mc:Fallback>
-                <p:oleObj name="Equation" r:id="rId11" imgW="1333440" imgH="431640" progId="Equation.3">
+                <p:oleObj name="Equation" r:id="rId10" imgW="1333440" imgH="431640" progId="Equation.3">
                   <p:embed/>
                   <p:pic>
                     <p:nvPicPr>
@@ -15913,7 +16291,7 @@
                       <p:nvPr/>
                     </p:nvPicPr>
                     <p:blipFill>
-                      <a:blip r:embed="rId12">
+                      <a:blip r:embed="rId11">
                         <a:extLst>
                           <a:ext uri="{28A0092B-C50C-407E-A947-70E740481C1C}">
                             <a14:useLocalDpi xmlns:a14="http://schemas.microsoft.com/office/drawing/2010/main" val="0"/>
@@ -15955,7 +16333,7 @@
           <p:nvPr/>
         </p:nvPicPr>
         <p:blipFill>
-          <a:blip r:embed="rId13" cstate="print">
+          <a:blip r:embed="rId12" cstate="print">
             <a:extLst>
               <a:ext uri="{28A0092B-C50C-407E-A947-70E740481C1C}">
                 <a14:useLocalDpi xmlns:a14="http://schemas.microsoft.com/office/drawing/2010/main" val="0"/>
@@ -15986,7 +16364,18 @@
   <p:clrMapOvr>
     <a:masterClrMapping/>
   </p:clrMapOvr>
-  <p:transition spd="med"/>
+  <mc:AlternateContent xmlns:mc="http://schemas.openxmlformats.org/markup-compatibility/2006">
+    <mc:Choice xmlns:p159="http://schemas.microsoft.com/office/powerpoint/2015/09/main" Requires="p159">
+      <p:transition>
+        <p159:morph option="byChar"/>
+      </p:transition>
+    </mc:Choice>
+    <mc:Fallback>
+      <p:transition>
+        <p:fade/>
+      </p:transition>
+    </mc:Fallback>
+  </mc:AlternateContent>
 </p:sld>
 </file>
 
@@ -16023,10 +16412,10 @@
           <a:lstStyle/>
           <a:p>
             <a:r>
-              <a:rPr lang="en-US" altLang="ko-KR" dirty="0" smtClean="0"/>
+              <a:rPr lang="en-US" altLang="ko-KR" dirty="0"/>
               <a:t>Noninverting Amplifier</a:t>
             </a:r>
-            <a:endParaRPr lang="ko-KR" altLang="en-US" dirty="0" smtClean="0"/>
+            <a:endParaRPr lang="ko-KR" altLang="en-US" dirty="0"/>
           </a:p>
         </p:txBody>
       </p:sp>
@@ -16055,46 +16444,37 @@
               <a:buNone/>
             </a:pPr>
             <a:r>
-              <a:rPr lang="en-US" altLang="ko-KR" sz="2800" b="1" dirty="0" smtClean="0">
+              <a:rPr lang="en-US" altLang="ko-KR" sz="2800" b="1" dirty="0">
                 <a:solidFill>
                   <a:srgbClr val="A50021"/>
                 </a:solidFill>
               </a:rPr>
               <a:t>Example 10.1</a:t>
             </a:r>
-            <a:endParaRPr lang="en-US" altLang="ko-KR" sz="2800" b="1" dirty="0">
-              <a:solidFill>
-                <a:srgbClr val="A50021"/>
-              </a:solidFill>
-            </a:endParaRPr>
-          </a:p>
-          <a:p>
-            <a:r>
-              <a:rPr lang="en-US" altLang="ko-KR" dirty="0" smtClean="0"/>
+          </a:p>
+          <a:p>
+            <a:r>
+              <a:rPr lang="en-US" altLang="ko-KR" dirty="0"/>
               <a:t>closed-loop voltage gain</a:t>
             </a:r>
             <a:br>
-              <a:rPr lang="en-US" altLang="ko-KR" dirty="0" smtClean="0"/>
+              <a:rPr lang="en-US" altLang="ko-KR" dirty="0"/>
             </a:br>
-            <a:r>
-              <a:rPr lang="en-US" altLang="ko-KR" dirty="0" smtClean="0"/>
-              <a:t/>
-            </a:r>
             <a:br>
-              <a:rPr lang="en-US" altLang="ko-KR" dirty="0" smtClean="0"/>
+              <a:rPr lang="en-US" altLang="ko-KR" dirty="0"/>
             </a:br>
-            <a:endParaRPr lang="en-US" altLang="ko-KR" dirty="0" smtClean="0"/>
+            <a:endParaRPr lang="en-US" altLang="ko-KR" dirty="0"/>
           </a:p>
           <a:p>
             <a:pPr lvl="1"/>
-            <a:endParaRPr lang="en-US" altLang="ko-KR" dirty="0" smtClean="0"/>
+            <a:endParaRPr lang="en-US" altLang="ko-KR" dirty="0"/>
           </a:p>
           <a:p>
             <a:pPr marL="0" indent="0">
               <a:buNone/>
             </a:pPr>
             <a:r>
-              <a:rPr lang="en-US" altLang="ko-KR" dirty="0" smtClean="0"/>
+              <a:rPr lang="en-US" altLang="ko-KR" dirty="0"/>
               <a:t> </a:t>
             </a:r>
           </a:p>
@@ -16122,12 +16502,12 @@
           <a:graphicData uri="http://schemas.openxmlformats.org/presentationml/2006/ole">
             <mc:AlternateContent xmlns:mc="http://schemas.openxmlformats.org/markup-compatibility/2006">
               <mc:Choice xmlns:v="urn:schemas-microsoft-com:vml" Requires="v">
-                <p:oleObj spid="_x0000_s87045" name="Equation" r:id="rId3" imgW="1054080" imgH="431640" progId="Equation.3">
+                <p:oleObj name="Equation" r:id="rId2" imgW="1054080" imgH="431640" progId="Equation.3">
                   <p:embed/>
                 </p:oleObj>
               </mc:Choice>
               <mc:Fallback>
-                <p:oleObj name="Equation" r:id="rId3" imgW="1054080" imgH="431640" progId="Equation.3">
+                <p:oleObj name="Equation" r:id="rId2" imgW="1054080" imgH="431640" progId="Equation.3">
                   <p:embed/>
                   <p:pic>
                     <p:nvPicPr>
@@ -16138,7 +16518,7 @@
                       <p:nvPr/>
                     </p:nvPicPr>
                     <p:blipFill>
-                      <a:blip r:embed="rId4">
+                      <a:blip r:embed="rId3">
                         <a:extLst>
                           <a:ext uri="{28A0092B-C50C-407E-A947-70E740481C1C}">
                             <a14:useLocalDpi xmlns:a14="http://schemas.microsoft.com/office/drawing/2010/main" val="0"/>
@@ -16180,7 +16560,7 @@
           <p:nvPr/>
         </p:nvPicPr>
         <p:blipFill>
-          <a:blip r:embed="rId5" cstate="print">
+          <a:blip r:embed="rId4" cstate="print">
             <a:extLst>
               <a:ext uri="{28A0092B-C50C-407E-A947-70E740481C1C}">
                 <a14:useLocalDpi xmlns:a14="http://schemas.microsoft.com/office/drawing/2010/main" val="0"/>
@@ -16211,7 +16591,18 @@
   <p:clrMapOvr>
     <a:masterClrMapping/>
   </p:clrMapOvr>
-  <p:transition spd="med"/>
+  <mc:AlternateContent xmlns:mc="http://schemas.openxmlformats.org/markup-compatibility/2006">
+    <mc:Choice xmlns:p159="http://schemas.microsoft.com/office/powerpoint/2015/09/main" Requires="p159">
+      <p:transition>
+        <p159:morph option="byChar"/>
+      </p:transition>
+    </mc:Choice>
+    <mc:Fallback>
+      <p:transition>
+        <p:fade/>
+      </p:transition>
+    </mc:Fallback>
+  </mc:AlternateContent>
 </p:sld>
 </file>
 
